--- a/L1/L1 POA Sem1/Cours POA L1.pptx
+++ b/L1/L1 POA Sem1/Cours POA L1.pptx
@@ -35,12 +35,12 @@
     <p:sldId id="283" r:id="rId26"/>
     <p:sldId id="284" r:id="rId27"/>
     <p:sldId id="265" r:id="rId28"/>
-    <p:sldId id="266" r:id="rId29"/>
-    <p:sldId id="287" r:id="rId30"/>
-    <p:sldId id="285" r:id="rId31"/>
-    <p:sldId id="286" r:id="rId32"/>
-    <p:sldId id="267" r:id="rId33"/>
-    <p:sldId id="288" r:id="rId34"/>
+    <p:sldId id="287" r:id="rId29"/>
+    <p:sldId id="285" r:id="rId30"/>
+    <p:sldId id="286" r:id="rId31"/>
+    <p:sldId id="266" r:id="rId32"/>
+    <p:sldId id="288" r:id="rId33"/>
+    <p:sldId id="267" r:id="rId34"/>
     <p:sldId id="289" r:id="rId35"/>
     <p:sldId id="290" r:id="rId36"/>
   </p:sldIdLst>
@@ -16598,7 +16598,7 @@
         </p:blipFill>
         <p:spPr>
           <a:xfrm>
-            <a:off x="7723616" y="5940316"/>
+            <a:off x="7561056" y="4256807"/>
             <a:ext cx="2962688" cy="781159"/>
           </a:xfrm>
           <a:prstGeom prst="rect">
@@ -16614,16 +16614,243 @@
           </p:cNvPicPr>
           <p:nvPr/>
         </p:nvPicPr>
-        <p:blipFill>
+        <p:blipFill rotWithShape="1">
           <a:blip r:embed="rId3"/>
-          <a:stretch>
-            <a:fillRect/>
-          </a:stretch>
+          <a:srcRect l="-1" t="10512" r="525" b="80553"/>
+          <a:stretch/>
         </p:blipFill>
         <p:spPr>
           <a:xfrm>
-            <a:off x="204186" y="1440280"/>
-            <a:ext cx="11366701" cy="4662335"/>
+            <a:off x="275307" y="1332316"/>
+            <a:ext cx="11307094" cy="416561"/>
+          </a:xfrm>
+          <a:prstGeom prst="rect">
+            <a:avLst/>
+          </a:prstGeom>
+        </p:spPr>
+      </p:pic>
+      <p:pic>
+        <p:nvPicPr>
+          <p:cNvPr id="6" name="Image 5"/>
+          <p:cNvPicPr>
+            <a:picLocks noChangeAspect="1"/>
+          </p:cNvPicPr>
+          <p:nvPr/>
+        </p:nvPicPr>
+        <p:blipFill rotWithShape="1">
+          <a:blip r:embed="rId3"/>
+          <a:srcRect l="7500" t="23151" r="20367" b="59415"/>
+          <a:stretch/>
+        </p:blipFill>
+        <p:spPr>
+          <a:xfrm>
+            <a:off x="391160" y="1800546"/>
+            <a:ext cx="8199120" cy="812800"/>
+          </a:xfrm>
+          <a:prstGeom prst="rect">
+            <a:avLst/>
+          </a:prstGeom>
+        </p:spPr>
+      </p:pic>
+      <p:pic>
+        <p:nvPicPr>
+          <p:cNvPr id="7" name="Image 6"/>
+          <p:cNvPicPr>
+            <a:picLocks noChangeAspect="1"/>
+          </p:cNvPicPr>
+          <p:nvPr/>
+        </p:nvPicPr>
+        <p:blipFill rotWithShape="1">
+          <a:blip r:embed="rId4">
+            <a:duotone>
+              <a:schemeClr val="accent6">
+                <a:shade val="45000"/>
+                <a:satMod val="135000"/>
+              </a:schemeClr>
+              <a:prstClr val="white"/>
+            </a:duotone>
+          </a:blip>
+          <a:srcRect t="9926" r="74774" b="70838"/>
+          <a:stretch/>
+        </p:blipFill>
+        <p:spPr>
+          <a:xfrm>
+            <a:off x="697657" y="2510120"/>
+            <a:ext cx="2306958" cy="914401"/>
+          </a:xfrm>
+          <a:prstGeom prst="rect">
+            <a:avLst/>
+          </a:prstGeom>
+        </p:spPr>
+      </p:pic>
+      <p:pic>
+        <p:nvPicPr>
+          <p:cNvPr id="8" name="Image 7"/>
+          <p:cNvPicPr>
+            <a:picLocks noChangeAspect="1"/>
+          </p:cNvPicPr>
+          <p:nvPr/>
+        </p:nvPicPr>
+        <p:blipFill rotWithShape="1">
+          <a:blip r:embed="rId4">
+            <a:duotone>
+              <a:schemeClr val="accent6">
+                <a:shade val="45000"/>
+                <a:satMod val="135000"/>
+              </a:schemeClr>
+              <a:prstClr val="white"/>
+            </a:duotone>
+          </a:blip>
+          <a:srcRect l="2229" t="38565" r="72434" b="42199"/>
+          <a:stretch/>
+        </p:blipFill>
+        <p:spPr>
+          <a:xfrm>
+            <a:off x="2076763" y="3515089"/>
+            <a:ext cx="2317118" cy="914401"/>
+          </a:xfrm>
+          <a:prstGeom prst="rect">
+            <a:avLst/>
+          </a:prstGeom>
+        </p:spPr>
+      </p:pic>
+      <p:pic>
+        <p:nvPicPr>
+          <p:cNvPr id="9" name="Image 8"/>
+          <p:cNvPicPr>
+            <a:picLocks noChangeAspect="1"/>
+          </p:cNvPicPr>
+          <p:nvPr/>
+        </p:nvPicPr>
+        <p:blipFill rotWithShape="1">
+          <a:blip r:embed="rId4"/>
+          <a:srcRect l="2340" t="56946" r="76552" b="35360"/>
+          <a:stretch/>
+        </p:blipFill>
+        <p:spPr>
+          <a:xfrm>
+            <a:off x="5630656" y="4464505"/>
+            <a:ext cx="1930400" cy="365761"/>
+          </a:xfrm>
+          <a:prstGeom prst="rect">
+            <a:avLst/>
+          </a:prstGeom>
+        </p:spPr>
+      </p:pic>
+      <p:pic>
+        <p:nvPicPr>
+          <p:cNvPr id="10" name="Image 9"/>
+          <p:cNvPicPr>
+            <a:picLocks noChangeAspect="1"/>
+          </p:cNvPicPr>
+          <p:nvPr/>
+        </p:nvPicPr>
+        <p:blipFill rotWithShape="1">
+          <a:blip r:embed="rId4">
+            <a:duotone>
+              <a:schemeClr val="accent6">
+                <a:shade val="45000"/>
+                <a:satMod val="135000"/>
+              </a:schemeClr>
+              <a:prstClr val="white"/>
+            </a:duotone>
+          </a:blip>
+          <a:srcRect l="27899" t="38565" r="58110" b="42199"/>
+          <a:stretch/>
+        </p:blipFill>
+        <p:spPr>
+          <a:xfrm>
+            <a:off x="4424361" y="3515089"/>
+            <a:ext cx="1279522" cy="914401"/>
+          </a:xfrm>
+          <a:prstGeom prst="rect">
+            <a:avLst/>
+          </a:prstGeom>
+        </p:spPr>
+      </p:pic>
+      <p:pic>
+        <p:nvPicPr>
+          <p:cNvPr id="11" name="Image 10"/>
+          <p:cNvPicPr>
+            <a:picLocks noChangeAspect="1"/>
+          </p:cNvPicPr>
+          <p:nvPr/>
+        </p:nvPicPr>
+        <p:blipFill rotWithShape="1">
+          <a:blip r:embed="rId4">
+            <a:duotone>
+              <a:schemeClr val="accent2">
+                <a:shade val="45000"/>
+                <a:satMod val="135000"/>
+              </a:schemeClr>
+              <a:prstClr val="white"/>
+            </a:duotone>
+          </a:blip>
+          <a:srcRect l="37558" t="9926" r="2340" b="70838"/>
+          <a:stretch/>
+        </p:blipFill>
+        <p:spPr>
+          <a:xfrm>
+            <a:off x="3400217" y="2481282"/>
+            <a:ext cx="5496560" cy="914401"/>
+          </a:xfrm>
+          <a:prstGeom prst="rect">
+            <a:avLst/>
+          </a:prstGeom>
+        </p:spPr>
+      </p:pic>
+      <p:pic>
+        <p:nvPicPr>
+          <p:cNvPr id="12" name="Image 11"/>
+          <p:cNvPicPr>
+            <a:picLocks noChangeAspect="1"/>
+          </p:cNvPicPr>
+          <p:nvPr/>
+        </p:nvPicPr>
+        <p:blipFill rotWithShape="1">
+          <a:blip r:embed="rId5">
+            <a:extLst>
+              <a:ext uri="{BEBA8EAE-BF5A-486C-A8C5-ECC9F3942E4B}">
+                <a14:imgProps xmlns:a14="http://schemas.microsoft.com/office/drawing/2010/main">
+                  <a14:imgLayer r:embed="rId6">
+                    <a14:imgEffect>
+                      <a14:artisticPhotocopy/>
+                    </a14:imgEffect>
+                  </a14:imgLayer>
+                </a14:imgProps>
+              </a:ext>
+            </a:extLst>
+          </a:blip>
+          <a:srcRect b="52736"/>
+          <a:stretch/>
+        </p:blipFill>
+        <p:spPr>
+          <a:xfrm>
+            <a:off x="528500" y="5234085"/>
+            <a:ext cx="5649113" cy="882491"/>
+          </a:xfrm>
+          <a:prstGeom prst="rect">
+            <a:avLst/>
+          </a:prstGeom>
+        </p:spPr>
+      </p:pic>
+      <p:pic>
+        <p:nvPicPr>
+          <p:cNvPr id="13" name="Image 12"/>
+          <p:cNvPicPr>
+            <a:picLocks noChangeAspect="1"/>
+          </p:cNvPicPr>
+          <p:nvPr/>
+        </p:nvPicPr>
+        <p:blipFill rotWithShape="1">
+          <a:blip r:embed="rId7"/>
+          <a:srcRect t="54337"/>
+          <a:stretch/>
+        </p:blipFill>
+        <p:spPr>
+          <a:xfrm>
+            <a:off x="6072220" y="5484623"/>
+            <a:ext cx="5649113" cy="852590"/>
           </a:xfrm>
           <a:prstGeom prst="rect">
             <a:avLst/>
@@ -16643,7 +16870,462 @@
   <p:timing>
     <p:tnLst>
       <p:par>
-        <p:cTn id="1" dur="indefinite" restart="never" nodeType="tmRoot"/>
+        <p:cTn id="1" dur="indefinite" restart="never" nodeType="tmRoot">
+          <p:childTnLst>
+            <p:seq concurrent="1" nextAc="seek">
+              <p:cTn id="2" dur="indefinite" nodeType="mainSeq">
+                <p:childTnLst>
+                  <p:par>
+                    <p:cTn id="3" fill="hold">
+                      <p:stCondLst>
+                        <p:cond delay="indefinite"/>
+                      </p:stCondLst>
+                      <p:childTnLst>
+                        <p:par>
+                          <p:cTn id="4" fill="hold">
+                            <p:stCondLst>
+                              <p:cond delay="0"/>
+                            </p:stCondLst>
+                            <p:childTnLst>
+                              <p:par>
+                                <p:cTn id="5" presetID="1" presetClass="entr" presetSubtype="0" fill="hold" nodeType="clickEffect">
+                                  <p:stCondLst>
+                                    <p:cond delay="0"/>
+                                  </p:stCondLst>
+                                  <p:childTnLst>
+                                    <p:set>
+                                      <p:cBhvr>
+                                        <p:cTn id="6" dur="1" fill="hold">
+                                          <p:stCondLst>
+                                            <p:cond delay="0"/>
+                                          </p:stCondLst>
+                                        </p:cTn>
+                                        <p:tgtEl>
+                                          <p:spTgt spid="5"/>
+                                        </p:tgtEl>
+                                        <p:attrNameLst>
+                                          <p:attrName>style.visibility</p:attrName>
+                                        </p:attrNameLst>
+                                      </p:cBhvr>
+                                      <p:to>
+                                        <p:strVal val="visible"/>
+                                      </p:to>
+                                    </p:set>
+                                  </p:childTnLst>
+                                </p:cTn>
+                              </p:par>
+                            </p:childTnLst>
+                          </p:cTn>
+                        </p:par>
+                      </p:childTnLst>
+                    </p:cTn>
+                  </p:par>
+                  <p:par>
+                    <p:cTn id="7" fill="hold">
+                      <p:stCondLst>
+                        <p:cond delay="indefinite"/>
+                      </p:stCondLst>
+                      <p:childTnLst>
+                        <p:par>
+                          <p:cTn id="8" fill="hold">
+                            <p:stCondLst>
+                              <p:cond delay="0"/>
+                            </p:stCondLst>
+                            <p:childTnLst>
+                              <p:par>
+                                <p:cTn id="9" presetID="1" presetClass="entr" presetSubtype="0" fill="hold" nodeType="clickEffect">
+                                  <p:stCondLst>
+                                    <p:cond delay="0"/>
+                                  </p:stCondLst>
+                                  <p:childTnLst>
+                                    <p:set>
+                                      <p:cBhvr>
+                                        <p:cTn id="10" dur="1" fill="hold">
+                                          <p:stCondLst>
+                                            <p:cond delay="0"/>
+                                          </p:stCondLst>
+                                        </p:cTn>
+                                        <p:tgtEl>
+                                          <p:spTgt spid="6"/>
+                                        </p:tgtEl>
+                                        <p:attrNameLst>
+                                          <p:attrName>style.visibility</p:attrName>
+                                        </p:attrNameLst>
+                                      </p:cBhvr>
+                                      <p:to>
+                                        <p:strVal val="visible"/>
+                                      </p:to>
+                                    </p:set>
+                                  </p:childTnLst>
+                                </p:cTn>
+                              </p:par>
+                            </p:childTnLst>
+                          </p:cTn>
+                        </p:par>
+                      </p:childTnLst>
+                    </p:cTn>
+                  </p:par>
+                  <p:par>
+                    <p:cTn id="11" fill="hold">
+                      <p:stCondLst>
+                        <p:cond delay="indefinite"/>
+                      </p:stCondLst>
+                      <p:childTnLst>
+                        <p:par>
+                          <p:cTn id="12" fill="hold">
+                            <p:stCondLst>
+                              <p:cond delay="0"/>
+                            </p:stCondLst>
+                            <p:childTnLst>
+                              <p:par>
+                                <p:cTn id="13" presetID="1" presetClass="entr" presetSubtype="0" fill="hold" nodeType="clickEffect">
+                                  <p:stCondLst>
+                                    <p:cond delay="0"/>
+                                  </p:stCondLst>
+                                  <p:childTnLst>
+                                    <p:set>
+                                      <p:cBhvr>
+                                        <p:cTn id="14" dur="1" fill="hold">
+                                          <p:stCondLst>
+                                            <p:cond delay="0"/>
+                                          </p:stCondLst>
+                                        </p:cTn>
+                                        <p:tgtEl>
+                                          <p:spTgt spid="7"/>
+                                        </p:tgtEl>
+                                        <p:attrNameLst>
+                                          <p:attrName>style.visibility</p:attrName>
+                                        </p:attrNameLst>
+                                      </p:cBhvr>
+                                      <p:to>
+                                        <p:strVal val="visible"/>
+                                      </p:to>
+                                    </p:set>
+                                  </p:childTnLst>
+                                </p:cTn>
+                              </p:par>
+                            </p:childTnLst>
+                          </p:cTn>
+                        </p:par>
+                      </p:childTnLst>
+                    </p:cTn>
+                  </p:par>
+                  <p:par>
+                    <p:cTn id="15" fill="hold">
+                      <p:stCondLst>
+                        <p:cond delay="indefinite"/>
+                      </p:stCondLst>
+                      <p:childTnLst>
+                        <p:par>
+                          <p:cTn id="16" fill="hold">
+                            <p:stCondLst>
+                              <p:cond delay="0"/>
+                            </p:stCondLst>
+                            <p:childTnLst>
+                              <p:par>
+                                <p:cTn id="17" presetID="1" presetClass="entr" presetSubtype="0" fill="hold" nodeType="clickEffect">
+                                  <p:stCondLst>
+                                    <p:cond delay="0"/>
+                                  </p:stCondLst>
+                                  <p:childTnLst>
+                                    <p:set>
+                                      <p:cBhvr>
+                                        <p:cTn id="18" dur="1" fill="hold">
+                                          <p:stCondLst>
+                                            <p:cond delay="0"/>
+                                          </p:stCondLst>
+                                        </p:cTn>
+                                        <p:tgtEl>
+                                          <p:spTgt spid="11"/>
+                                        </p:tgtEl>
+                                        <p:attrNameLst>
+                                          <p:attrName>style.visibility</p:attrName>
+                                        </p:attrNameLst>
+                                      </p:cBhvr>
+                                      <p:to>
+                                        <p:strVal val="visible"/>
+                                      </p:to>
+                                    </p:set>
+                                  </p:childTnLst>
+                                </p:cTn>
+                              </p:par>
+                            </p:childTnLst>
+                          </p:cTn>
+                        </p:par>
+                      </p:childTnLst>
+                    </p:cTn>
+                  </p:par>
+                  <p:par>
+                    <p:cTn id="19" fill="hold">
+                      <p:stCondLst>
+                        <p:cond delay="indefinite"/>
+                      </p:stCondLst>
+                      <p:childTnLst>
+                        <p:par>
+                          <p:cTn id="20" fill="hold">
+                            <p:stCondLst>
+                              <p:cond delay="0"/>
+                            </p:stCondLst>
+                            <p:childTnLst>
+                              <p:par>
+                                <p:cTn id="21" presetID="1" presetClass="entr" presetSubtype="0" fill="hold" nodeType="clickEffect">
+                                  <p:stCondLst>
+                                    <p:cond delay="0"/>
+                                  </p:stCondLst>
+                                  <p:childTnLst>
+                                    <p:set>
+                                      <p:cBhvr>
+                                        <p:cTn id="22" dur="1" fill="hold">
+                                          <p:stCondLst>
+                                            <p:cond delay="0"/>
+                                          </p:stCondLst>
+                                        </p:cTn>
+                                        <p:tgtEl>
+                                          <p:spTgt spid="8"/>
+                                        </p:tgtEl>
+                                        <p:attrNameLst>
+                                          <p:attrName>style.visibility</p:attrName>
+                                        </p:attrNameLst>
+                                      </p:cBhvr>
+                                      <p:to>
+                                        <p:strVal val="visible"/>
+                                      </p:to>
+                                    </p:set>
+                                  </p:childTnLst>
+                                </p:cTn>
+                              </p:par>
+                            </p:childTnLst>
+                          </p:cTn>
+                        </p:par>
+                      </p:childTnLst>
+                    </p:cTn>
+                  </p:par>
+                  <p:par>
+                    <p:cTn id="23" fill="hold">
+                      <p:stCondLst>
+                        <p:cond delay="indefinite"/>
+                      </p:stCondLst>
+                      <p:childTnLst>
+                        <p:par>
+                          <p:cTn id="24" fill="hold">
+                            <p:stCondLst>
+                              <p:cond delay="0"/>
+                            </p:stCondLst>
+                            <p:childTnLst>
+                              <p:par>
+                                <p:cTn id="25" presetID="1" presetClass="entr" presetSubtype="0" fill="hold" nodeType="clickEffect">
+                                  <p:stCondLst>
+                                    <p:cond delay="0"/>
+                                  </p:stCondLst>
+                                  <p:childTnLst>
+                                    <p:set>
+                                      <p:cBhvr>
+                                        <p:cTn id="26" dur="1" fill="hold">
+                                          <p:stCondLst>
+                                            <p:cond delay="0"/>
+                                          </p:stCondLst>
+                                        </p:cTn>
+                                        <p:tgtEl>
+                                          <p:spTgt spid="10"/>
+                                        </p:tgtEl>
+                                        <p:attrNameLst>
+                                          <p:attrName>style.visibility</p:attrName>
+                                        </p:attrNameLst>
+                                      </p:cBhvr>
+                                      <p:to>
+                                        <p:strVal val="visible"/>
+                                      </p:to>
+                                    </p:set>
+                                  </p:childTnLst>
+                                </p:cTn>
+                              </p:par>
+                            </p:childTnLst>
+                          </p:cTn>
+                        </p:par>
+                      </p:childTnLst>
+                    </p:cTn>
+                  </p:par>
+                  <p:par>
+                    <p:cTn id="27" fill="hold">
+                      <p:stCondLst>
+                        <p:cond delay="indefinite"/>
+                      </p:stCondLst>
+                      <p:childTnLst>
+                        <p:par>
+                          <p:cTn id="28" fill="hold">
+                            <p:stCondLst>
+                              <p:cond delay="0"/>
+                            </p:stCondLst>
+                            <p:childTnLst>
+                              <p:par>
+                                <p:cTn id="29" presetID="1" presetClass="entr" presetSubtype="0" fill="hold" nodeType="clickEffect">
+                                  <p:stCondLst>
+                                    <p:cond delay="0"/>
+                                  </p:stCondLst>
+                                  <p:childTnLst>
+                                    <p:set>
+                                      <p:cBhvr>
+                                        <p:cTn id="30" dur="1" fill="hold">
+                                          <p:stCondLst>
+                                            <p:cond delay="0"/>
+                                          </p:stCondLst>
+                                        </p:cTn>
+                                        <p:tgtEl>
+                                          <p:spTgt spid="9"/>
+                                        </p:tgtEl>
+                                        <p:attrNameLst>
+                                          <p:attrName>style.visibility</p:attrName>
+                                        </p:attrNameLst>
+                                      </p:cBhvr>
+                                      <p:to>
+                                        <p:strVal val="visible"/>
+                                      </p:to>
+                                    </p:set>
+                                  </p:childTnLst>
+                                </p:cTn>
+                              </p:par>
+                              <p:par>
+                                <p:cTn id="31" presetID="1" presetClass="entr" presetSubtype="0" fill="hold" nodeType="withEffect">
+                                  <p:stCondLst>
+                                    <p:cond delay="0"/>
+                                  </p:stCondLst>
+                                  <p:childTnLst>
+                                    <p:set>
+                                      <p:cBhvr>
+                                        <p:cTn id="32" dur="1" fill="hold">
+                                          <p:stCondLst>
+                                            <p:cond delay="0"/>
+                                          </p:stCondLst>
+                                        </p:cTn>
+                                        <p:tgtEl>
+                                          <p:spTgt spid="4"/>
+                                        </p:tgtEl>
+                                        <p:attrNameLst>
+                                          <p:attrName>style.visibility</p:attrName>
+                                        </p:attrNameLst>
+                                      </p:cBhvr>
+                                      <p:to>
+                                        <p:strVal val="visible"/>
+                                      </p:to>
+                                    </p:set>
+                                  </p:childTnLst>
+                                </p:cTn>
+                              </p:par>
+                            </p:childTnLst>
+                          </p:cTn>
+                        </p:par>
+                      </p:childTnLst>
+                    </p:cTn>
+                  </p:par>
+                  <p:par>
+                    <p:cTn id="33" fill="hold">
+                      <p:stCondLst>
+                        <p:cond delay="indefinite"/>
+                      </p:stCondLst>
+                      <p:childTnLst>
+                        <p:par>
+                          <p:cTn id="34" fill="hold">
+                            <p:stCondLst>
+                              <p:cond delay="0"/>
+                            </p:stCondLst>
+                            <p:childTnLst>
+                              <p:par>
+                                <p:cTn id="35" presetID="1" presetClass="entr" presetSubtype="0" fill="hold" nodeType="clickEffect">
+                                  <p:stCondLst>
+                                    <p:cond delay="0"/>
+                                  </p:stCondLst>
+                                  <p:childTnLst>
+                                    <p:set>
+                                      <p:cBhvr>
+                                        <p:cTn id="36" dur="1" fill="hold">
+                                          <p:stCondLst>
+                                            <p:cond delay="0"/>
+                                          </p:stCondLst>
+                                        </p:cTn>
+                                        <p:tgtEl>
+                                          <p:spTgt spid="12"/>
+                                        </p:tgtEl>
+                                        <p:attrNameLst>
+                                          <p:attrName>style.visibility</p:attrName>
+                                        </p:attrNameLst>
+                                      </p:cBhvr>
+                                      <p:to>
+                                        <p:strVal val="visible"/>
+                                      </p:to>
+                                    </p:set>
+                                  </p:childTnLst>
+                                </p:cTn>
+                              </p:par>
+                            </p:childTnLst>
+                          </p:cTn>
+                        </p:par>
+                      </p:childTnLst>
+                    </p:cTn>
+                  </p:par>
+                  <p:par>
+                    <p:cTn id="37" fill="hold">
+                      <p:stCondLst>
+                        <p:cond delay="indefinite"/>
+                      </p:stCondLst>
+                      <p:childTnLst>
+                        <p:par>
+                          <p:cTn id="38" fill="hold">
+                            <p:stCondLst>
+                              <p:cond delay="0"/>
+                            </p:stCondLst>
+                            <p:childTnLst>
+                              <p:par>
+                                <p:cTn id="39" presetID="1" presetClass="entr" presetSubtype="0" fill="hold" nodeType="clickEffect">
+                                  <p:stCondLst>
+                                    <p:cond delay="0"/>
+                                  </p:stCondLst>
+                                  <p:childTnLst>
+                                    <p:set>
+                                      <p:cBhvr>
+                                        <p:cTn id="40" dur="1" fill="hold">
+                                          <p:stCondLst>
+                                            <p:cond delay="0"/>
+                                          </p:stCondLst>
+                                        </p:cTn>
+                                        <p:tgtEl>
+                                          <p:spTgt spid="13"/>
+                                        </p:tgtEl>
+                                        <p:attrNameLst>
+                                          <p:attrName>style.visibility</p:attrName>
+                                        </p:attrNameLst>
+                                      </p:cBhvr>
+                                      <p:to>
+                                        <p:strVal val="visible"/>
+                                      </p:to>
+                                    </p:set>
+                                  </p:childTnLst>
+                                </p:cTn>
+                              </p:par>
+                            </p:childTnLst>
+                          </p:cTn>
+                        </p:par>
+                      </p:childTnLst>
+                    </p:cTn>
+                  </p:par>
+                </p:childTnLst>
+              </p:cTn>
+              <p:prevCondLst>
+                <p:cond evt="onPrev" delay="0">
+                  <p:tgtEl>
+                    <p:sldTgt/>
+                  </p:tgtEl>
+                </p:cond>
+              </p:prevCondLst>
+              <p:nextCondLst>
+                <p:cond evt="onNext" delay="0">
+                  <p:tgtEl>
+                    <p:sldTgt/>
+                  </p:tgtEl>
+                </p:cond>
+              </p:nextCondLst>
+            </p:seq>
+          </p:childTnLst>
+        </p:cTn>
       </p:par>
     </p:tnLst>
   </p:timing>
@@ -16692,22 +17374,308 @@
       </p:sp>
       <p:pic>
         <p:nvPicPr>
-          <p:cNvPr id="3" name="Image 2"/>
+          <p:cNvPr id="7" name="Image 6"/>
           <p:cNvPicPr>
             <a:picLocks noChangeAspect="1"/>
           </p:cNvPicPr>
           <p:nvPr/>
         </p:nvPicPr>
-        <p:blipFill>
-          <a:blip r:embed="rId2"/>
-          <a:stretch>
-            <a:fillRect/>
-          </a:stretch>
+        <p:blipFill rotWithShape="1">
+          <a:blip r:embed="rId2">
+            <a:duotone>
+              <a:schemeClr val="accent6">
+                <a:shade val="45000"/>
+                <a:satMod val="135000"/>
+              </a:schemeClr>
+              <a:prstClr val="white"/>
+            </a:duotone>
+          </a:blip>
+          <a:srcRect r="80302" b="90581"/>
+          <a:stretch/>
         </p:blipFill>
         <p:spPr>
           <a:xfrm>
-            <a:off x="114830" y="76514"/>
-            <a:ext cx="6049219" cy="4591691"/>
+            <a:off x="184249" y="161291"/>
+            <a:ext cx="1512471" cy="427990"/>
+          </a:xfrm>
+          <a:prstGeom prst="rect">
+            <a:avLst/>
+          </a:prstGeom>
+        </p:spPr>
+      </p:pic>
+      <p:pic>
+        <p:nvPicPr>
+          <p:cNvPr id="8" name="Image 7"/>
+          <p:cNvPicPr>
+            <a:picLocks noChangeAspect="1"/>
+          </p:cNvPicPr>
+          <p:nvPr/>
+        </p:nvPicPr>
+        <p:blipFill rotWithShape="1">
+          <a:blip r:embed="rId2">
+            <a:duotone>
+              <a:schemeClr val="accent6">
+                <a:shade val="45000"/>
+                <a:satMod val="135000"/>
+              </a:schemeClr>
+              <a:prstClr val="white"/>
+            </a:duotone>
+          </a:blip>
+          <a:srcRect t="9866" r="80037" b="70235"/>
+          <a:stretch/>
+        </p:blipFill>
+        <p:spPr>
+          <a:xfrm>
+            <a:off x="184249" y="609599"/>
+            <a:ext cx="1532791" cy="904241"/>
+          </a:xfrm>
+          <a:prstGeom prst="rect">
+            <a:avLst/>
+          </a:prstGeom>
+        </p:spPr>
+      </p:pic>
+      <p:pic>
+        <p:nvPicPr>
+          <p:cNvPr id="9" name="Image 8"/>
+          <p:cNvPicPr>
+            <a:picLocks noChangeAspect="1"/>
+          </p:cNvPicPr>
+          <p:nvPr/>
+        </p:nvPicPr>
+        <p:blipFill rotWithShape="1">
+          <a:blip r:embed="rId2">
+            <a:duotone>
+              <a:schemeClr val="accent2">
+                <a:shade val="45000"/>
+                <a:satMod val="135000"/>
+              </a:schemeClr>
+              <a:prstClr val="white"/>
+            </a:duotone>
+          </a:blip>
+          <a:srcRect l="6599" t="29989" r="29357" b="61739"/>
+          <a:stretch/>
+        </p:blipFill>
+        <p:spPr>
+          <a:xfrm>
+            <a:off x="1980515" y="835821"/>
+            <a:ext cx="4917440" cy="375920"/>
+          </a:xfrm>
+          <a:prstGeom prst="rect">
+            <a:avLst/>
+          </a:prstGeom>
+        </p:spPr>
+      </p:pic>
+      <p:pic>
+        <p:nvPicPr>
+          <p:cNvPr id="10" name="Image 9"/>
+          <p:cNvPicPr>
+            <a:picLocks noChangeAspect="1"/>
+          </p:cNvPicPr>
+          <p:nvPr/>
+        </p:nvPicPr>
+        <p:blipFill rotWithShape="1">
+          <a:blip r:embed="rId2">
+            <a:duotone>
+              <a:schemeClr val="accent6">
+                <a:shade val="45000"/>
+                <a:satMod val="135000"/>
+              </a:schemeClr>
+              <a:prstClr val="white"/>
+            </a:duotone>
+          </a:blip>
+          <a:srcRect t="39827" r="80416" b="41839"/>
+          <a:stretch/>
+        </p:blipFill>
+        <p:spPr>
+          <a:xfrm>
+            <a:off x="184249" y="2732084"/>
+            <a:ext cx="1503680" cy="833121"/>
+          </a:xfrm>
+          <a:prstGeom prst="rect">
+            <a:avLst/>
+          </a:prstGeom>
+        </p:spPr>
+      </p:pic>
+      <p:pic>
+        <p:nvPicPr>
+          <p:cNvPr id="11" name="Image 10"/>
+          <p:cNvPicPr>
+            <a:picLocks noChangeAspect="1"/>
+          </p:cNvPicPr>
+          <p:nvPr/>
+        </p:nvPicPr>
+        <p:blipFill rotWithShape="1">
+          <a:blip r:embed="rId2">
+            <a:duotone>
+              <a:schemeClr val="accent2">
+                <a:shade val="45000"/>
+                <a:satMod val="135000"/>
+              </a:schemeClr>
+              <a:prstClr val="white"/>
+            </a:duotone>
+          </a:blip>
+          <a:srcRect l="7392" t="60621" r="32269" b="31777"/>
+          <a:stretch/>
+        </p:blipFill>
+        <p:spPr>
+          <a:xfrm>
+            <a:off x="2093644" y="3121344"/>
+            <a:ext cx="4632960" cy="345440"/>
+          </a:xfrm>
+          <a:prstGeom prst="rect">
+            <a:avLst/>
+          </a:prstGeom>
+        </p:spPr>
+      </p:pic>
+      <p:pic>
+        <p:nvPicPr>
+          <p:cNvPr id="12" name="Image 11"/>
+          <p:cNvPicPr>
+            <a:picLocks noChangeAspect="1"/>
+          </p:cNvPicPr>
+          <p:nvPr/>
+        </p:nvPicPr>
+        <p:blipFill rotWithShape="1">
+          <a:blip r:embed="rId2">
+            <a:duotone>
+              <a:schemeClr val="accent6">
+                <a:shade val="45000"/>
+                <a:satMod val="135000"/>
+              </a:schemeClr>
+              <a:prstClr val="white"/>
+            </a:duotone>
+          </a:blip>
+          <a:srcRect t="68893" r="80567" b="11878"/>
+          <a:stretch/>
+        </p:blipFill>
+        <p:spPr>
+          <a:xfrm>
+            <a:off x="184249" y="4826312"/>
+            <a:ext cx="1492151" cy="873760"/>
+          </a:xfrm>
+          <a:prstGeom prst="rect">
+            <a:avLst/>
+          </a:prstGeom>
+        </p:spPr>
+      </p:pic>
+      <p:pic>
+        <p:nvPicPr>
+          <p:cNvPr id="13" name="Image 12"/>
+          <p:cNvPicPr>
+            <a:picLocks noChangeAspect="1"/>
+          </p:cNvPicPr>
+          <p:nvPr/>
+        </p:nvPicPr>
+        <p:blipFill rotWithShape="1">
+          <a:blip r:embed="rId2">
+            <a:duotone>
+              <a:schemeClr val="accent2">
+                <a:shade val="45000"/>
+                <a:satMod val="135000"/>
+              </a:schemeClr>
+              <a:prstClr val="white"/>
+            </a:duotone>
+          </a:blip>
+          <a:srcRect l="7259" t="89016" r="41003" b="1816"/>
+          <a:stretch/>
+        </p:blipFill>
+        <p:spPr>
+          <a:xfrm>
+            <a:off x="2093644" y="5054912"/>
+            <a:ext cx="3972560" cy="416560"/>
+          </a:xfrm>
+          <a:prstGeom prst="rect">
+            <a:avLst/>
+          </a:prstGeom>
+        </p:spPr>
+      </p:pic>
+      <p:pic>
+        <p:nvPicPr>
+          <p:cNvPr id="14" name="Image 13"/>
+          <p:cNvPicPr>
+            <a:picLocks noChangeAspect="1"/>
+          </p:cNvPicPr>
+          <p:nvPr/>
+        </p:nvPicPr>
+        <p:blipFill rotWithShape="1">
+          <a:blip r:embed="rId2">
+            <a:duotone>
+              <a:schemeClr val="accent6">
+                <a:shade val="45000"/>
+                <a:satMod val="135000"/>
+              </a:schemeClr>
+              <a:prstClr val="white"/>
+            </a:duotone>
+          </a:blip>
+          <a:srcRect l="7393" t="8748" r="8980" b="70235"/>
+          <a:stretch/>
+        </p:blipFill>
+        <p:spPr>
+          <a:xfrm>
+            <a:off x="740311" y="1510349"/>
+            <a:ext cx="6421120" cy="955041"/>
+          </a:xfrm>
+          <a:prstGeom prst="rect">
+            <a:avLst/>
+          </a:prstGeom>
+        </p:spPr>
+      </p:pic>
+      <p:pic>
+        <p:nvPicPr>
+          <p:cNvPr id="15" name="Image 14"/>
+          <p:cNvPicPr>
+            <a:picLocks noChangeAspect="1"/>
+          </p:cNvPicPr>
+          <p:nvPr/>
+        </p:nvPicPr>
+        <p:blipFill rotWithShape="1">
+          <a:blip r:embed="rId2">
+            <a:duotone>
+              <a:schemeClr val="accent6">
+                <a:shade val="45000"/>
+                <a:satMod val="135000"/>
+              </a:schemeClr>
+              <a:prstClr val="white"/>
+            </a:duotone>
+          </a:blip>
+          <a:srcRect l="7146" t="39156" b="41839"/>
+          <a:stretch/>
+        </p:blipFill>
+        <p:spPr>
+          <a:xfrm>
+            <a:off x="711200" y="3714748"/>
+            <a:ext cx="7129582" cy="863600"/>
+          </a:xfrm>
+          <a:prstGeom prst="rect">
+            <a:avLst/>
+          </a:prstGeom>
+        </p:spPr>
+      </p:pic>
+      <p:pic>
+        <p:nvPicPr>
+          <p:cNvPr id="16" name="Image 15"/>
+          <p:cNvPicPr>
+            <a:picLocks noChangeAspect="1"/>
+          </p:cNvPicPr>
+          <p:nvPr/>
+        </p:nvPicPr>
+        <p:blipFill rotWithShape="1">
+          <a:blip r:embed="rId2">
+            <a:duotone>
+              <a:schemeClr val="accent6">
+                <a:shade val="45000"/>
+                <a:satMod val="135000"/>
+              </a:schemeClr>
+              <a:prstClr val="white"/>
+            </a:duotone>
+          </a:blip>
+          <a:srcRect l="7789" t="68893" r="28034" b="11878"/>
+          <a:stretch/>
+        </p:blipFill>
+        <p:spPr>
+          <a:xfrm>
+            <a:off x="770791" y="5876285"/>
+            <a:ext cx="4927600" cy="873760"/>
           </a:xfrm>
           <a:prstGeom prst="rect">
             <a:avLst/>
@@ -16727,7 +17695,435 @@
   <p:timing>
     <p:tnLst>
       <p:par>
-        <p:cTn id="1" dur="indefinite" restart="never" nodeType="tmRoot"/>
+        <p:cTn id="1" dur="indefinite" restart="never" nodeType="tmRoot">
+          <p:childTnLst>
+            <p:seq concurrent="1" nextAc="seek">
+              <p:cTn id="2" dur="indefinite" nodeType="mainSeq">
+                <p:childTnLst>
+                  <p:par>
+                    <p:cTn id="3" fill="hold">
+                      <p:stCondLst>
+                        <p:cond delay="indefinite"/>
+                      </p:stCondLst>
+                      <p:childTnLst>
+                        <p:par>
+                          <p:cTn id="4" fill="hold">
+                            <p:stCondLst>
+                              <p:cond delay="0"/>
+                            </p:stCondLst>
+                            <p:childTnLst>
+                              <p:par>
+                                <p:cTn id="5" presetID="1" presetClass="entr" presetSubtype="0" fill="hold" nodeType="clickEffect">
+                                  <p:stCondLst>
+                                    <p:cond delay="0"/>
+                                  </p:stCondLst>
+                                  <p:childTnLst>
+                                    <p:set>
+                                      <p:cBhvr>
+                                        <p:cTn id="6" dur="1" fill="hold">
+                                          <p:stCondLst>
+                                            <p:cond delay="0"/>
+                                          </p:stCondLst>
+                                        </p:cTn>
+                                        <p:tgtEl>
+                                          <p:spTgt spid="8"/>
+                                        </p:tgtEl>
+                                        <p:attrNameLst>
+                                          <p:attrName>style.visibility</p:attrName>
+                                        </p:attrNameLst>
+                                      </p:cBhvr>
+                                      <p:to>
+                                        <p:strVal val="visible"/>
+                                      </p:to>
+                                    </p:set>
+                                  </p:childTnLst>
+                                </p:cTn>
+                              </p:par>
+                            </p:childTnLst>
+                          </p:cTn>
+                        </p:par>
+                      </p:childTnLst>
+                    </p:cTn>
+                  </p:par>
+                  <p:par>
+                    <p:cTn id="7" fill="hold">
+                      <p:stCondLst>
+                        <p:cond delay="indefinite"/>
+                      </p:stCondLst>
+                      <p:childTnLst>
+                        <p:par>
+                          <p:cTn id="8" fill="hold">
+                            <p:stCondLst>
+                              <p:cond delay="0"/>
+                            </p:stCondLst>
+                            <p:childTnLst>
+                              <p:par>
+                                <p:cTn id="9" presetID="1" presetClass="entr" presetSubtype="0" fill="hold" nodeType="clickEffect">
+                                  <p:stCondLst>
+                                    <p:cond delay="0"/>
+                                  </p:stCondLst>
+                                  <p:childTnLst>
+                                    <p:set>
+                                      <p:cBhvr>
+                                        <p:cTn id="10" dur="1" fill="hold">
+                                          <p:stCondLst>
+                                            <p:cond delay="0"/>
+                                          </p:stCondLst>
+                                        </p:cTn>
+                                        <p:tgtEl>
+                                          <p:spTgt spid="9"/>
+                                        </p:tgtEl>
+                                        <p:attrNameLst>
+                                          <p:attrName>style.visibility</p:attrName>
+                                        </p:attrNameLst>
+                                      </p:cBhvr>
+                                      <p:to>
+                                        <p:strVal val="visible"/>
+                                      </p:to>
+                                    </p:set>
+                                  </p:childTnLst>
+                                </p:cTn>
+                              </p:par>
+                            </p:childTnLst>
+                          </p:cTn>
+                        </p:par>
+                      </p:childTnLst>
+                    </p:cTn>
+                  </p:par>
+                  <p:par>
+                    <p:cTn id="11" fill="hold">
+                      <p:stCondLst>
+                        <p:cond delay="indefinite"/>
+                      </p:stCondLst>
+                      <p:childTnLst>
+                        <p:par>
+                          <p:cTn id="12" fill="hold">
+                            <p:stCondLst>
+                              <p:cond delay="0"/>
+                            </p:stCondLst>
+                            <p:childTnLst>
+                              <p:par>
+                                <p:cTn id="13" presetID="1" presetClass="entr" presetSubtype="0" fill="hold" nodeType="clickEffect">
+                                  <p:stCondLst>
+                                    <p:cond delay="0"/>
+                                  </p:stCondLst>
+                                  <p:childTnLst>
+                                    <p:set>
+                                      <p:cBhvr>
+                                        <p:cTn id="14" dur="1" fill="hold">
+                                          <p:stCondLst>
+                                            <p:cond delay="0"/>
+                                          </p:stCondLst>
+                                        </p:cTn>
+                                        <p:tgtEl>
+                                          <p:spTgt spid="14"/>
+                                        </p:tgtEl>
+                                        <p:attrNameLst>
+                                          <p:attrName>style.visibility</p:attrName>
+                                        </p:attrNameLst>
+                                      </p:cBhvr>
+                                      <p:to>
+                                        <p:strVal val="visible"/>
+                                      </p:to>
+                                    </p:set>
+                                  </p:childTnLst>
+                                </p:cTn>
+                              </p:par>
+                            </p:childTnLst>
+                          </p:cTn>
+                        </p:par>
+                      </p:childTnLst>
+                    </p:cTn>
+                  </p:par>
+                  <p:par>
+                    <p:cTn id="15" fill="hold">
+                      <p:stCondLst>
+                        <p:cond delay="indefinite"/>
+                      </p:stCondLst>
+                      <p:childTnLst>
+                        <p:par>
+                          <p:cTn id="16" fill="hold">
+                            <p:stCondLst>
+                              <p:cond delay="0"/>
+                            </p:stCondLst>
+                            <p:childTnLst>
+                              <p:par>
+                                <p:cTn id="17" presetID="1" presetClass="entr" presetSubtype="0" fill="hold" nodeType="clickEffect">
+                                  <p:stCondLst>
+                                    <p:cond delay="0"/>
+                                  </p:stCondLst>
+                                  <p:childTnLst>
+                                    <p:set>
+                                      <p:cBhvr>
+                                        <p:cTn id="18" dur="1" fill="hold">
+                                          <p:stCondLst>
+                                            <p:cond delay="0"/>
+                                          </p:stCondLst>
+                                        </p:cTn>
+                                        <p:tgtEl>
+                                          <p:spTgt spid="10"/>
+                                        </p:tgtEl>
+                                        <p:attrNameLst>
+                                          <p:attrName>style.visibility</p:attrName>
+                                        </p:attrNameLst>
+                                      </p:cBhvr>
+                                      <p:to>
+                                        <p:strVal val="visible"/>
+                                      </p:to>
+                                    </p:set>
+                                  </p:childTnLst>
+                                </p:cTn>
+                              </p:par>
+                            </p:childTnLst>
+                          </p:cTn>
+                        </p:par>
+                      </p:childTnLst>
+                    </p:cTn>
+                  </p:par>
+                  <p:par>
+                    <p:cTn id="19" fill="hold">
+                      <p:stCondLst>
+                        <p:cond delay="indefinite"/>
+                      </p:stCondLst>
+                      <p:childTnLst>
+                        <p:par>
+                          <p:cTn id="20" fill="hold">
+                            <p:stCondLst>
+                              <p:cond delay="0"/>
+                            </p:stCondLst>
+                            <p:childTnLst>
+                              <p:par>
+                                <p:cTn id="21" presetID="1" presetClass="entr" presetSubtype="0" fill="hold" nodeType="clickEffect">
+                                  <p:stCondLst>
+                                    <p:cond delay="0"/>
+                                  </p:stCondLst>
+                                  <p:childTnLst>
+                                    <p:set>
+                                      <p:cBhvr>
+                                        <p:cTn id="22" dur="1" fill="hold">
+                                          <p:stCondLst>
+                                            <p:cond delay="0"/>
+                                          </p:stCondLst>
+                                        </p:cTn>
+                                        <p:tgtEl>
+                                          <p:spTgt spid="11"/>
+                                        </p:tgtEl>
+                                        <p:attrNameLst>
+                                          <p:attrName>style.visibility</p:attrName>
+                                        </p:attrNameLst>
+                                      </p:cBhvr>
+                                      <p:to>
+                                        <p:strVal val="visible"/>
+                                      </p:to>
+                                    </p:set>
+                                  </p:childTnLst>
+                                </p:cTn>
+                              </p:par>
+                            </p:childTnLst>
+                          </p:cTn>
+                        </p:par>
+                      </p:childTnLst>
+                    </p:cTn>
+                  </p:par>
+                  <p:par>
+                    <p:cTn id="23" fill="hold">
+                      <p:stCondLst>
+                        <p:cond delay="indefinite"/>
+                      </p:stCondLst>
+                      <p:childTnLst>
+                        <p:par>
+                          <p:cTn id="24" fill="hold">
+                            <p:stCondLst>
+                              <p:cond delay="0"/>
+                            </p:stCondLst>
+                            <p:childTnLst>
+                              <p:par>
+                                <p:cTn id="25" presetID="1" presetClass="entr" presetSubtype="0" fill="hold" nodeType="clickEffect">
+                                  <p:stCondLst>
+                                    <p:cond delay="0"/>
+                                  </p:stCondLst>
+                                  <p:childTnLst>
+                                    <p:set>
+                                      <p:cBhvr>
+                                        <p:cTn id="26" dur="1" fill="hold">
+                                          <p:stCondLst>
+                                            <p:cond delay="0"/>
+                                          </p:stCondLst>
+                                        </p:cTn>
+                                        <p:tgtEl>
+                                          <p:spTgt spid="15"/>
+                                        </p:tgtEl>
+                                        <p:attrNameLst>
+                                          <p:attrName>style.visibility</p:attrName>
+                                        </p:attrNameLst>
+                                      </p:cBhvr>
+                                      <p:to>
+                                        <p:strVal val="visible"/>
+                                      </p:to>
+                                    </p:set>
+                                  </p:childTnLst>
+                                </p:cTn>
+                              </p:par>
+                            </p:childTnLst>
+                          </p:cTn>
+                        </p:par>
+                      </p:childTnLst>
+                    </p:cTn>
+                  </p:par>
+                  <p:par>
+                    <p:cTn id="27" fill="hold">
+                      <p:stCondLst>
+                        <p:cond delay="indefinite"/>
+                      </p:stCondLst>
+                      <p:childTnLst>
+                        <p:par>
+                          <p:cTn id="28" fill="hold">
+                            <p:stCondLst>
+                              <p:cond delay="0"/>
+                            </p:stCondLst>
+                            <p:childTnLst>
+                              <p:par>
+                                <p:cTn id="29" presetID="1" presetClass="entr" presetSubtype="0" fill="hold" nodeType="clickEffect">
+                                  <p:stCondLst>
+                                    <p:cond delay="0"/>
+                                  </p:stCondLst>
+                                  <p:childTnLst>
+                                    <p:set>
+                                      <p:cBhvr>
+                                        <p:cTn id="30" dur="1" fill="hold">
+                                          <p:stCondLst>
+                                            <p:cond delay="0"/>
+                                          </p:stCondLst>
+                                        </p:cTn>
+                                        <p:tgtEl>
+                                          <p:spTgt spid="12"/>
+                                        </p:tgtEl>
+                                        <p:attrNameLst>
+                                          <p:attrName>style.visibility</p:attrName>
+                                        </p:attrNameLst>
+                                      </p:cBhvr>
+                                      <p:to>
+                                        <p:strVal val="visible"/>
+                                      </p:to>
+                                    </p:set>
+                                  </p:childTnLst>
+                                </p:cTn>
+                              </p:par>
+                            </p:childTnLst>
+                          </p:cTn>
+                        </p:par>
+                      </p:childTnLst>
+                    </p:cTn>
+                  </p:par>
+                  <p:par>
+                    <p:cTn id="31" fill="hold">
+                      <p:stCondLst>
+                        <p:cond delay="indefinite"/>
+                      </p:stCondLst>
+                      <p:childTnLst>
+                        <p:par>
+                          <p:cTn id="32" fill="hold">
+                            <p:stCondLst>
+                              <p:cond delay="0"/>
+                            </p:stCondLst>
+                            <p:childTnLst>
+                              <p:par>
+                                <p:cTn id="33" presetID="1" presetClass="entr" presetSubtype="0" fill="hold" nodeType="clickEffect">
+                                  <p:stCondLst>
+                                    <p:cond delay="0"/>
+                                  </p:stCondLst>
+                                  <p:childTnLst>
+                                    <p:set>
+                                      <p:cBhvr>
+                                        <p:cTn id="34" dur="1" fill="hold">
+                                          <p:stCondLst>
+                                            <p:cond delay="0"/>
+                                          </p:stCondLst>
+                                        </p:cTn>
+                                        <p:tgtEl>
+                                          <p:spTgt spid="13"/>
+                                        </p:tgtEl>
+                                        <p:attrNameLst>
+                                          <p:attrName>style.visibility</p:attrName>
+                                        </p:attrNameLst>
+                                      </p:cBhvr>
+                                      <p:to>
+                                        <p:strVal val="visible"/>
+                                      </p:to>
+                                    </p:set>
+                                  </p:childTnLst>
+                                </p:cTn>
+                              </p:par>
+                            </p:childTnLst>
+                          </p:cTn>
+                        </p:par>
+                      </p:childTnLst>
+                    </p:cTn>
+                  </p:par>
+                  <p:par>
+                    <p:cTn id="35" fill="hold">
+                      <p:stCondLst>
+                        <p:cond delay="indefinite"/>
+                      </p:stCondLst>
+                      <p:childTnLst>
+                        <p:par>
+                          <p:cTn id="36" fill="hold">
+                            <p:stCondLst>
+                              <p:cond delay="0"/>
+                            </p:stCondLst>
+                            <p:childTnLst>
+                              <p:par>
+                                <p:cTn id="37" presetID="1" presetClass="entr" presetSubtype="0" fill="hold" nodeType="clickEffect">
+                                  <p:stCondLst>
+                                    <p:cond delay="0"/>
+                                  </p:stCondLst>
+                                  <p:childTnLst>
+                                    <p:set>
+                                      <p:cBhvr>
+                                        <p:cTn id="38" dur="1" fill="hold">
+                                          <p:stCondLst>
+                                            <p:cond delay="0"/>
+                                          </p:stCondLst>
+                                        </p:cTn>
+                                        <p:tgtEl>
+                                          <p:spTgt spid="16"/>
+                                        </p:tgtEl>
+                                        <p:attrNameLst>
+                                          <p:attrName>style.visibility</p:attrName>
+                                        </p:attrNameLst>
+                                      </p:cBhvr>
+                                      <p:to>
+                                        <p:strVal val="visible"/>
+                                      </p:to>
+                                    </p:set>
+                                  </p:childTnLst>
+                                </p:cTn>
+                              </p:par>
+                            </p:childTnLst>
+                          </p:cTn>
+                        </p:par>
+                      </p:childTnLst>
+                    </p:cTn>
+                  </p:par>
+                </p:childTnLst>
+              </p:cTn>
+              <p:prevCondLst>
+                <p:cond evt="onPrev" delay="0">
+                  <p:tgtEl>
+                    <p:sldTgt/>
+                  </p:tgtEl>
+                </p:cond>
+              </p:prevCondLst>
+              <p:nextCondLst>
+                <p:cond evt="onNext" delay="0">
+                  <p:tgtEl>
+                    <p:sldTgt/>
+                  </p:tgtEl>
+                </p:cond>
+              </p:nextCondLst>
+            </p:seq>
+          </p:childTnLst>
+        </p:cTn>
       </p:par>
     </p:tnLst>
   </p:timing>
@@ -16774,6 +18170,503 @@
           </a:p>
         </p:txBody>
       </p:sp>
+      <p:pic>
+        <p:nvPicPr>
+          <p:cNvPr id="3" name="Image 2"/>
+          <p:cNvPicPr>
+            <a:picLocks noChangeAspect="1"/>
+          </p:cNvPicPr>
+          <p:nvPr/>
+        </p:nvPicPr>
+        <p:blipFill rotWithShape="1">
+          <a:blip r:embed="rId2"/>
+          <a:srcRect r="45442" b="71424"/>
+          <a:stretch/>
+        </p:blipFill>
+        <p:spPr>
+          <a:xfrm>
+            <a:off x="112168" y="153591"/>
+            <a:ext cx="4256632" cy="1461849"/>
+          </a:xfrm>
+          <a:prstGeom prst="rect">
+            <a:avLst/>
+          </a:prstGeom>
+        </p:spPr>
+      </p:pic>
+      <p:pic>
+        <p:nvPicPr>
+          <p:cNvPr id="4" name="Image 3"/>
+          <p:cNvPicPr>
+            <a:picLocks noChangeAspect="1"/>
+          </p:cNvPicPr>
+          <p:nvPr/>
+        </p:nvPicPr>
+        <p:blipFill rotWithShape="1">
+          <a:blip r:embed="rId2"/>
+          <a:srcRect l="6245" t="29569" r="38540" b="52557"/>
+          <a:stretch/>
+        </p:blipFill>
+        <p:spPr>
+          <a:xfrm>
+            <a:off x="5351780" y="604520"/>
+            <a:ext cx="4307840" cy="914400"/>
+          </a:xfrm>
+          <a:prstGeom prst="rect">
+            <a:avLst/>
+          </a:prstGeom>
+        </p:spPr>
+      </p:pic>
+      <p:pic>
+        <p:nvPicPr>
+          <p:cNvPr id="5" name="Image 4"/>
+          <p:cNvPicPr>
+            <a:picLocks noChangeAspect="1"/>
+          </p:cNvPicPr>
+          <p:nvPr/>
+        </p:nvPicPr>
+        <p:blipFill rotWithShape="1">
+          <a:blip r:embed="rId2"/>
+          <a:srcRect l="7417" t="55586" r="59506" b="36668"/>
+          <a:stretch/>
+        </p:blipFill>
+        <p:spPr>
+          <a:xfrm>
+            <a:off x="762000" y="2186940"/>
+            <a:ext cx="2580640" cy="396240"/>
+          </a:xfrm>
+          <a:prstGeom prst="rect">
+            <a:avLst/>
+          </a:prstGeom>
+        </p:spPr>
+      </p:pic>
+      <p:grpSp>
+        <p:nvGrpSpPr>
+          <p:cNvPr id="11" name="Groupe 10"/>
+          <p:cNvGrpSpPr/>
+          <p:nvPr/>
+        </p:nvGrpSpPr>
+        <p:grpSpPr>
+          <a:xfrm>
+            <a:off x="3596640" y="1437005"/>
+            <a:ext cx="5971132" cy="1896110"/>
+            <a:chOff x="690880" y="3373120"/>
+            <a:chExt cx="5971132" cy="1896110"/>
+          </a:xfrm>
+        </p:grpSpPr>
+        <p:pic>
+          <p:nvPicPr>
+            <p:cNvPr id="6" name="Image 5"/>
+            <p:cNvPicPr>
+              <a:picLocks noChangeAspect="1"/>
+            </p:cNvPicPr>
+            <p:nvPr/>
+          </p:nvPicPr>
+          <p:blipFill rotWithShape="1">
+            <a:blip r:embed="rId3">
+              <a:duotone>
+                <a:schemeClr val="accent5">
+                  <a:shade val="45000"/>
+                  <a:satMod val="135000"/>
+                </a:schemeClr>
+                <a:prstClr val="white"/>
+              </a:duotone>
+              <a:extLst>
+                <a:ext uri="{BEBA8EAE-BF5A-486C-A8C5-ECC9F3942E4B}">
+                  <a14:imgProps xmlns:a14="http://schemas.microsoft.com/office/drawing/2010/main">
+                    <a14:imgLayer r:embed="rId4">
+                      <a14:imgEffect>
+                        <a14:artisticPhotocopy/>
+                      </a14:imgEffect>
+                    </a14:imgLayer>
+                  </a14:imgProps>
+                </a:ext>
+              </a:extLst>
+            </a:blip>
+            <a:srcRect l="7418" t="62935" r="58594"/>
+            <a:stretch/>
+          </p:blipFill>
+          <p:spPr>
+            <a:xfrm>
+              <a:off x="690880" y="3373120"/>
+              <a:ext cx="2651760" cy="1896110"/>
+            </a:xfrm>
+            <a:prstGeom prst="rect">
+              <a:avLst/>
+            </a:prstGeom>
+          </p:spPr>
+        </p:pic>
+        <p:pic>
+          <p:nvPicPr>
+            <p:cNvPr id="7" name="Image 6"/>
+            <p:cNvPicPr>
+              <a:picLocks noChangeAspect="1"/>
+            </p:cNvPicPr>
+            <p:nvPr/>
+          </p:nvPicPr>
+          <p:blipFill rotWithShape="1">
+            <a:blip r:embed="rId3">
+              <a:duotone>
+                <a:schemeClr val="accent5">
+                  <a:shade val="45000"/>
+                  <a:satMod val="135000"/>
+                </a:schemeClr>
+                <a:prstClr val="white"/>
+              </a:duotone>
+              <a:extLst>
+                <a:ext uri="{BEBA8EAE-BF5A-486C-A8C5-ECC9F3942E4B}">
+                  <a14:imgProps xmlns:a14="http://schemas.microsoft.com/office/drawing/2010/main">
+                    <a14:imgLayer r:embed="rId4">
+                      <a14:imgEffect>
+                        <a14:artisticPhotocopy/>
+                      </a14:imgEffect>
+                    </a14:imgLayer>
+                  </a14:imgProps>
+                </a:ext>
+              </a:extLst>
+            </a:blip>
+            <a:srcRect l="69273" t="71475" r="12237" b="7274"/>
+            <a:stretch/>
+          </p:blipFill>
+          <p:spPr>
+            <a:xfrm>
+              <a:off x="3909060" y="3825240"/>
+              <a:ext cx="1442720" cy="1087120"/>
+            </a:xfrm>
+            <a:prstGeom prst="rect">
+              <a:avLst/>
+            </a:prstGeom>
+          </p:spPr>
+        </p:pic>
+        <p:pic>
+          <p:nvPicPr>
+            <p:cNvPr id="8" name="Image 7"/>
+            <p:cNvPicPr>
+              <a:picLocks noChangeAspect="1"/>
+            </p:cNvPicPr>
+            <p:nvPr/>
+          </p:nvPicPr>
+          <p:blipFill rotWithShape="1">
+            <a:blip r:embed="rId3">
+              <a:duotone>
+                <a:schemeClr val="accent5">
+                  <a:shade val="45000"/>
+                  <a:satMod val="135000"/>
+                </a:schemeClr>
+                <a:prstClr val="white"/>
+              </a:duotone>
+              <a:extLst>
+                <a:ext uri="{BEBA8EAE-BF5A-486C-A8C5-ECC9F3942E4B}">
+                  <a14:imgProps xmlns:a14="http://schemas.microsoft.com/office/drawing/2010/main">
+                    <a14:imgLayer r:embed="rId4">
+                      <a14:imgEffect>
+                        <a14:artisticPhotocopy/>
+                      </a14:imgEffect>
+                    </a14:imgLayer>
+                  </a14:imgProps>
+                </a:ext>
+              </a:extLst>
+            </a:blip>
+            <a:srcRect l="91280" t="72865" b="8068"/>
+            <a:stretch/>
+          </p:blipFill>
+          <p:spPr>
+            <a:xfrm>
+              <a:off x="5981700" y="3881120"/>
+              <a:ext cx="680312" cy="975360"/>
+            </a:xfrm>
+            <a:prstGeom prst="rect">
+              <a:avLst/>
+            </a:prstGeom>
+          </p:spPr>
+        </p:pic>
+        <p:pic>
+          <p:nvPicPr>
+            <p:cNvPr id="9" name="Image 8"/>
+            <p:cNvPicPr>
+              <a:picLocks noChangeAspect="1"/>
+            </p:cNvPicPr>
+            <p:nvPr/>
+          </p:nvPicPr>
+          <p:blipFill rotWithShape="1">
+            <a:blip r:embed="rId3">
+              <a:duotone>
+                <a:schemeClr val="accent5">
+                  <a:shade val="45000"/>
+                  <a:satMod val="135000"/>
+                </a:schemeClr>
+                <a:prstClr val="white"/>
+              </a:duotone>
+              <a:extLst>
+                <a:ext uri="{BEBA8EAE-BF5A-486C-A8C5-ECC9F3942E4B}">
+                  <a14:imgProps xmlns:a14="http://schemas.microsoft.com/office/drawing/2010/main">
+                    <a14:imgLayer r:embed="rId4">
+                      <a14:imgEffect>
+                        <a14:artisticPhotocopy/>
+                      </a14:imgEffect>
+                    </a14:imgLayer>
+                  </a14:imgProps>
+                </a:ext>
+              </a:extLst>
+            </a:blip>
+            <a:srcRect l="66408" t="79817" r="30076" b="15814"/>
+            <a:stretch/>
+          </p:blipFill>
+          <p:spPr>
+            <a:xfrm>
+              <a:off x="5529580" y="4246880"/>
+              <a:ext cx="274320" cy="223520"/>
+            </a:xfrm>
+            <a:prstGeom prst="rect">
+              <a:avLst/>
+            </a:prstGeom>
+          </p:spPr>
+        </p:pic>
+        <p:pic>
+          <p:nvPicPr>
+            <p:cNvPr id="10" name="Image 9"/>
+            <p:cNvPicPr>
+              <a:picLocks noChangeAspect="1"/>
+            </p:cNvPicPr>
+            <p:nvPr/>
+          </p:nvPicPr>
+          <p:blipFill rotWithShape="1">
+            <a:blip r:embed="rId3">
+              <a:duotone>
+                <a:schemeClr val="accent5">
+                  <a:shade val="45000"/>
+                  <a:satMod val="135000"/>
+                </a:schemeClr>
+                <a:prstClr val="white"/>
+              </a:duotone>
+              <a:extLst>
+                <a:ext uri="{BEBA8EAE-BF5A-486C-A8C5-ECC9F3942E4B}">
+                  <a14:imgProps xmlns:a14="http://schemas.microsoft.com/office/drawing/2010/main">
+                    <a14:imgLayer r:embed="rId4">
+                      <a14:imgEffect>
+                        <a14:artisticPhotocopy/>
+                      </a14:imgEffect>
+                    </a14:imgLayer>
+                  </a14:imgProps>
+                </a:ext>
+              </a:extLst>
+            </a:blip>
+            <a:srcRect l="66408" t="79817" r="30076" b="15814"/>
+            <a:stretch/>
+          </p:blipFill>
+          <p:spPr>
+            <a:xfrm>
+              <a:off x="3510280" y="4257040"/>
+              <a:ext cx="274320" cy="223520"/>
+            </a:xfrm>
+            <a:prstGeom prst="rect">
+              <a:avLst/>
+            </a:prstGeom>
+          </p:spPr>
+        </p:pic>
+      </p:grpSp>
+      <p:pic>
+        <p:nvPicPr>
+          <p:cNvPr id="12" name="Image 11"/>
+          <p:cNvPicPr>
+            <a:picLocks noChangeAspect="1"/>
+          </p:cNvPicPr>
+          <p:nvPr/>
+        </p:nvPicPr>
+        <p:blipFill rotWithShape="1">
+          <a:blip r:embed="rId5"/>
+          <a:srcRect r="36018" b="47263"/>
+          <a:stretch/>
+        </p:blipFill>
+        <p:spPr>
+          <a:xfrm>
+            <a:off x="185420" y="3333115"/>
+            <a:ext cx="1913880" cy="2727960"/>
+          </a:xfrm>
+          <a:prstGeom prst="rect">
+            <a:avLst/>
+          </a:prstGeom>
+        </p:spPr>
+      </p:pic>
+      <p:pic>
+        <p:nvPicPr>
+          <p:cNvPr id="13" name="Image 12"/>
+          <p:cNvPicPr>
+            <a:picLocks noChangeAspect="1"/>
+          </p:cNvPicPr>
+          <p:nvPr/>
+        </p:nvPicPr>
+        <p:blipFill rotWithShape="1">
+          <a:blip r:embed="rId5"/>
+          <a:srcRect l="11335" t="57843"/>
+          <a:stretch/>
+        </p:blipFill>
+        <p:spPr>
+          <a:xfrm>
+            <a:off x="2270546" y="3992880"/>
+            <a:ext cx="2652187" cy="2180677"/>
+          </a:xfrm>
+          <a:prstGeom prst="rect">
+            <a:avLst/>
+          </a:prstGeom>
+        </p:spPr>
+      </p:pic>
+      <p:pic>
+        <p:nvPicPr>
+          <p:cNvPr id="14" name="Image 13"/>
+          <p:cNvPicPr>
+            <a:picLocks noChangeAspect="1"/>
+          </p:cNvPicPr>
+          <p:nvPr/>
+        </p:nvPicPr>
+        <p:blipFill rotWithShape="1">
+          <a:blip r:embed="rId6">
+            <a:duotone>
+              <a:schemeClr val="accent6">
+                <a:shade val="45000"/>
+                <a:satMod val="135000"/>
+              </a:schemeClr>
+              <a:prstClr val="white"/>
+            </a:duotone>
+          </a:blip>
+          <a:srcRect l="2822" t="650" r="62547" b="93269"/>
+          <a:stretch/>
+        </p:blipFill>
+        <p:spPr>
+          <a:xfrm>
+            <a:off x="5989320" y="3687762"/>
+            <a:ext cx="1402080" cy="396240"/>
+          </a:xfrm>
+          <a:prstGeom prst="rect">
+            <a:avLst/>
+          </a:prstGeom>
+        </p:spPr>
+      </p:pic>
+      <p:pic>
+        <p:nvPicPr>
+          <p:cNvPr id="15" name="Image 14"/>
+          <p:cNvPicPr>
+            <a:picLocks noChangeAspect="1"/>
+          </p:cNvPicPr>
+          <p:nvPr/>
+        </p:nvPicPr>
+        <p:blipFill rotWithShape="1">
+          <a:blip r:embed="rId7">
+            <a:duotone>
+              <a:schemeClr val="accent6">
+                <a:shade val="45000"/>
+                <a:satMod val="135000"/>
+              </a:schemeClr>
+              <a:prstClr val="white"/>
+            </a:duotone>
+            <a:extLst>
+              <a:ext uri="{BEBA8EAE-BF5A-486C-A8C5-ECC9F3942E4B}">
+                <a14:imgProps xmlns:a14="http://schemas.microsoft.com/office/drawing/2010/main">
+                  <a14:imgLayer r:embed="rId8">
+                    <a14:imgEffect>
+                      <a14:artisticPhotocopy/>
+                    </a14:imgEffect>
+                  </a14:imgLayer>
+                </a14:imgProps>
+              </a:ext>
+            </a:extLst>
+          </a:blip>
+          <a:srcRect t="70972" r="59662"/>
+          <a:stretch/>
+        </p:blipFill>
+        <p:spPr>
+          <a:xfrm>
+            <a:off x="5610930" y="4135120"/>
+            <a:ext cx="1633150" cy="1891484"/>
+          </a:xfrm>
+          <a:prstGeom prst="rect">
+            <a:avLst/>
+          </a:prstGeom>
+        </p:spPr>
+      </p:pic>
+      <p:pic>
+        <p:nvPicPr>
+          <p:cNvPr id="16" name="Image 15"/>
+          <p:cNvPicPr>
+            <a:picLocks noChangeAspect="1"/>
+          </p:cNvPicPr>
+          <p:nvPr/>
+        </p:nvPicPr>
+        <p:blipFill rotWithShape="1">
+          <a:blip r:embed="rId7">
+            <a:duotone>
+              <a:schemeClr val="accent6">
+                <a:shade val="45000"/>
+                <a:satMod val="135000"/>
+              </a:schemeClr>
+              <a:prstClr val="white"/>
+            </a:duotone>
+            <a:extLst>
+              <a:ext uri="{BEBA8EAE-BF5A-486C-A8C5-ECC9F3942E4B}">
+                <a14:imgProps xmlns:a14="http://schemas.microsoft.com/office/drawing/2010/main">
+                  <a14:imgLayer r:embed="rId8">
+                    <a14:imgEffect>
+                      <a14:artisticPhotocopy/>
+                    </a14:imgEffect>
+                  </a14:imgLayer>
+                </a14:imgProps>
+              </a:ext>
+            </a:extLst>
+          </a:blip>
+          <a:srcRect l="41592" t="79080" r="35572" b="7823"/>
+          <a:stretch/>
+        </p:blipFill>
+        <p:spPr>
+          <a:xfrm>
+            <a:off x="7294880" y="4663440"/>
+            <a:ext cx="924560" cy="853440"/>
+          </a:xfrm>
+          <a:prstGeom prst="rect">
+            <a:avLst/>
+          </a:prstGeom>
+        </p:spPr>
+      </p:pic>
+      <p:pic>
+        <p:nvPicPr>
+          <p:cNvPr id="17" name="Image 16"/>
+          <p:cNvPicPr>
+            <a:picLocks noChangeAspect="1"/>
+          </p:cNvPicPr>
+          <p:nvPr/>
+        </p:nvPicPr>
+        <p:blipFill rotWithShape="1">
+          <a:blip r:embed="rId7">
+            <a:duotone>
+              <a:schemeClr val="accent6">
+                <a:shade val="45000"/>
+                <a:satMod val="135000"/>
+              </a:schemeClr>
+              <a:prstClr val="white"/>
+            </a:duotone>
+            <a:extLst>
+              <a:ext uri="{BEBA8EAE-BF5A-486C-A8C5-ECC9F3942E4B}">
+                <a14:imgProps xmlns:a14="http://schemas.microsoft.com/office/drawing/2010/main">
+                  <a14:imgLayer r:embed="rId8">
+                    <a14:imgEffect>
+                      <a14:artisticPhotocopy/>
+                    </a14:imgEffect>
+                  </a14:imgLayer>
+                </a14:imgProps>
+              </a:ext>
+            </a:extLst>
+          </a:blip>
+          <a:srcRect l="63425" t="79392" b="7510"/>
+          <a:stretch/>
+        </p:blipFill>
+        <p:spPr>
+          <a:xfrm>
+            <a:off x="8178800" y="4683760"/>
+            <a:ext cx="1480820" cy="853440"/>
+          </a:xfrm>
+          <a:prstGeom prst="rect">
+            <a:avLst/>
+          </a:prstGeom>
+        </p:spPr>
+      </p:pic>
     </p:spTree>
     <p:extLst>
       <p:ext uri="{BB962C8B-B14F-4D97-AF65-F5344CB8AC3E}">
@@ -16787,7 +18680,399 @@
   <p:timing>
     <p:tnLst>
       <p:par>
-        <p:cTn id="1" dur="indefinite" restart="never" nodeType="tmRoot"/>
+        <p:cTn id="1" dur="indefinite" restart="never" nodeType="tmRoot">
+          <p:childTnLst>
+            <p:seq concurrent="1" nextAc="seek">
+              <p:cTn id="2" dur="indefinite" nodeType="mainSeq">
+                <p:childTnLst>
+                  <p:par>
+                    <p:cTn id="3" fill="hold">
+                      <p:stCondLst>
+                        <p:cond delay="indefinite"/>
+                      </p:stCondLst>
+                      <p:childTnLst>
+                        <p:par>
+                          <p:cTn id="4" fill="hold">
+                            <p:stCondLst>
+                              <p:cond delay="0"/>
+                            </p:stCondLst>
+                            <p:childTnLst>
+                              <p:par>
+                                <p:cTn id="5" presetID="1" presetClass="entr" presetSubtype="0" fill="hold" nodeType="clickEffect">
+                                  <p:stCondLst>
+                                    <p:cond delay="0"/>
+                                  </p:stCondLst>
+                                  <p:childTnLst>
+                                    <p:set>
+                                      <p:cBhvr>
+                                        <p:cTn id="6" dur="1" fill="hold">
+                                          <p:stCondLst>
+                                            <p:cond delay="0"/>
+                                          </p:stCondLst>
+                                        </p:cTn>
+                                        <p:tgtEl>
+                                          <p:spTgt spid="4"/>
+                                        </p:tgtEl>
+                                        <p:attrNameLst>
+                                          <p:attrName>style.visibility</p:attrName>
+                                        </p:attrNameLst>
+                                      </p:cBhvr>
+                                      <p:to>
+                                        <p:strVal val="visible"/>
+                                      </p:to>
+                                    </p:set>
+                                  </p:childTnLst>
+                                </p:cTn>
+                              </p:par>
+                            </p:childTnLst>
+                          </p:cTn>
+                        </p:par>
+                      </p:childTnLst>
+                    </p:cTn>
+                  </p:par>
+                  <p:par>
+                    <p:cTn id="7" fill="hold">
+                      <p:stCondLst>
+                        <p:cond delay="indefinite"/>
+                      </p:stCondLst>
+                      <p:childTnLst>
+                        <p:par>
+                          <p:cTn id="8" fill="hold">
+                            <p:stCondLst>
+                              <p:cond delay="0"/>
+                            </p:stCondLst>
+                            <p:childTnLst>
+                              <p:par>
+                                <p:cTn id="9" presetID="1" presetClass="entr" presetSubtype="0" fill="hold" nodeType="clickEffect">
+                                  <p:stCondLst>
+                                    <p:cond delay="0"/>
+                                  </p:stCondLst>
+                                  <p:childTnLst>
+                                    <p:set>
+                                      <p:cBhvr>
+                                        <p:cTn id="10" dur="1" fill="hold">
+                                          <p:stCondLst>
+                                            <p:cond delay="0"/>
+                                          </p:stCondLst>
+                                        </p:cTn>
+                                        <p:tgtEl>
+                                          <p:spTgt spid="5"/>
+                                        </p:tgtEl>
+                                        <p:attrNameLst>
+                                          <p:attrName>style.visibility</p:attrName>
+                                        </p:attrNameLst>
+                                      </p:cBhvr>
+                                      <p:to>
+                                        <p:strVal val="visible"/>
+                                      </p:to>
+                                    </p:set>
+                                  </p:childTnLst>
+                                </p:cTn>
+                              </p:par>
+                            </p:childTnLst>
+                          </p:cTn>
+                        </p:par>
+                      </p:childTnLst>
+                    </p:cTn>
+                  </p:par>
+                  <p:par>
+                    <p:cTn id="11" fill="hold">
+                      <p:stCondLst>
+                        <p:cond delay="indefinite"/>
+                      </p:stCondLst>
+                      <p:childTnLst>
+                        <p:par>
+                          <p:cTn id="12" fill="hold">
+                            <p:stCondLst>
+                              <p:cond delay="0"/>
+                            </p:stCondLst>
+                            <p:childTnLst>
+                              <p:par>
+                                <p:cTn id="13" presetID="1" presetClass="entr" presetSubtype="0" fill="hold" nodeType="clickEffect">
+                                  <p:stCondLst>
+                                    <p:cond delay="0"/>
+                                  </p:stCondLst>
+                                  <p:childTnLst>
+                                    <p:set>
+                                      <p:cBhvr>
+                                        <p:cTn id="14" dur="1" fill="hold">
+                                          <p:stCondLst>
+                                            <p:cond delay="0"/>
+                                          </p:stCondLst>
+                                        </p:cTn>
+                                        <p:tgtEl>
+                                          <p:spTgt spid="11"/>
+                                        </p:tgtEl>
+                                        <p:attrNameLst>
+                                          <p:attrName>style.visibility</p:attrName>
+                                        </p:attrNameLst>
+                                      </p:cBhvr>
+                                      <p:to>
+                                        <p:strVal val="visible"/>
+                                      </p:to>
+                                    </p:set>
+                                  </p:childTnLst>
+                                </p:cTn>
+                              </p:par>
+                            </p:childTnLst>
+                          </p:cTn>
+                        </p:par>
+                      </p:childTnLst>
+                    </p:cTn>
+                  </p:par>
+                  <p:par>
+                    <p:cTn id="15" fill="hold">
+                      <p:stCondLst>
+                        <p:cond delay="indefinite"/>
+                      </p:stCondLst>
+                      <p:childTnLst>
+                        <p:par>
+                          <p:cTn id="16" fill="hold">
+                            <p:stCondLst>
+                              <p:cond delay="0"/>
+                            </p:stCondLst>
+                            <p:childTnLst>
+                              <p:par>
+                                <p:cTn id="17" presetID="1" presetClass="entr" presetSubtype="0" fill="hold" nodeType="clickEffect">
+                                  <p:stCondLst>
+                                    <p:cond delay="0"/>
+                                  </p:stCondLst>
+                                  <p:childTnLst>
+                                    <p:set>
+                                      <p:cBhvr>
+                                        <p:cTn id="18" dur="1" fill="hold">
+                                          <p:stCondLst>
+                                            <p:cond delay="0"/>
+                                          </p:stCondLst>
+                                        </p:cTn>
+                                        <p:tgtEl>
+                                          <p:spTgt spid="12"/>
+                                        </p:tgtEl>
+                                        <p:attrNameLst>
+                                          <p:attrName>style.visibility</p:attrName>
+                                        </p:attrNameLst>
+                                      </p:cBhvr>
+                                      <p:to>
+                                        <p:strVal val="visible"/>
+                                      </p:to>
+                                    </p:set>
+                                  </p:childTnLst>
+                                </p:cTn>
+                              </p:par>
+                              <p:par>
+                                <p:cTn id="19" presetID="1" presetClass="entr" presetSubtype="0" fill="hold" nodeType="withEffect">
+                                  <p:stCondLst>
+                                    <p:cond delay="0"/>
+                                  </p:stCondLst>
+                                  <p:childTnLst>
+                                    <p:set>
+                                      <p:cBhvr>
+                                        <p:cTn id="20" dur="1" fill="hold">
+                                          <p:stCondLst>
+                                            <p:cond delay="0"/>
+                                          </p:stCondLst>
+                                        </p:cTn>
+                                        <p:tgtEl>
+                                          <p:spTgt spid="13"/>
+                                        </p:tgtEl>
+                                        <p:attrNameLst>
+                                          <p:attrName>style.visibility</p:attrName>
+                                        </p:attrNameLst>
+                                      </p:cBhvr>
+                                      <p:to>
+                                        <p:strVal val="visible"/>
+                                      </p:to>
+                                    </p:set>
+                                  </p:childTnLst>
+                                </p:cTn>
+                              </p:par>
+                            </p:childTnLst>
+                          </p:cTn>
+                        </p:par>
+                      </p:childTnLst>
+                    </p:cTn>
+                  </p:par>
+                  <p:par>
+                    <p:cTn id="21" fill="hold">
+                      <p:stCondLst>
+                        <p:cond delay="indefinite"/>
+                      </p:stCondLst>
+                      <p:childTnLst>
+                        <p:par>
+                          <p:cTn id="22" fill="hold">
+                            <p:stCondLst>
+                              <p:cond delay="0"/>
+                            </p:stCondLst>
+                            <p:childTnLst>
+                              <p:par>
+                                <p:cTn id="23" presetID="1" presetClass="entr" presetSubtype="0" fill="hold" nodeType="clickEffect">
+                                  <p:stCondLst>
+                                    <p:cond delay="0"/>
+                                  </p:stCondLst>
+                                  <p:childTnLst>
+                                    <p:set>
+                                      <p:cBhvr>
+                                        <p:cTn id="24" dur="1" fill="hold">
+                                          <p:stCondLst>
+                                            <p:cond delay="0"/>
+                                          </p:stCondLst>
+                                        </p:cTn>
+                                        <p:tgtEl>
+                                          <p:spTgt spid="14"/>
+                                        </p:tgtEl>
+                                        <p:attrNameLst>
+                                          <p:attrName>style.visibility</p:attrName>
+                                        </p:attrNameLst>
+                                      </p:cBhvr>
+                                      <p:to>
+                                        <p:strVal val="visible"/>
+                                      </p:to>
+                                    </p:set>
+                                  </p:childTnLst>
+                                </p:cTn>
+                              </p:par>
+                              <p:par>
+                                <p:cTn id="25" presetID="1" presetClass="entr" presetSubtype="0" fill="hold" nodeType="withEffect">
+                                  <p:stCondLst>
+                                    <p:cond delay="0"/>
+                                  </p:stCondLst>
+                                  <p:childTnLst>
+                                    <p:set>
+                                      <p:cBhvr>
+                                        <p:cTn id="26" dur="1" fill="hold">
+                                          <p:stCondLst>
+                                            <p:cond delay="0"/>
+                                          </p:stCondLst>
+                                        </p:cTn>
+                                        <p:tgtEl>
+                                          <p:spTgt spid="15"/>
+                                        </p:tgtEl>
+                                        <p:attrNameLst>
+                                          <p:attrName>style.visibility</p:attrName>
+                                        </p:attrNameLst>
+                                      </p:cBhvr>
+                                      <p:to>
+                                        <p:strVal val="visible"/>
+                                      </p:to>
+                                    </p:set>
+                                  </p:childTnLst>
+                                </p:cTn>
+                              </p:par>
+                            </p:childTnLst>
+                          </p:cTn>
+                        </p:par>
+                      </p:childTnLst>
+                    </p:cTn>
+                  </p:par>
+                  <p:par>
+                    <p:cTn id="27" fill="hold">
+                      <p:stCondLst>
+                        <p:cond delay="indefinite"/>
+                      </p:stCondLst>
+                      <p:childTnLst>
+                        <p:par>
+                          <p:cTn id="28" fill="hold">
+                            <p:stCondLst>
+                              <p:cond delay="0"/>
+                            </p:stCondLst>
+                            <p:childTnLst>
+                              <p:par>
+                                <p:cTn id="29" presetID="1" presetClass="entr" presetSubtype="0" fill="hold" nodeType="clickEffect">
+                                  <p:stCondLst>
+                                    <p:cond delay="0"/>
+                                  </p:stCondLst>
+                                  <p:childTnLst>
+                                    <p:set>
+                                      <p:cBhvr>
+                                        <p:cTn id="30" dur="1" fill="hold">
+                                          <p:stCondLst>
+                                            <p:cond delay="0"/>
+                                          </p:stCondLst>
+                                        </p:cTn>
+                                        <p:tgtEl>
+                                          <p:spTgt spid="16"/>
+                                        </p:tgtEl>
+                                        <p:attrNameLst>
+                                          <p:attrName>style.visibility</p:attrName>
+                                        </p:attrNameLst>
+                                      </p:cBhvr>
+                                      <p:to>
+                                        <p:strVal val="visible"/>
+                                      </p:to>
+                                    </p:set>
+                                  </p:childTnLst>
+                                </p:cTn>
+                              </p:par>
+                            </p:childTnLst>
+                          </p:cTn>
+                        </p:par>
+                      </p:childTnLst>
+                    </p:cTn>
+                  </p:par>
+                  <p:par>
+                    <p:cTn id="31" fill="hold">
+                      <p:stCondLst>
+                        <p:cond delay="indefinite"/>
+                      </p:stCondLst>
+                      <p:childTnLst>
+                        <p:par>
+                          <p:cTn id="32" fill="hold">
+                            <p:stCondLst>
+                              <p:cond delay="0"/>
+                            </p:stCondLst>
+                            <p:childTnLst>
+                              <p:par>
+                                <p:cTn id="33" presetID="1" presetClass="entr" presetSubtype="0" fill="hold" nodeType="clickEffect">
+                                  <p:stCondLst>
+                                    <p:cond delay="0"/>
+                                  </p:stCondLst>
+                                  <p:childTnLst>
+                                    <p:set>
+                                      <p:cBhvr>
+                                        <p:cTn id="34" dur="1" fill="hold">
+                                          <p:stCondLst>
+                                            <p:cond delay="0"/>
+                                          </p:stCondLst>
+                                        </p:cTn>
+                                        <p:tgtEl>
+                                          <p:spTgt spid="17"/>
+                                        </p:tgtEl>
+                                        <p:attrNameLst>
+                                          <p:attrName>style.visibility</p:attrName>
+                                        </p:attrNameLst>
+                                      </p:cBhvr>
+                                      <p:to>
+                                        <p:strVal val="visible"/>
+                                      </p:to>
+                                    </p:set>
+                                  </p:childTnLst>
+                                </p:cTn>
+                              </p:par>
+                            </p:childTnLst>
+                          </p:cTn>
+                        </p:par>
+                      </p:childTnLst>
+                    </p:cTn>
+                  </p:par>
+                </p:childTnLst>
+              </p:cTn>
+              <p:prevCondLst>
+                <p:cond evt="onPrev" delay="0">
+                  <p:tgtEl>
+                    <p:sldTgt/>
+                  </p:tgtEl>
+                </p:cond>
+              </p:prevCondLst>
+              <p:nextCondLst>
+                <p:cond evt="onNext" delay="0">
+                  <p:tgtEl>
+                    <p:sldTgt/>
+                  </p:tgtEl>
+                </p:cond>
+              </p:nextCondLst>
+            </p:seq>
+          </p:childTnLst>
+        </p:cTn>
       </p:par>
     </p:tnLst>
   </p:timing>
@@ -16834,6 +19119,240 @@
           </a:p>
         </p:txBody>
       </p:sp>
+      <p:pic>
+        <p:nvPicPr>
+          <p:cNvPr id="3" name="Image 2"/>
+          <p:cNvPicPr>
+            <a:picLocks noChangeAspect="1"/>
+          </p:cNvPicPr>
+          <p:nvPr/>
+        </p:nvPicPr>
+        <p:blipFill>
+          <a:blip r:embed="rId2"/>
+          <a:stretch>
+            <a:fillRect/>
+          </a:stretch>
+        </p:blipFill>
+        <p:spPr>
+          <a:xfrm>
+            <a:off x="77507" y="0"/>
+            <a:ext cx="4010585" cy="2572109"/>
+          </a:xfrm>
+          <a:prstGeom prst="rect">
+            <a:avLst/>
+          </a:prstGeom>
+        </p:spPr>
+      </p:pic>
+      <p:pic>
+        <p:nvPicPr>
+          <p:cNvPr id="4" name="Image 3"/>
+          <p:cNvPicPr>
+            <a:picLocks noChangeAspect="1"/>
+          </p:cNvPicPr>
+          <p:nvPr/>
+        </p:nvPicPr>
+        <p:blipFill rotWithShape="1">
+          <a:blip r:embed="rId3">
+            <a:duotone>
+              <a:schemeClr val="accent6">
+                <a:shade val="45000"/>
+                <a:satMod val="135000"/>
+              </a:schemeClr>
+              <a:prstClr val="white"/>
+            </a:duotone>
+            <a:extLst>
+              <a:ext uri="{BEBA8EAE-BF5A-486C-A8C5-ECC9F3942E4B}">
+                <a14:imgProps xmlns:a14="http://schemas.microsoft.com/office/drawing/2010/main">
+                  <a14:imgLayer r:embed="rId4">
+                    <a14:imgEffect>
+                      <a14:artisticPhotocopy/>
+                    </a14:imgEffect>
+                  </a14:imgLayer>
+                </a14:imgProps>
+              </a:ext>
+            </a:extLst>
+          </a:blip>
+          <a:srcRect r="72782"/>
+          <a:stretch/>
+        </p:blipFill>
+        <p:spPr>
+          <a:xfrm>
+            <a:off x="177534" y="2572109"/>
+            <a:ext cx="2128786" cy="2114845"/>
+          </a:xfrm>
+          <a:prstGeom prst="rect">
+            <a:avLst/>
+          </a:prstGeom>
+        </p:spPr>
+      </p:pic>
+      <p:pic>
+        <p:nvPicPr>
+          <p:cNvPr id="5" name="Image 4"/>
+          <p:cNvPicPr>
+            <a:picLocks noChangeAspect="1"/>
+          </p:cNvPicPr>
+          <p:nvPr/>
+        </p:nvPicPr>
+        <p:blipFill rotWithShape="1">
+          <a:blip r:embed="rId3">
+            <a:duotone>
+              <a:schemeClr val="accent6">
+                <a:shade val="45000"/>
+                <a:satMod val="135000"/>
+              </a:schemeClr>
+              <a:prstClr val="white"/>
+            </a:duotone>
+            <a:extLst>
+              <a:ext uri="{BEBA8EAE-BF5A-486C-A8C5-ECC9F3942E4B}">
+                <a14:imgProps xmlns:a14="http://schemas.microsoft.com/office/drawing/2010/main">
+                  <a14:imgLayer r:embed="rId4">
+                    <a14:imgEffect>
+                      <a14:artisticPhotocopy/>
+                    </a14:imgEffect>
+                  </a14:imgLayer>
+                </a14:imgProps>
+              </a:ext>
+            </a:extLst>
+          </a:blip>
+          <a:srcRect l="27089" r="54335"/>
+          <a:stretch/>
+        </p:blipFill>
+        <p:spPr>
+          <a:xfrm>
+            <a:off x="2296160" y="2572109"/>
+            <a:ext cx="1452880" cy="2114845"/>
+          </a:xfrm>
+          <a:prstGeom prst="rect">
+            <a:avLst/>
+          </a:prstGeom>
+        </p:spPr>
+      </p:pic>
+      <p:pic>
+        <p:nvPicPr>
+          <p:cNvPr id="6" name="Image 5"/>
+          <p:cNvPicPr>
+            <a:picLocks noChangeAspect="1"/>
+          </p:cNvPicPr>
+          <p:nvPr/>
+        </p:nvPicPr>
+        <p:blipFill rotWithShape="1">
+          <a:blip r:embed="rId3">
+            <a:duotone>
+              <a:schemeClr val="accent6">
+                <a:shade val="45000"/>
+                <a:satMod val="135000"/>
+              </a:schemeClr>
+              <a:prstClr val="white"/>
+            </a:duotone>
+            <a:extLst>
+              <a:ext uri="{BEBA8EAE-BF5A-486C-A8C5-ECC9F3942E4B}">
+                <a14:imgProps xmlns:a14="http://schemas.microsoft.com/office/drawing/2010/main">
+                  <a14:imgLayer r:embed="rId4">
+                    <a14:imgEffect>
+                      <a14:artisticPhotocopy/>
+                    </a14:imgEffect>
+                  </a14:imgLayer>
+                </a14:imgProps>
+              </a:ext>
+            </a:extLst>
+          </a:blip>
+          <a:srcRect l="45535" r="39786"/>
+          <a:stretch/>
+        </p:blipFill>
+        <p:spPr>
+          <a:xfrm>
+            <a:off x="3738880" y="2572109"/>
+            <a:ext cx="1148080" cy="2114845"/>
+          </a:xfrm>
+          <a:prstGeom prst="rect">
+            <a:avLst/>
+          </a:prstGeom>
+        </p:spPr>
+      </p:pic>
+      <p:pic>
+        <p:nvPicPr>
+          <p:cNvPr id="7" name="Image 6"/>
+          <p:cNvPicPr>
+            <a:picLocks noChangeAspect="1"/>
+          </p:cNvPicPr>
+          <p:nvPr/>
+        </p:nvPicPr>
+        <p:blipFill rotWithShape="1">
+          <a:blip r:embed="rId3">
+            <a:duotone>
+              <a:schemeClr val="accent6">
+                <a:shade val="45000"/>
+                <a:satMod val="135000"/>
+              </a:schemeClr>
+              <a:prstClr val="white"/>
+            </a:duotone>
+            <a:extLst>
+              <a:ext uri="{BEBA8EAE-BF5A-486C-A8C5-ECC9F3942E4B}">
+                <a14:imgProps xmlns:a14="http://schemas.microsoft.com/office/drawing/2010/main">
+                  <a14:imgLayer r:embed="rId4">
+                    <a14:imgEffect>
+                      <a14:artisticPhotocopy/>
+                    </a14:imgEffect>
+                  </a14:imgLayer>
+                </a14:imgProps>
+              </a:ext>
+            </a:extLst>
+          </a:blip>
+          <a:srcRect l="59825" t="27307" r="27185" b="28976"/>
+          <a:stretch/>
+        </p:blipFill>
+        <p:spPr>
+          <a:xfrm>
+            <a:off x="4856480" y="3149600"/>
+            <a:ext cx="1016000" cy="924560"/>
+          </a:xfrm>
+          <a:prstGeom prst="rect">
+            <a:avLst/>
+          </a:prstGeom>
+        </p:spPr>
+      </p:pic>
+      <p:pic>
+        <p:nvPicPr>
+          <p:cNvPr id="8" name="Image 7"/>
+          <p:cNvPicPr>
+            <a:picLocks noChangeAspect="1"/>
+          </p:cNvPicPr>
+          <p:nvPr/>
+        </p:nvPicPr>
+        <p:blipFill rotWithShape="1">
+          <a:blip r:embed="rId3">
+            <a:duotone>
+              <a:schemeClr val="accent6">
+                <a:shade val="45000"/>
+                <a:satMod val="135000"/>
+              </a:schemeClr>
+              <a:prstClr val="white"/>
+            </a:duotone>
+            <a:extLst>
+              <a:ext uri="{BEBA8EAE-BF5A-486C-A8C5-ECC9F3942E4B}">
+                <a14:imgProps xmlns:a14="http://schemas.microsoft.com/office/drawing/2010/main">
+                  <a14:imgLayer r:embed="rId4">
+                    <a14:imgEffect>
+                      <a14:artisticPhotocopy/>
+                    </a14:imgEffect>
+                  </a14:imgLayer>
+                </a14:imgProps>
+              </a:ext>
+            </a:extLst>
+          </a:blip>
+          <a:srcRect l="69697" t="29228" b="28976"/>
+          <a:stretch/>
+        </p:blipFill>
+        <p:spPr>
+          <a:xfrm>
+            <a:off x="5628640" y="3190240"/>
+            <a:ext cx="2370010" cy="883920"/>
+          </a:xfrm>
+          <a:prstGeom prst="rect">
+            <a:avLst/>
+          </a:prstGeom>
+        </p:spPr>
+      </p:pic>
     </p:spTree>
     <p:extLst>
       <p:ext uri="{BB962C8B-B14F-4D97-AF65-F5344CB8AC3E}">
@@ -16847,7 +19366,255 @@
   <p:timing>
     <p:tnLst>
       <p:par>
-        <p:cTn id="1" dur="indefinite" restart="never" nodeType="tmRoot"/>
+        <p:cTn id="1" dur="indefinite" restart="never" nodeType="tmRoot">
+          <p:childTnLst>
+            <p:seq concurrent="1" nextAc="seek">
+              <p:cTn id="2" dur="indefinite" nodeType="mainSeq">
+                <p:childTnLst>
+                  <p:par>
+                    <p:cTn id="3" fill="hold">
+                      <p:stCondLst>
+                        <p:cond delay="indefinite"/>
+                      </p:stCondLst>
+                      <p:childTnLst>
+                        <p:par>
+                          <p:cTn id="4" fill="hold">
+                            <p:stCondLst>
+                              <p:cond delay="0"/>
+                            </p:stCondLst>
+                            <p:childTnLst>
+                              <p:par>
+                                <p:cTn id="5" presetID="1" presetClass="entr" presetSubtype="0" fill="hold" nodeType="clickEffect">
+                                  <p:stCondLst>
+                                    <p:cond delay="0"/>
+                                  </p:stCondLst>
+                                  <p:childTnLst>
+                                    <p:set>
+                                      <p:cBhvr>
+                                        <p:cTn id="6" dur="1" fill="hold">
+                                          <p:stCondLst>
+                                            <p:cond delay="0"/>
+                                          </p:stCondLst>
+                                        </p:cTn>
+                                        <p:tgtEl>
+                                          <p:spTgt spid="4"/>
+                                        </p:tgtEl>
+                                        <p:attrNameLst>
+                                          <p:attrName>style.visibility</p:attrName>
+                                        </p:attrNameLst>
+                                      </p:cBhvr>
+                                      <p:to>
+                                        <p:strVal val="visible"/>
+                                      </p:to>
+                                    </p:set>
+                                  </p:childTnLst>
+                                </p:cTn>
+                              </p:par>
+                            </p:childTnLst>
+                          </p:cTn>
+                        </p:par>
+                      </p:childTnLst>
+                    </p:cTn>
+                  </p:par>
+                  <p:par>
+                    <p:cTn id="7" fill="hold">
+                      <p:stCondLst>
+                        <p:cond delay="indefinite"/>
+                      </p:stCondLst>
+                      <p:childTnLst>
+                        <p:par>
+                          <p:cTn id="8" fill="hold">
+                            <p:stCondLst>
+                              <p:cond delay="0"/>
+                            </p:stCondLst>
+                            <p:childTnLst>
+                              <p:par>
+                                <p:cTn id="9" presetID="1" presetClass="entr" presetSubtype="0" fill="hold" nodeType="clickEffect">
+                                  <p:stCondLst>
+                                    <p:cond delay="0"/>
+                                  </p:stCondLst>
+                                  <p:childTnLst>
+                                    <p:set>
+                                      <p:cBhvr>
+                                        <p:cTn id="10" dur="1" fill="hold">
+                                          <p:stCondLst>
+                                            <p:cond delay="0"/>
+                                          </p:stCondLst>
+                                        </p:cTn>
+                                        <p:tgtEl>
+                                          <p:spTgt spid="5"/>
+                                        </p:tgtEl>
+                                        <p:attrNameLst>
+                                          <p:attrName>style.visibility</p:attrName>
+                                        </p:attrNameLst>
+                                      </p:cBhvr>
+                                      <p:to>
+                                        <p:strVal val="visible"/>
+                                      </p:to>
+                                    </p:set>
+                                  </p:childTnLst>
+                                </p:cTn>
+                              </p:par>
+                            </p:childTnLst>
+                          </p:cTn>
+                        </p:par>
+                      </p:childTnLst>
+                    </p:cTn>
+                  </p:par>
+                  <p:par>
+                    <p:cTn id="11" fill="hold">
+                      <p:stCondLst>
+                        <p:cond delay="indefinite"/>
+                      </p:stCondLst>
+                      <p:childTnLst>
+                        <p:par>
+                          <p:cTn id="12" fill="hold">
+                            <p:stCondLst>
+                              <p:cond delay="0"/>
+                            </p:stCondLst>
+                            <p:childTnLst>
+                              <p:par>
+                                <p:cTn id="13" presetID="1" presetClass="entr" presetSubtype="0" fill="hold" nodeType="clickEffect">
+                                  <p:stCondLst>
+                                    <p:cond delay="0"/>
+                                  </p:stCondLst>
+                                  <p:childTnLst>
+                                    <p:set>
+                                      <p:cBhvr>
+                                        <p:cTn id="14" dur="1" fill="hold">
+                                          <p:stCondLst>
+                                            <p:cond delay="0"/>
+                                          </p:stCondLst>
+                                        </p:cTn>
+                                        <p:tgtEl>
+                                          <p:spTgt spid="6"/>
+                                        </p:tgtEl>
+                                        <p:attrNameLst>
+                                          <p:attrName>style.visibility</p:attrName>
+                                        </p:attrNameLst>
+                                      </p:cBhvr>
+                                      <p:to>
+                                        <p:strVal val="visible"/>
+                                      </p:to>
+                                    </p:set>
+                                  </p:childTnLst>
+                                </p:cTn>
+                              </p:par>
+                            </p:childTnLst>
+                          </p:cTn>
+                        </p:par>
+                      </p:childTnLst>
+                    </p:cTn>
+                  </p:par>
+                  <p:par>
+                    <p:cTn id="15" fill="hold">
+                      <p:stCondLst>
+                        <p:cond delay="indefinite"/>
+                      </p:stCondLst>
+                      <p:childTnLst>
+                        <p:par>
+                          <p:cTn id="16" fill="hold">
+                            <p:stCondLst>
+                              <p:cond delay="0"/>
+                            </p:stCondLst>
+                            <p:childTnLst>
+                              <p:par>
+                                <p:cTn id="17" presetID="1" presetClass="entr" presetSubtype="0" fill="hold" nodeType="clickEffect">
+                                  <p:stCondLst>
+                                    <p:cond delay="0"/>
+                                  </p:stCondLst>
+                                  <p:childTnLst>
+                                    <p:set>
+                                      <p:cBhvr>
+                                        <p:cTn id="18" dur="1" fill="hold">
+                                          <p:stCondLst>
+                                            <p:cond delay="0"/>
+                                          </p:stCondLst>
+                                        </p:cTn>
+                                        <p:tgtEl>
+                                          <p:spTgt spid="7"/>
+                                        </p:tgtEl>
+                                        <p:attrNameLst>
+                                          <p:attrName>style.visibility</p:attrName>
+                                        </p:attrNameLst>
+                                      </p:cBhvr>
+                                      <p:to>
+                                        <p:strVal val="visible"/>
+                                      </p:to>
+                                    </p:set>
+                                  </p:childTnLst>
+                                </p:cTn>
+                              </p:par>
+                            </p:childTnLst>
+                          </p:cTn>
+                        </p:par>
+                      </p:childTnLst>
+                    </p:cTn>
+                  </p:par>
+                  <p:par>
+                    <p:cTn id="19" fill="hold">
+                      <p:stCondLst>
+                        <p:cond delay="indefinite"/>
+                      </p:stCondLst>
+                      <p:childTnLst>
+                        <p:par>
+                          <p:cTn id="20" fill="hold">
+                            <p:stCondLst>
+                              <p:cond delay="0"/>
+                            </p:stCondLst>
+                            <p:childTnLst>
+                              <p:par>
+                                <p:cTn id="21" presetID="1" presetClass="entr" presetSubtype="0" fill="hold" nodeType="clickEffect">
+                                  <p:stCondLst>
+                                    <p:cond delay="0"/>
+                                  </p:stCondLst>
+                                  <p:childTnLst>
+                                    <p:set>
+                                      <p:cBhvr>
+                                        <p:cTn id="22" dur="1" fill="hold">
+                                          <p:stCondLst>
+                                            <p:cond delay="0"/>
+                                          </p:stCondLst>
+                                        </p:cTn>
+                                        <p:tgtEl>
+                                          <p:spTgt spid="8"/>
+                                        </p:tgtEl>
+                                        <p:attrNameLst>
+                                          <p:attrName>style.visibility</p:attrName>
+                                        </p:attrNameLst>
+                                      </p:cBhvr>
+                                      <p:to>
+                                        <p:strVal val="visible"/>
+                                      </p:to>
+                                    </p:set>
+                                  </p:childTnLst>
+                                </p:cTn>
+                              </p:par>
+                            </p:childTnLst>
+                          </p:cTn>
+                        </p:par>
+                      </p:childTnLst>
+                    </p:cTn>
+                  </p:par>
+                </p:childTnLst>
+              </p:cTn>
+              <p:prevCondLst>
+                <p:cond evt="onPrev" delay="0">
+                  <p:tgtEl>
+                    <p:sldTgt/>
+                  </p:tgtEl>
+                </p:cond>
+              </p:prevCondLst>
+              <p:nextCondLst>
+                <p:cond evt="onNext" delay="0">
+                  <p:tgtEl>
+                    <p:sldTgt/>
+                  </p:tgtEl>
+                </p:cond>
+              </p:nextCondLst>
+            </p:seq>
+          </p:childTnLst>
+        </p:cTn>
       </p:par>
     </p:tnLst>
   </p:timing>
@@ -17307,10 +20074,236 @@
               <a:rPr lang="en-US" smtClean="0"/>
               <a:t>27</a:t>
             </a:fld>
-            <a:endParaRPr lang="en-US"/>
+            <a:endParaRPr lang="en-US" dirty="0"/>
           </a:p>
         </p:txBody>
       </p:sp>
+      <p:sp>
+        <p:nvSpPr>
+          <p:cNvPr id="4" name="Rectangle 3"/>
+          <p:cNvSpPr/>
+          <p:nvPr/>
+        </p:nvSpPr>
+        <p:spPr>
+          <a:xfrm>
+            <a:off x="325120" y="1290320"/>
+            <a:ext cx="11663680" cy="2123658"/>
+          </a:xfrm>
+          <a:prstGeom prst="rect">
+            <a:avLst/>
+          </a:prstGeom>
+        </p:spPr>
+        <p:txBody>
+          <a:bodyPr wrap="square">
+            <a:spAutoFit/>
+          </a:bodyPr>
+          <a:lstStyle/>
+          <a:p>
+            <a:pPr marL="285750" indent="-285750" algn="just">
+              <a:lnSpc>
+                <a:spcPct val="150000"/>
+              </a:lnSpc>
+              <a:buFont typeface="Wingdings" panose="05000000000000000000" pitchFamily="2" charset="2"/>
+              <a:buChar char="§"/>
+            </a:pPr>
+            <a:r>
+              <a:rPr lang="fr-FR" sz="2200" dirty="0" smtClean="0">
+                <a:solidFill>
+                  <a:srgbClr val="002060"/>
+                </a:solidFill>
+              </a:rPr>
+              <a:t>L'objectif est de résoudre </a:t>
+            </a:r>
+            <a:r>
+              <a:rPr lang="fr-FR" sz="2200" b="1" dirty="0" smtClean="0">
+                <a:solidFill>
+                  <a:srgbClr val="002060"/>
+                </a:solidFill>
+              </a:rPr>
+              <a:t>un système de deux équations à deux variables inconnues</a:t>
+            </a:r>
+            <a:r>
+              <a:rPr lang="fr-FR" sz="2200" dirty="0" smtClean="0">
+                <a:solidFill>
+                  <a:srgbClr val="002060"/>
+                </a:solidFill>
+              </a:rPr>
+              <a:t>.</a:t>
+            </a:r>
+          </a:p>
+          <a:p>
+            <a:pPr marL="285750" indent="-285750" algn="just">
+              <a:lnSpc>
+                <a:spcPct val="150000"/>
+              </a:lnSpc>
+              <a:buFont typeface="Wingdings" panose="05000000000000000000" pitchFamily="2" charset="2"/>
+              <a:buChar char="§"/>
+            </a:pPr>
+            <a:r>
+              <a:rPr lang="fr-FR" sz="2200" dirty="0" smtClean="0">
+                <a:solidFill>
+                  <a:srgbClr val="002060"/>
+                </a:solidFill>
+              </a:rPr>
+              <a:t>Si les deux équations contiennent les mêmes variables, le système est récursif et facile à résoudre.</a:t>
+            </a:r>
+          </a:p>
+          <a:p>
+            <a:pPr marL="285750" indent="-285750" algn="just">
+              <a:lnSpc>
+                <a:spcPct val="150000"/>
+              </a:lnSpc>
+              <a:buFont typeface="Wingdings" panose="05000000000000000000" pitchFamily="2" charset="2"/>
+              <a:buChar char="§"/>
+            </a:pPr>
+            <a:r>
+              <a:rPr lang="fr-FR" sz="2200" dirty="0" smtClean="0">
+                <a:solidFill>
+                  <a:srgbClr val="002060"/>
+                </a:solidFill>
+              </a:rPr>
+              <a:t>Dans le cas non récursif, on utilise la </a:t>
+            </a:r>
+            <a:r>
+              <a:rPr lang="fr-FR" sz="2200" b="1" dirty="0" smtClean="0">
+                <a:solidFill>
+                  <a:srgbClr val="002060"/>
+                </a:solidFill>
+              </a:rPr>
+              <a:t>méthode de substitution </a:t>
+            </a:r>
+            <a:r>
+              <a:rPr lang="fr-FR" sz="2200" dirty="0" smtClean="0">
+                <a:solidFill>
+                  <a:srgbClr val="002060"/>
+                </a:solidFill>
+              </a:rPr>
+              <a:t>pour simplifier le système à </a:t>
+            </a:r>
+            <a:r>
+              <a:rPr lang="fr-FR" sz="2200" b="1" dirty="0" smtClean="0">
+                <a:solidFill>
+                  <a:srgbClr val="002060"/>
+                </a:solidFill>
+              </a:rPr>
+              <a:t>une seule équation avec une seule inconnue.</a:t>
+            </a:r>
+            <a:endParaRPr lang="fr-FR" sz="2200" b="1" dirty="0">
+              <a:solidFill>
+                <a:srgbClr val="002060"/>
+              </a:solidFill>
+            </a:endParaRPr>
+          </a:p>
+        </p:txBody>
+      </p:sp>
+      <p:pic>
+        <p:nvPicPr>
+          <p:cNvPr id="5" name="Image 4"/>
+          <p:cNvPicPr>
+            <a:picLocks noChangeAspect="1"/>
+          </p:cNvPicPr>
+          <p:nvPr/>
+        </p:nvPicPr>
+        <p:blipFill>
+          <a:blip r:embed="rId2"/>
+          <a:stretch>
+            <a:fillRect/>
+          </a:stretch>
+        </p:blipFill>
+        <p:spPr>
+          <a:xfrm>
+            <a:off x="325120" y="3657789"/>
+            <a:ext cx="10974332" cy="1838582"/>
+          </a:xfrm>
+          <a:prstGeom prst="rect">
+            <a:avLst/>
+          </a:prstGeom>
+        </p:spPr>
+      </p:pic>
+      <p:pic>
+        <p:nvPicPr>
+          <p:cNvPr id="6" name="Image 5"/>
+          <p:cNvPicPr>
+            <a:picLocks noChangeAspect="1"/>
+          </p:cNvPicPr>
+          <p:nvPr/>
+        </p:nvPicPr>
+        <p:blipFill rotWithShape="1">
+          <a:blip r:embed="rId3">
+            <a:duotone>
+              <a:schemeClr val="accent6">
+                <a:shade val="45000"/>
+                <a:satMod val="135000"/>
+              </a:schemeClr>
+              <a:prstClr val="white"/>
+            </a:duotone>
+            <a:extLst>
+              <a:ext uri="{BEBA8EAE-BF5A-486C-A8C5-ECC9F3942E4B}">
+                <a14:imgProps xmlns:a14="http://schemas.microsoft.com/office/drawing/2010/main">
+                  <a14:imgLayer r:embed="rId4">
+                    <a14:imgEffect>
+                      <a14:artisticPhotocopy/>
+                    </a14:imgEffect>
+                  </a14:imgLayer>
+                </a14:imgProps>
+              </a:ext>
+            </a:extLst>
+          </a:blip>
+          <a:srcRect r="28669" b="92254"/>
+          <a:stretch/>
+        </p:blipFill>
+        <p:spPr>
+          <a:xfrm>
+            <a:off x="325120" y="5673607"/>
+            <a:ext cx="7712512" cy="483353"/>
+          </a:xfrm>
+          <a:prstGeom prst="rect">
+            <a:avLst/>
+          </a:prstGeom>
+        </p:spPr>
+      </p:pic>
+      <p:pic>
+        <p:nvPicPr>
+          <p:cNvPr id="7" name="Image 6"/>
+          <p:cNvPicPr>
+            <a:picLocks noChangeAspect="1"/>
+          </p:cNvPicPr>
+          <p:nvPr/>
+        </p:nvPicPr>
+        <p:blipFill rotWithShape="1">
+          <a:blip r:embed="rId3">
+            <a:duotone>
+              <a:schemeClr val="accent6">
+                <a:shade val="45000"/>
+                <a:satMod val="135000"/>
+              </a:schemeClr>
+              <a:prstClr val="white"/>
+            </a:duotone>
+            <a:extLst>
+              <a:ext uri="{BEBA8EAE-BF5A-486C-A8C5-ECC9F3942E4B}">
+                <a14:imgProps xmlns:a14="http://schemas.microsoft.com/office/drawing/2010/main">
+                  <a14:imgLayer r:embed="rId4">
+                    <a14:imgEffect>
+                      <a14:artisticPhotocopy/>
+                    </a14:imgEffect>
+                  </a14:imgLayer>
+                </a14:imgProps>
+              </a:ext>
+            </a:extLst>
+          </a:blip>
+          <a:srcRect t="12142" b="81019"/>
+          <a:stretch/>
+        </p:blipFill>
+        <p:spPr>
+          <a:xfrm>
+            <a:off x="325120" y="6431279"/>
+            <a:ext cx="10812384" cy="426721"/>
+          </a:xfrm>
+          <a:prstGeom prst="rect">
+            <a:avLst/>
+          </a:prstGeom>
+        </p:spPr>
+      </p:pic>
     </p:spTree>
     <p:extLst>
       <p:ext uri="{BB962C8B-B14F-4D97-AF65-F5344CB8AC3E}">
@@ -17324,9 +20317,317 @@
   <p:timing>
     <p:tnLst>
       <p:par>
-        <p:cTn id="1" dur="indefinite" restart="never" nodeType="tmRoot"/>
+        <p:cTn id="1" dur="indefinite" restart="never" nodeType="tmRoot">
+          <p:childTnLst>
+            <p:seq concurrent="1" nextAc="seek">
+              <p:cTn id="2" dur="indefinite" nodeType="mainSeq">
+                <p:childTnLst>
+                  <p:par>
+                    <p:cTn id="3" fill="hold">
+                      <p:stCondLst>
+                        <p:cond delay="indefinite"/>
+                      </p:stCondLst>
+                      <p:childTnLst>
+                        <p:par>
+                          <p:cTn id="4" fill="hold">
+                            <p:stCondLst>
+                              <p:cond delay="0"/>
+                            </p:stCondLst>
+                            <p:childTnLst>
+                              <p:par>
+                                <p:cTn id="5" presetID="1" presetClass="entr" presetSubtype="0" fill="hold" grpId="0" nodeType="clickEffect">
+                                  <p:stCondLst>
+                                    <p:cond delay="0"/>
+                                  </p:stCondLst>
+                                  <p:childTnLst>
+                                    <p:set>
+                                      <p:cBhvr>
+                                        <p:cTn id="6" dur="1" fill="hold">
+                                          <p:stCondLst>
+                                            <p:cond delay="0"/>
+                                          </p:stCondLst>
+                                        </p:cTn>
+                                        <p:tgtEl>
+                                          <p:spTgt spid="4">
+                                            <p:txEl>
+                                              <p:pRg st="0" end="0"/>
+                                            </p:txEl>
+                                          </p:spTgt>
+                                        </p:tgtEl>
+                                        <p:attrNameLst>
+                                          <p:attrName>style.visibility</p:attrName>
+                                        </p:attrNameLst>
+                                      </p:cBhvr>
+                                      <p:to>
+                                        <p:strVal val="visible"/>
+                                      </p:to>
+                                    </p:set>
+                                  </p:childTnLst>
+                                </p:cTn>
+                              </p:par>
+                            </p:childTnLst>
+                          </p:cTn>
+                        </p:par>
+                      </p:childTnLst>
+                    </p:cTn>
+                  </p:par>
+                  <p:par>
+                    <p:cTn id="7" fill="hold">
+                      <p:stCondLst>
+                        <p:cond delay="indefinite"/>
+                      </p:stCondLst>
+                      <p:childTnLst>
+                        <p:par>
+                          <p:cTn id="8" fill="hold">
+                            <p:stCondLst>
+                              <p:cond delay="0"/>
+                            </p:stCondLst>
+                            <p:childTnLst>
+                              <p:par>
+                                <p:cTn id="9" presetID="1" presetClass="entr" presetSubtype="0" fill="hold" grpId="0" nodeType="clickEffect">
+                                  <p:stCondLst>
+                                    <p:cond delay="0"/>
+                                  </p:stCondLst>
+                                  <p:childTnLst>
+                                    <p:set>
+                                      <p:cBhvr>
+                                        <p:cTn id="10" dur="1" fill="hold">
+                                          <p:stCondLst>
+                                            <p:cond delay="0"/>
+                                          </p:stCondLst>
+                                        </p:cTn>
+                                        <p:tgtEl>
+                                          <p:spTgt spid="4">
+                                            <p:txEl>
+                                              <p:pRg st="1" end="1"/>
+                                            </p:txEl>
+                                          </p:spTgt>
+                                        </p:tgtEl>
+                                        <p:attrNameLst>
+                                          <p:attrName>style.visibility</p:attrName>
+                                        </p:attrNameLst>
+                                      </p:cBhvr>
+                                      <p:to>
+                                        <p:strVal val="visible"/>
+                                      </p:to>
+                                    </p:set>
+                                  </p:childTnLst>
+                                </p:cTn>
+                              </p:par>
+                            </p:childTnLst>
+                          </p:cTn>
+                        </p:par>
+                      </p:childTnLst>
+                    </p:cTn>
+                  </p:par>
+                  <p:par>
+                    <p:cTn id="11" fill="hold">
+                      <p:stCondLst>
+                        <p:cond delay="indefinite"/>
+                      </p:stCondLst>
+                      <p:childTnLst>
+                        <p:par>
+                          <p:cTn id="12" fill="hold">
+                            <p:stCondLst>
+                              <p:cond delay="0"/>
+                            </p:stCondLst>
+                            <p:childTnLst>
+                              <p:par>
+                                <p:cTn id="13" presetID="1" presetClass="entr" presetSubtype="0" fill="hold" grpId="0" nodeType="clickEffect">
+                                  <p:stCondLst>
+                                    <p:cond delay="0"/>
+                                  </p:stCondLst>
+                                  <p:childTnLst>
+                                    <p:set>
+                                      <p:cBhvr>
+                                        <p:cTn id="14" dur="1" fill="hold">
+                                          <p:stCondLst>
+                                            <p:cond delay="0"/>
+                                          </p:stCondLst>
+                                        </p:cTn>
+                                        <p:tgtEl>
+                                          <p:spTgt spid="4">
+                                            <p:txEl>
+                                              <p:pRg st="2" end="2"/>
+                                            </p:txEl>
+                                          </p:spTgt>
+                                        </p:tgtEl>
+                                        <p:attrNameLst>
+                                          <p:attrName>style.visibility</p:attrName>
+                                        </p:attrNameLst>
+                                      </p:cBhvr>
+                                      <p:to>
+                                        <p:strVal val="visible"/>
+                                      </p:to>
+                                    </p:set>
+                                  </p:childTnLst>
+                                </p:cTn>
+                              </p:par>
+                            </p:childTnLst>
+                          </p:cTn>
+                        </p:par>
+                      </p:childTnLst>
+                    </p:cTn>
+                  </p:par>
+                  <p:par>
+                    <p:cTn id="15" fill="hold">
+                      <p:stCondLst>
+                        <p:cond delay="indefinite"/>
+                      </p:stCondLst>
+                      <p:childTnLst>
+                        <p:par>
+                          <p:cTn id="16" fill="hold">
+                            <p:stCondLst>
+                              <p:cond delay="0"/>
+                            </p:stCondLst>
+                            <p:childTnLst>
+                              <p:par>
+                                <p:cTn id="17" presetID="1" presetClass="entr" presetSubtype="0" fill="hold" nodeType="clickEffect">
+                                  <p:stCondLst>
+                                    <p:cond delay="0"/>
+                                  </p:stCondLst>
+                                  <p:childTnLst>
+                                    <p:set>
+                                      <p:cBhvr>
+                                        <p:cTn id="18" dur="1" fill="hold">
+                                          <p:stCondLst>
+                                            <p:cond delay="0"/>
+                                          </p:stCondLst>
+                                        </p:cTn>
+                                        <p:tgtEl>
+                                          <p:spTgt spid="5"/>
+                                        </p:tgtEl>
+                                        <p:attrNameLst>
+                                          <p:attrName>style.visibility</p:attrName>
+                                        </p:attrNameLst>
+                                      </p:cBhvr>
+                                      <p:to>
+                                        <p:strVal val="visible"/>
+                                      </p:to>
+                                    </p:set>
+                                  </p:childTnLst>
+                                </p:cTn>
+                              </p:par>
+                            </p:childTnLst>
+                          </p:cTn>
+                        </p:par>
+                      </p:childTnLst>
+                    </p:cTn>
+                  </p:par>
+                  <p:par>
+                    <p:cTn id="19" fill="hold">
+                      <p:stCondLst>
+                        <p:cond delay="indefinite"/>
+                      </p:stCondLst>
+                      <p:childTnLst>
+                        <p:par>
+                          <p:cTn id="20" fill="hold">
+                            <p:stCondLst>
+                              <p:cond delay="0"/>
+                            </p:stCondLst>
+                            <p:childTnLst>
+                              <p:par>
+                                <p:cTn id="21" presetID="1" presetClass="entr" presetSubtype="0" fill="hold" nodeType="clickEffect">
+                                  <p:stCondLst>
+                                    <p:cond delay="0"/>
+                                  </p:stCondLst>
+                                  <p:childTnLst>
+                                    <p:set>
+                                      <p:cBhvr>
+                                        <p:cTn id="22" dur="1" fill="hold">
+                                          <p:stCondLst>
+                                            <p:cond delay="0"/>
+                                          </p:stCondLst>
+                                        </p:cTn>
+                                        <p:tgtEl>
+                                          <p:spTgt spid="6"/>
+                                        </p:tgtEl>
+                                        <p:attrNameLst>
+                                          <p:attrName>style.visibility</p:attrName>
+                                        </p:attrNameLst>
+                                      </p:cBhvr>
+                                      <p:to>
+                                        <p:strVal val="visible"/>
+                                      </p:to>
+                                    </p:set>
+                                  </p:childTnLst>
+                                </p:cTn>
+                              </p:par>
+                            </p:childTnLst>
+                          </p:cTn>
+                        </p:par>
+                      </p:childTnLst>
+                    </p:cTn>
+                  </p:par>
+                  <p:par>
+                    <p:cTn id="23" fill="hold">
+                      <p:stCondLst>
+                        <p:cond delay="indefinite"/>
+                      </p:stCondLst>
+                      <p:childTnLst>
+                        <p:par>
+                          <p:cTn id="24" fill="hold">
+                            <p:stCondLst>
+                              <p:cond delay="0"/>
+                            </p:stCondLst>
+                            <p:childTnLst>
+                              <p:par>
+                                <p:cTn id="25" presetID="1" presetClass="entr" presetSubtype="0" fill="hold" nodeType="clickEffect">
+                                  <p:stCondLst>
+                                    <p:cond delay="0"/>
+                                  </p:stCondLst>
+                                  <p:childTnLst>
+                                    <p:set>
+                                      <p:cBhvr>
+                                        <p:cTn id="26" dur="1" fill="hold">
+                                          <p:stCondLst>
+                                            <p:cond delay="0"/>
+                                          </p:stCondLst>
+                                        </p:cTn>
+                                        <p:tgtEl>
+                                          <p:spTgt spid="7"/>
+                                        </p:tgtEl>
+                                        <p:attrNameLst>
+                                          <p:attrName>style.visibility</p:attrName>
+                                        </p:attrNameLst>
+                                      </p:cBhvr>
+                                      <p:to>
+                                        <p:strVal val="visible"/>
+                                      </p:to>
+                                    </p:set>
+                                  </p:childTnLst>
+                                </p:cTn>
+                              </p:par>
+                            </p:childTnLst>
+                          </p:cTn>
+                        </p:par>
+                      </p:childTnLst>
+                    </p:cTn>
+                  </p:par>
+                </p:childTnLst>
+              </p:cTn>
+              <p:prevCondLst>
+                <p:cond evt="onPrev" delay="0">
+                  <p:tgtEl>
+                    <p:sldTgt/>
+                  </p:tgtEl>
+                </p:cond>
+              </p:prevCondLst>
+              <p:nextCondLst>
+                <p:cond evt="onNext" delay="0">
+                  <p:tgtEl>
+                    <p:sldTgt/>
+                  </p:tgtEl>
+                </p:cond>
+              </p:nextCondLst>
+            </p:seq>
+          </p:childTnLst>
+        </p:cTn>
       </p:par>
     </p:tnLst>
+    <p:bldLst>
+      <p:bldP spid="4" grpId="0" build="p"/>
+    </p:bldLst>
   </p:timing>
 </p:sld>
 </file>
@@ -17348,423 +20649,6 @@
           <a:chExt cx="0" cy="0"/>
         </a:xfrm>
       </p:grpSpPr>
-      <p:graphicFrame>
-        <p:nvGraphicFramePr>
-          <p:cNvPr id="3" name="Tableau 2"/>
-          <p:cNvGraphicFramePr>
-            <a:graphicFrameLocks noGrp="1"/>
-          </p:cNvGraphicFramePr>
-          <p:nvPr>
-            <p:extLst>
-              <p:ext uri="{D42A27DB-BD31-4B8C-83A1-F6EECF244321}">
-                <p14:modId xmlns:p14="http://schemas.microsoft.com/office/powerpoint/2010/main" val="2072199110"/>
-              </p:ext>
-            </p:extLst>
-          </p:nvPr>
-        </p:nvGraphicFramePr>
-        <p:xfrm>
-          <a:off x="204186" y="119745"/>
-          <a:ext cx="11904955" cy="1066800"/>
-        </p:xfrm>
-        <a:graphic>
-          <a:graphicData uri="http://schemas.openxmlformats.org/drawingml/2006/table">
-            <a:tbl>
-              <a:tblPr firstRow="1" bandRow="1">
-                <a:tableStyleId>{2D5ABB26-0587-4C30-8999-92F81FD0307C}</a:tableStyleId>
-              </a:tblPr>
-              <a:tblGrid>
-                <a:gridCol w="3882352">
-                  <a:extLst>
-                    <a:ext uri="{9D8B030D-6E8A-4147-A177-3AD203B41FA5}">
-                      <a16:colId xmlns:a16="http://schemas.microsoft.com/office/drawing/2014/main" val="20000"/>
-                    </a:ext>
-                  </a:extLst>
-                </a:gridCol>
-                <a:gridCol w="8022603">
-                  <a:extLst>
-                    <a:ext uri="{9D8B030D-6E8A-4147-A177-3AD203B41FA5}">
-                      <a16:colId xmlns:a16="http://schemas.microsoft.com/office/drawing/2014/main" val="20001"/>
-                    </a:ext>
-                  </a:extLst>
-                </a:gridCol>
-              </a:tblGrid>
-              <a:tr h="1043230">
-                <a:tc>
-                  <a:txBody>
-                    <a:bodyPr/>
-                    <a:lstStyle/>
-                    <a:p>
-                      <a:pPr marL="0" marR="0" indent="0" algn="r" defTabSz="914400" rtl="0" eaLnBrk="1" fontAlgn="auto" latinLnBrk="0" hangingPunct="1">
-                        <a:lnSpc>
-                          <a:spcPct val="100000"/>
-                        </a:lnSpc>
-                        <a:spcBef>
-                          <a:spcPts val="0"/>
-                        </a:spcBef>
-                        <a:spcAft>
-                          <a:spcPts val="0"/>
-                        </a:spcAft>
-                        <a:buClrTx/>
-                        <a:buSzTx/>
-                        <a:buFontTx/>
-                        <a:buNone/>
-                        <a:tabLst/>
-                        <a:defRPr/>
-                      </a:pPr>
-                      <a:r>
-                        <a:rPr lang="fr-FR" sz="3200" i="0" u="none" dirty="0" smtClean="0">
-                          <a:ln w="0">
-                            <a:solidFill>
-                              <a:schemeClr val="accent6">
-                                <a:lumMod val="50000"/>
-                              </a:schemeClr>
-                            </a:solidFill>
-                          </a:ln>
-                          <a:solidFill>
-                            <a:schemeClr val="accent6">
-                              <a:lumMod val="50000"/>
-                            </a:schemeClr>
-                          </a:solidFill>
-                          <a:effectLst>
-                            <a:outerShdw blurRad="38100" dist="25400" dir="5400000" algn="ctr" rotWithShape="0">
-                              <a:srgbClr val="6E747A">
-                                <a:alpha val="43000"/>
-                              </a:srgbClr>
-                            </a:outerShdw>
-                          </a:effectLst>
-                          <a:latin typeface="Bodoni MT Black" panose="02070A03080606020203" pitchFamily="18" charset="0"/>
-                          <a:cs typeface="Aharoni" panose="02010803020104030203" pitchFamily="2" charset="-79"/>
-                        </a:rPr>
-                        <a:t>Cours de </a:t>
-                      </a:r>
-                      <a:r>
-                        <a:rPr lang="fr-FR" sz="2800" i="0" u="none" dirty="0" smtClean="0">
-                          <a:ln w="0">
-                            <a:solidFill>
-                              <a:schemeClr val="accent6">
-                                <a:lumMod val="50000"/>
-                              </a:schemeClr>
-                            </a:solidFill>
-                          </a:ln>
-                          <a:solidFill>
-                            <a:schemeClr val="accent6">
-                              <a:lumMod val="50000"/>
-                            </a:schemeClr>
-                          </a:solidFill>
-                          <a:effectLst>
-                            <a:outerShdw blurRad="38100" dist="25400" dir="5400000" algn="ctr" rotWithShape="0">
-                              <a:srgbClr val="6E747A">
-                                <a:alpha val="43000"/>
-                              </a:srgbClr>
-                            </a:outerShdw>
-                          </a:effectLst>
-                          <a:latin typeface="Bodoni MT Black" panose="02070A03080606020203" pitchFamily="18" charset="0"/>
-                          <a:cs typeface="Aharoni" panose="02010803020104030203" pitchFamily="2" charset="-79"/>
-                        </a:rPr>
-                        <a:t>Maths</a:t>
-                      </a:r>
-                    </a:p>
-                    <a:p>
-                      <a:pPr marL="0" marR="0" indent="0" algn="r" defTabSz="914400" rtl="0" eaLnBrk="1" fontAlgn="auto" latinLnBrk="0" hangingPunct="1">
-                        <a:lnSpc>
-                          <a:spcPct val="100000"/>
-                        </a:lnSpc>
-                        <a:spcBef>
-                          <a:spcPts val="0"/>
-                        </a:spcBef>
-                        <a:spcAft>
-                          <a:spcPts val="0"/>
-                        </a:spcAft>
-                        <a:buClrTx/>
-                        <a:buSzTx/>
-                        <a:buFontTx/>
-                        <a:buNone/>
-                        <a:tabLst/>
-                        <a:defRPr/>
-                      </a:pPr>
-                      <a:r>
-                        <a:rPr lang="fr-FR" sz="2800" i="0" u="none" dirty="0" smtClean="0">
-                          <a:ln w="0">
-                            <a:solidFill>
-                              <a:schemeClr val="accent6">
-                                <a:lumMod val="50000"/>
-                              </a:schemeClr>
-                            </a:solidFill>
-                          </a:ln>
-                          <a:solidFill>
-                            <a:schemeClr val="accent6">
-                              <a:lumMod val="50000"/>
-                            </a:schemeClr>
-                          </a:solidFill>
-                          <a:effectLst>
-                            <a:outerShdw blurRad="38100" dist="25400" dir="5400000" algn="ctr" rotWithShape="0">
-                              <a:srgbClr val="6E747A">
-                                <a:alpha val="43000"/>
-                              </a:srgbClr>
-                            </a:outerShdw>
-                          </a:effectLst>
-                          <a:latin typeface="Bodoni MT Black" panose="02070A03080606020203" pitchFamily="18" charset="0"/>
-                          <a:cs typeface="Aharoni" panose="02010803020104030203" pitchFamily="2" charset="-79"/>
-                        </a:rPr>
-                        <a:t>--</a:t>
-                      </a:r>
-                      <a:r>
-                        <a:rPr lang="fr-FR" sz="2800" i="0" u="none" baseline="0" dirty="0" smtClean="0">
-                          <a:ln w="0">
-                            <a:solidFill>
-                              <a:schemeClr val="accent6">
-                                <a:lumMod val="50000"/>
-                              </a:schemeClr>
-                            </a:solidFill>
-                          </a:ln>
-                          <a:solidFill>
-                            <a:schemeClr val="accent6">
-                              <a:lumMod val="50000"/>
-                            </a:schemeClr>
-                          </a:solidFill>
-                          <a:effectLst>
-                            <a:outerShdw blurRad="38100" dist="25400" dir="5400000" algn="ctr" rotWithShape="0">
-                              <a:srgbClr val="6E747A">
-                                <a:alpha val="43000"/>
-                              </a:srgbClr>
-                            </a:outerShdw>
-                          </a:effectLst>
-                          <a:latin typeface="Bodoni MT Black" panose="02070A03080606020203" pitchFamily="18" charset="0"/>
-                          <a:cs typeface="Aharoni" panose="02010803020104030203" pitchFamily="2" charset="-79"/>
-                        </a:rPr>
-                        <a:t> </a:t>
-                      </a:r>
-                      <a:r>
-                        <a:rPr lang="fr-FR" sz="2800" i="0" u="none" dirty="0" smtClean="0">
-                          <a:ln w="0">
-                            <a:solidFill>
-                              <a:schemeClr val="accent6">
-                                <a:lumMod val="50000"/>
-                              </a:schemeClr>
-                            </a:solidFill>
-                          </a:ln>
-                          <a:solidFill>
-                            <a:schemeClr val="accent6">
-                              <a:lumMod val="50000"/>
-                            </a:schemeClr>
-                          </a:solidFill>
-                          <a:effectLst>
-                            <a:outerShdw blurRad="38100" dist="25400" dir="5400000" algn="ctr" rotWithShape="0">
-                              <a:srgbClr val="6E747A">
-                                <a:alpha val="43000"/>
-                              </a:srgbClr>
-                            </a:outerShdw>
-                          </a:effectLst>
-                          <a:latin typeface="Bodoni MT Black" panose="02070A03080606020203" pitchFamily="18" charset="0"/>
-                          <a:cs typeface="Aharoni" panose="02010803020104030203" pitchFamily="2" charset="-79"/>
-                        </a:rPr>
-                        <a:t>POA</a:t>
-                      </a:r>
-                      <a:r>
-                        <a:rPr lang="fr-FR" sz="3200" i="0" u="none" dirty="0" smtClean="0">
-                          <a:ln w="0">
-                            <a:solidFill>
-                              <a:schemeClr val="accent6">
-                                <a:lumMod val="50000"/>
-                              </a:schemeClr>
-                            </a:solidFill>
-                          </a:ln>
-                          <a:solidFill>
-                            <a:schemeClr val="accent6">
-                              <a:lumMod val="50000"/>
-                            </a:schemeClr>
-                          </a:solidFill>
-                          <a:effectLst>
-                            <a:outerShdw blurRad="38100" dist="25400" dir="5400000" algn="ctr" rotWithShape="0">
-                              <a:srgbClr val="6E747A">
-                                <a:alpha val="43000"/>
-                              </a:srgbClr>
-                            </a:outerShdw>
-                          </a:effectLst>
-                          <a:latin typeface="Bodoni MT Black" panose="02070A03080606020203" pitchFamily="18" charset="0"/>
-                          <a:cs typeface="Aharoni" panose="02010803020104030203" pitchFamily="2" charset="-79"/>
-                        </a:rPr>
-                        <a:t> </a:t>
-                      </a:r>
-                      <a:endParaRPr lang="fr-FR" sz="3200" i="0" u="none" dirty="0" smtClean="0">
-                        <a:ln w="0">
-                          <a:solidFill>
-                            <a:schemeClr val="accent6">
-                              <a:lumMod val="50000"/>
-                            </a:schemeClr>
-                          </a:solidFill>
-                        </a:ln>
-                        <a:solidFill>
-                          <a:schemeClr val="accent6">
-                            <a:lumMod val="50000"/>
-                          </a:schemeClr>
-                        </a:solidFill>
-                        <a:effectLst>
-                          <a:outerShdw blurRad="38100" dist="25400" dir="5400000" algn="ctr" rotWithShape="0">
-                            <a:srgbClr val="6E747A">
-                              <a:alpha val="43000"/>
-                            </a:srgbClr>
-                          </a:outerShdw>
-                        </a:effectLst>
-                        <a:latin typeface="Bodoni MT Black" panose="02070A03080606020203" pitchFamily="18" charset="0"/>
-                        <a:cs typeface="Aharoni" panose="02010803020104030203" pitchFamily="2" charset="-79"/>
-                      </a:endParaRPr>
-                    </a:p>
-                  </a:txBody>
-                  <a:tcPr anchor="ctr">
-                    <a:lnL>
-                      <a:noFill/>
-                    </a:lnL>
-                    <a:lnR w="76200" cap="flat" cmpd="sng" algn="ctr">
-                      <a:solidFill>
-                        <a:schemeClr val="accent6">
-                          <a:lumMod val="50000"/>
-                        </a:schemeClr>
-                      </a:solidFill>
-                      <a:prstDash val="solid"/>
-                      <a:round/>
-                      <a:headEnd type="none" w="med" len="med"/>
-                      <a:tailEnd type="none" w="med" len="med"/>
-                    </a:lnR>
-                    <a:lnT>
-                      <a:noFill/>
-                    </a:lnT>
-                    <a:lnB w="38100" cap="flat" cmpd="sng" algn="ctr">
-                      <a:noFill/>
-                      <a:prstDash val="lgDashDot"/>
-                      <a:round/>
-                      <a:headEnd type="none" w="med" len="med"/>
-                      <a:tailEnd type="none" w="med" len="med"/>
-                    </a:lnB>
-                    <a:lnTlToBr w="12700" cmpd="sng">
-                      <a:noFill/>
-                      <a:prstDash val="solid"/>
-                    </a:lnTlToBr>
-                    <a:lnBlToTr w="12700" cmpd="sng">
-                      <a:noFill/>
-                      <a:prstDash val="solid"/>
-                    </a:lnBlToTr>
-                    <a:noFill/>
-                  </a:tcPr>
-                </a:tc>
-                <a:tc>
-                  <a:txBody>
-                    <a:bodyPr/>
-                    <a:lstStyle/>
-                    <a:p>
-                      <a:pPr algn="ctr">
-                        <a:lnSpc>
-                          <a:spcPct val="115000"/>
-                        </a:lnSpc>
-                        <a:spcBef>
-                          <a:spcPts val="2400"/>
-                        </a:spcBef>
-                        <a:spcAft>
-                          <a:spcPts val="0"/>
-                        </a:spcAft>
-                      </a:pPr>
-                      <a:r>
-                        <a:rPr lang="fr-FR" sz="3200" b="1" kern="0" dirty="0" smtClean="0">
-                          <a:solidFill>
-                            <a:srgbClr val="365F91"/>
-                          </a:solidFill>
-                          <a:effectLst/>
-                          <a:latin typeface="Cambria" panose="02040503050406030204" pitchFamily="18" charset="0"/>
-                          <a:ea typeface="Times New Roman" panose="02020603050405020304" pitchFamily="18" charset="0"/>
-                          <a:cs typeface="Times New Roman" panose="02020603050405020304" pitchFamily="18" charset="0"/>
-                        </a:rPr>
-                        <a:t>Fonction Domaine et Image</a:t>
-                      </a:r>
-                      <a:endParaRPr lang="en-US" sz="3200" b="1" kern="0" dirty="0" smtClean="0">
-                        <a:solidFill>
-                          <a:srgbClr val="365F91"/>
-                        </a:solidFill>
-                        <a:effectLst/>
-                        <a:latin typeface="Cambria" panose="02040503050406030204" pitchFamily="18" charset="0"/>
-                        <a:ea typeface="Times New Roman" panose="02020603050405020304" pitchFamily="18" charset="0"/>
-                        <a:cs typeface="Times New Roman" panose="02020603050405020304" pitchFamily="18" charset="0"/>
-                      </a:endParaRPr>
-                    </a:p>
-                  </a:txBody>
-                  <a:tcPr>
-                    <a:lnL w="76200" cap="flat" cmpd="sng" algn="ctr">
-                      <a:solidFill>
-                        <a:schemeClr val="accent6">
-                          <a:lumMod val="50000"/>
-                        </a:schemeClr>
-                      </a:solidFill>
-                      <a:prstDash val="solid"/>
-                      <a:round/>
-                      <a:headEnd type="none" w="med" len="med"/>
-                      <a:tailEnd type="none" w="med" len="med"/>
-                    </a:lnL>
-                    <a:lnR w="76200" cap="flat" cmpd="sng" algn="ctr">
-                      <a:noFill/>
-                      <a:prstDash val="solid"/>
-                      <a:round/>
-                      <a:headEnd type="none" w="med" len="med"/>
-                      <a:tailEnd type="none" w="med" len="med"/>
-                    </a:lnR>
-                    <a:lnT>
-                      <a:noFill/>
-                    </a:lnT>
-                    <a:lnB w="38100" cap="flat" cmpd="sng" algn="ctr">
-                      <a:noFill/>
-                      <a:prstDash val="lgDashDot"/>
-                      <a:round/>
-                      <a:headEnd type="none" w="med" len="med"/>
-                      <a:tailEnd type="none" w="med" len="med"/>
-                    </a:lnB>
-                    <a:lnTlToBr w="12700" cmpd="sng">
-                      <a:noFill/>
-                      <a:prstDash val="solid"/>
-                    </a:lnTlToBr>
-                    <a:lnBlToTr w="12700" cmpd="sng">
-                      <a:noFill/>
-                      <a:prstDash val="solid"/>
-                    </a:lnBlToTr>
-                    <a:gradFill>
-                      <a:gsLst>
-                        <a:gs pos="0">
-                          <a:schemeClr val="accent1">
-                            <a:lumMod val="5000"/>
-                            <a:lumOff val="95000"/>
-                            <a:alpha val="99000"/>
-                          </a:schemeClr>
-                        </a:gs>
-                        <a:gs pos="74000">
-                          <a:schemeClr val="accent1">
-                            <a:lumMod val="45000"/>
-                            <a:lumOff val="55000"/>
-                          </a:schemeClr>
-                        </a:gs>
-                        <a:gs pos="83000">
-                          <a:schemeClr val="accent1">
-                            <a:lumMod val="45000"/>
-                            <a:lumOff val="55000"/>
-                          </a:schemeClr>
-                        </a:gs>
-                        <a:gs pos="100000">
-                          <a:schemeClr val="accent1">
-                            <a:lumMod val="30000"/>
-                            <a:lumOff val="70000"/>
-                          </a:schemeClr>
-                        </a:gs>
-                      </a:gsLst>
-                      <a:lin ang="5400000" scaled="1"/>
-                    </a:gradFill>
-                  </a:tcPr>
-                </a:tc>
-                <a:extLst>
-                  <a:ext uri="{0D108BD9-81ED-4DB2-BD59-A6C34878D82A}">
-                    <a16:rowId xmlns:a16="http://schemas.microsoft.com/office/drawing/2014/main" val="10000"/>
-                  </a:ext>
-                </a:extLst>
-              </a:tr>
-            </a:tbl>
-          </a:graphicData>
-        </a:graphic>
-      </p:graphicFrame>
       <p:sp>
         <p:nvSpPr>
           <p:cNvPr id="2" name="Espace réservé du numéro de diapositive 1"/>
@@ -17788,10 +20672,351 @@
           </a:p>
         </p:txBody>
       </p:sp>
+      <p:pic>
+        <p:nvPicPr>
+          <p:cNvPr id="3" name="Image 2"/>
+          <p:cNvPicPr>
+            <a:picLocks noChangeAspect="1"/>
+          </p:cNvPicPr>
+          <p:nvPr/>
+        </p:nvPicPr>
+        <p:blipFill rotWithShape="1">
+          <a:blip r:embed="rId2">
+            <a:duotone>
+              <a:schemeClr val="accent6">
+                <a:shade val="45000"/>
+                <a:satMod val="135000"/>
+              </a:schemeClr>
+              <a:prstClr val="white"/>
+            </a:duotone>
+            <a:extLst>
+              <a:ext uri="{BEBA8EAE-BF5A-486C-A8C5-ECC9F3942E4B}">
+                <a14:imgProps xmlns:a14="http://schemas.microsoft.com/office/drawing/2010/main">
+                  <a14:imgLayer r:embed="rId3">
+                    <a14:imgEffect>
+                      <a14:artisticPhotocopy/>
+                    </a14:imgEffect>
+                  </a14:imgLayer>
+                </a14:imgProps>
+              </a:ext>
+            </a:extLst>
+          </a:blip>
+          <a:srcRect r="28669" b="92254"/>
+          <a:stretch/>
+        </p:blipFill>
+        <p:spPr>
+          <a:xfrm>
+            <a:off x="324048" y="153810"/>
+            <a:ext cx="7712512" cy="483353"/>
+          </a:xfrm>
+          <a:prstGeom prst="rect">
+            <a:avLst/>
+          </a:prstGeom>
+        </p:spPr>
+      </p:pic>
+      <p:pic>
+        <p:nvPicPr>
+          <p:cNvPr id="4" name="Image 3"/>
+          <p:cNvPicPr>
+            <a:picLocks noChangeAspect="1"/>
+          </p:cNvPicPr>
+          <p:nvPr/>
+        </p:nvPicPr>
+        <p:blipFill rotWithShape="1">
+          <a:blip r:embed="rId2">
+            <a:duotone>
+              <a:schemeClr val="accent6">
+                <a:shade val="45000"/>
+                <a:satMod val="135000"/>
+              </a:schemeClr>
+              <a:prstClr val="white"/>
+            </a:duotone>
+            <a:extLst>
+              <a:ext uri="{BEBA8EAE-BF5A-486C-A8C5-ECC9F3942E4B}">
+                <a14:imgProps xmlns:a14="http://schemas.microsoft.com/office/drawing/2010/main">
+                  <a14:imgLayer r:embed="rId3">
+                    <a14:imgEffect>
+                      <a14:artisticPhotocopy/>
+                    </a14:imgEffect>
+                  </a14:imgLayer>
+                </a14:imgProps>
+              </a:ext>
+            </a:extLst>
+          </a:blip>
+          <a:srcRect t="12142" b="81019"/>
+          <a:stretch/>
+        </p:blipFill>
+        <p:spPr>
+          <a:xfrm>
+            <a:off x="324048" y="754001"/>
+            <a:ext cx="10812384" cy="426721"/>
+          </a:xfrm>
+          <a:prstGeom prst="rect">
+            <a:avLst/>
+          </a:prstGeom>
+        </p:spPr>
+      </p:pic>
+      <p:pic>
+        <p:nvPicPr>
+          <p:cNvPr id="5" name="Image 4"/>
+          <p:cNvPicPr>
+            <a:picLocks noChangeAspect="1"/>
+          </p:cNvPicPr>
+          <p:nvPr/>
+        </p:nvPicPr>
+        <p:blipFill rotWithShape="1">
+          <a:blip r:embed="rId2">
+            <a:duotone>
+              <a:schemeClr val="accent6">
+                <a:shade val="45000"/>
+                <a:satMod val="135000"/>
+              </a:schemeClr>
+              <a:prstClr val="white"/>
+            </a:duotone>
+            <a:extLst>
+              <a:ext uri="{BEBA8EAE-BF5A-486C-A8C5-ECC9F3942E4B}">
+                <a14:imgProps xmlns:a14="http://schemas.microsoft.com/office/drawing/2010/main">
+                  <a14:imgLayer r:embed="rId3">
+                    <a14:imgEffect>
+                      <a14:artisticPhotocopy/>
+                    </a14:imgEffect>
+                  </a14:imgLayer>
+                </a14:imgProps>
+              </a:ext>
+            </a:extLst>
+          </a:blip>
+          <a:srcRect t="21913" r="71330" b="68481"/>
+          <a:stretch/>
+        </p:blipFill>
+        <p:spPr>
+          <a:xfrm>
+            <a:off x="1644848" y="1297561"/>
+            <a:ext cx="3099872" cy="599441"/>
+          </a:xfrm>
+          <a:prstGeom prst="rect">
+            <a:avLst/>
+          </a:prstGeom>
+        </p:spPr>
+      </p:pic>
+      <p:pic>
+        <p:nvPicPr>
+          <p:cNvPr id="6" name="Image 5"/>
+          <p:cNvPicPr>
+            <a:picLocks noChangeAspect="1"/>
+          </p:cNvPicPr>
+          <p:nvPr/>
+        </p:nvPicPr>
+        <p:blipFill rotWithShape="1">
+          <a:blip r:embed="rId2">
+            <a:duotone>
+              <a:schemeClr val="accent6">
+                <a:shade val="45000"/>
+                <a:satMod val="135000"/>
+              </a:schemeClr>
+              <a:prstClr val="white"/>
+            </a:duotone>
+            <a:extLst>
+              <a:ext uri="{BEBA8EAE-BF5A-486C-A8C5-ECC9F3942E4B}">
+                <a14:imgProps xmlns:a14="http://schemas.microsoft.com/office/drawing/2010/main">
+                  <a14:imgLayer r:embed="rId3">
+                    <a14:imgEffect>
+                      <a14:artisticPhotocopy/>
+                    </a14:imgEffect>
+                  </a14:imgLayer>
+                </a14:imgProps>
+              </a:ext>
+            </a:extLst>
+          </a:blip>
+          <a:srcRect t="70598" r="46430" b="23866"/>
+          <a:stretch/>
+        </p:blipFill>
+        <p:spPr>
+          <a:xfrm>
+            <a:off x="324048" y="3512440"/>
+            <a:ext cx="5792272" cy="345441"/>
+          </a:xfrm>
+          <a:prstGeom prst="rect">
+            <a:avLst/>
+          </a:prstGeom>
+        </p:spPr>
+      </p:pic>
+      <p:pic>
+        <p:nvPicPr>
+          <p:cNvPr id="7" name="Image 6"/>
+          <p:cNvPicPr>
+            <a:picLocks noChangeAspect="1"/>
+          </p:cNvPicPr>
+          <p:nvPr/>
+        </p:nvPicPr>
+        <p:blipFill rotWithShape="1">
+          <a:blip r:embed="rId2">
+            <a:duotone>
+              <a:schemeClr val="accent6">
+                <a:shade val="45000"/>
+                <a:satMod val="135000"/>
+              </a:schemeClr>
+              <a:prstClr val="white"/>
+            </a:duotone>
+            <a:extLst>
+              <a:ext uri="{BEBA8EAE-BF5A-486C-A8C5-ECC9F3942E4B}">
+                <a14:imgProps xmlns:a14="http://schemas.microsoft.com/office/drawing/2010/main">
+                  <a14:imgLayer r:embed="rId3">
+                    <a14:imgEffect>
+                      <a14:artisticPhotocopy/>
+                    </a14:imgEffect>
+                  </a14:imgLayer>
+                </a14:imgProps>
+              </a:ext>
+            </a:extLst>
+          </a:blip>
+          <a:srcRect l="762" t="80204" r="70673" b="12469"/>
+          <a:stretch/>
+        </p:blipFill>
+        <p:spPr>
+          <a:xfrm>
+            <a:off x="6776720" y="3456559"/>
+            <a:ext cx="3088640" cy="457201"/>
+          </a:xfrm>
+          <a:prstGeom prst="rect">
+            <a:avLst/>
+          </a:prstGeom>
+        </p:spPr>
+      </p:pic>
+      <p:pic>
+        <p:nvPicPr>
+          <p:cNvPr id="8" name="Image 7"/>
+          <p:cNvPicPr>
+            <a:picLocks noChangeAspect="1"/>
+          </p:cNvPicPr>
+          <p:nvPr/>
+        </p:nvPicPr>
+        <p:blipFill rotWithShape="1">
+          <a:blip r:embed="rId2">
+            <a:duotone>
+              <a:schemeClr val="accent6">
+                <a:shade val="45000"/>
+                <a:satMod val="135000"/>
+              </a:schemeClr>
+              <a:prstClr val="white"/>
+            </a:duotone>
+            <a:extLst>
+              <a:ext uri="{BEBA8EAE-BF5A-486C-A8C5-ECC9F3942E4B}">
+                <a14:imgProps xmlns:a14="http://schemas.microsoft.com/office/drawing/2010/main">
+                  <a14:imgLayer r:embed="rId3">
+                    <a14:imgEffect>
+                      <a14:artisticPhotocopy/>
+                    </a14:imgEffect>
+                  </a14:imgLayer>
+                </a14:imgProps>
+              </a:ext>
+            </a:extLst>
+          </a:blip>
+          <a:srcRect t="93556" r="57987"/>
+          <a:stretch/>
+        </p:blipFill>
+        <p:spPr>
+          <a:xfrm>
+            <a:off x="324048" y="4106805"/>
+            <a:ext cx="4542592" cy="402073"/>
+          </a:xfrm>
+          <a:prstGeom prst="rect">
+            <a:avLst/>
+          </a:prstGeom>
+        </p:spPr>
+      </p:pic>
+      <p:pic>
+        <p:nvPicPr>
+          <p:cNvPr id="9" name="Image 8"/>
+          <p:cNvPicPr>
+            <a:picLocks noChangeAspect="1"/>
+          </p:cNvPicPr>
+          <p:nvPr/>
+        </p:nvPicPr>
+        <p:blipFill rotWithShape="1">
+          <a:blip r:embed="rId2">
+            <a:duotone>
+              <a:schemeClr val="accent6">
+                <a:shade val="45000"/>
+                <a:satMod val="135000"/>
+              </a:schemeClr>
+              <a:prstClr val="white"/>
+            </a:duotone>
+            <a:extLst>
+              <a:ext uri="{BEBA8EAE-BF5A-486C-A8C5-ECC9F3942E4B}">
+                <a14:imgProps xmlns:a14="http://schemas.microsoft.com/office/drawing/2010/main">
+                  <a14:imgLayer r:embed="rId3">
+                    <a14:imgEffect>
+                      <a14:artisticPhotocopy/>
+                    </a14:imgEffect>
+                  </a14:imgLayer>
+                </a14:imgProps>
+              </a:ext>
+            </a:extLst>
+          </a:blip>
+          <a:srcRect t="32659" r="71330" b="34287"/>
+          <a:stretch/>
+        </p:blipFill>
+        <p:spPr>
+          <a:xfrm>
+            <a:off x="4637504" y="1434721"/>
+            <a:ext cx="3099872" cy="2062480"/>
+          </a:xfrm>
+          <a:prstGeom prst="rect">
+            <a:avLst/>
+          </a:prstGeom>
+        </p:spPr>
+      </p:pic>
+      <p:pic>
+        <p:nvPicPr>
+          <p:cNvPr id="10" name="Image 9"/>
+          <p:cNvPicPr>
+            <a:picLocks noChangeAspect="1"/>
+          </p:cNvPicPr>
+          <p:nvPr/>
+        </p:nvPicPr>
+        <p:blipFill rotWithShape="1">
+          <a:blip r:embed="rId4"/>
+          <a:srcRect b="46804"/>
+          <a:stretch/>
+        </p:blipFill>
+        <p:spPr>
+          <a:xfrm>
+            <a:off x="319504" y="4623559"/>
+            <a:ext cx="9357138" cy="2097916"/>
+          </a:xfrm>
+          <a:prstGeom prst="rect">
+            <a:avLst/>
+          </a:prstGeom>
+        </p:spPr>
+      </p:pic>
+      <p:pic>
+        <p:nvPicPr>
+          <p:cNvPr id="11" name="Image 10"/>
+          <p:cNvPicPr>
+            <a:picLocks noChangeAspect="1"/>
+          </p:cNvPicPr>
+          <p:nvPr/>
+        </p:nvPicPr>
+        <p:blipFill>
+          <a:blip r:embed="rId5"/>
+          <a:stretch>
+            <a:fillRect/>
+          </a:stretch>
+        </p:blipFill>
+        <p:spPr>
+          <a:xfrm>
+            <a:off x="9788402" y="5306800"/>
+            <a:ext cx="2105311" cy="895115"/>
+          </a:xfrm>
+          <a:prstGeom prst="rect">
+            <a:avLst/>
+          </a:prstGeom>
+        </p:spPr>
+      </p:pic>
     </p:spTree>
     <p:extLst>
       <p:ext uri="{BB962C8B-B14F-4D97-AF65-F5344CB8AC3E}">
-        <p14:creationId xmlns:p14="http://schemas.microsoft.com/office/powerpoint/2010/main" val="40629279"/>
+        <p14:creationId xmlns:p14="http://schemas.microsoft.com/office/powerpoint/2010/main" val="312454701"/>
       </p:ext>
     </p:extLst>
   </p:cSld>
@@ -17801,7 +21026,345 @@
   <p:timing>
     <p:tnLst>
       <p:par>
-        <p:cTn id="1" dur="indefinite" restart="never" nodeType="tmRoot"/>
+        <p:cTn id="1" dur="indefinite" restart="never" nodeType="tmRoot">
+          <p:childTnLst>
+            <p:seq concurrent="1" nextAc="seek">
+              <p:cTn id="2" dur="indefinite" nodeType="mainSeq">
+                <p:childTnLst>
+                  <p:par>
+                    <p:cTn id="3" fill="hold">
+                      <p:stCondLst>
+                        <p:cond delay="indefinite"/>
+                      </p:stCondLst>
+                      <p:childTnLst>
+                        <p:par>
+                          <p:cTn id="4" fill="hold">
+                            <p:stCondLst>
+                              <p:cond delay="0"/>
+                            </p:stCondLst>
+                            <p:childTnLst>
+                              <p:par>
+                                <p:cTn id="5" presetID="1" presetClass="entr" presetSubtype="0" fill="hold" nodeType="clickEffect">
+                                  <p:stCondLst>
+                                    <p:cond delay="0"/>
+                                  </p:stCondLst>
+                                  <p:childTnLst>
+                                    <p:set>
+                                      <p:cBhvr>
+                                        <p:cTn id="6" dur="1" fill="hold">
+                                          <p:stCondLst>
+                                            <p:cond delay="0"/>
+                                          </p:stCondLst>
+                                        </p:cTn>
+                                        <p:tgtEl>
+                                          <p:spTgt spid="5"/>
+                                        </p:tgtEl>
+                                        <p:attrNameLst>
+                                          <p:attrName>style.visibility</p:attrName>
+                                        </p:attrNameLst>
+                                      </p:cBhvr>
+                                      <p:to>
+                                        <p:strVal val="visible"/>
+                                      </p:to>
+                                    </p:set>
+                                  </p:childTnLst>
+                                </p:cTn>
+                              </p:par>
+                            </p:childTnLst>
+                          </p:cTn>
+                        </p:par>
+                      </p:childTnLst>
+                    </p:cTn>
+                  </p:par>
+                  <p:par>
+                    <p:cTn id="7" fill="hold">
+                      <p:stCondLst>
+                        <p:cond delay="indefinite"/>
+                      </p:stCondLst>
+                      <p:childTnLst>
+                        <p:par>
+                          <p:cTn id="8" fill="hold">
+                            <p:stCondLst>
+                              <p:cond delay="0"/>
+                            </p:stCondLst>
+                            <p:childTnLst>
+                              <p:par>
+                                <p:cTn id="9" presetID="1" presetClass="entr" presetSubtype="0" fill="hold" nodeType="clickEffect">
+                                  <p:stCondLst>
+                                    <p:cond delay="0"/>
+                                  </p:stCondLst>
+                                  <p:childTnLst>
+                                    <p:set>
+                                      <p:cBhvr>
+                                        <p:cTn id="10" dur="1" fill="hold">
+                                          <p:stCondLst>
+                                            <p:cond delay="0"/>
+                                          </p:stCondLst>
+                                        </p:cTn>
+                                        <p:tgtEl>
+                                          <p:spTgt spid="9"/>
+                                        </p:tgtEl>
+                                        <p:attrNameLst>
+                                          <p:attrName>style.visibility</p:attrName>
+                                        </p:attrNameLst>
+                                      </p:cBhvr>
+                                      <p:to>
+                                        <p:strVal val="visible"/>
+                                      </p:to>
+                                    </p:set>
+                                  </p:childTnLst>
+                                </p:cTn>
+                              </p:par>
+                            </p:childTnLst>
+                          </p:cTn>
+                        </p:par>
+                      </p:childTnLst>
+                    </p:cTn>
+                  </p:par>
+                  <p:par>
+                    <p:cTn id="11" fill="hold">
+                      <p:stCondLst>
+                        <p:cond delay="indefinite"/>
+                      </p:stCondLst>
+                      <p:childTnLst>
+                        <p:par>
+                          <p:cTn id="12" fill="hold">
+                            <p:stCondLst>
+                              <p:cond delay="0"/>
+                            </p:stCondLst>
+                            <p:childTnLst>
+                              <p:par>
+                                <p:cTn id="13" presetID="1" presetClass="entr" presetSubtype="0" fill="hold" nodeType="clickEffect">
+                                  <p:stCondLst>
+                                    <p:cond delay="0"/>
+                                  </p:stCondLst>
+                                  <p:childTnLst>
+                                    <p:set>
+                                      <p:cBhvr>
+                                        <p:cTn id="14" dur="1" fill="hold">
+                                          <p:stCondLst>
+                                            <p:cond delay="0"/>
+                                          </p:stCondLst>
+                                        </p:cTn>
+                                        <p:tgtEl>
+                                          <p:spTgt spid="6"/>
+                                        </p:tgtEl>
+                                        <p:attrNameLst>
+                                          <p:attrName>style.visibility</p:attrName>
+                                        </p:attrNameLst>
+                                      </p:cBhvr>
+                                      <p:to>
+                                        <p:strVal val="visible"/>
+                                      </p:to>
+                                    </p:set>
+                                  </p:childTnLst>
+                                </p:cTn>
+                              </p:par>
+                            </p:childTnLst>
+                          </p:cTn>
+                        </p:par>
+                      </p:childTnLst>
+                    </p:cTn>
+                  </p:par>
+                  <p:par>
+                    <p:cTn id="15" fill="hold">
+                      <p:stCondLst>
+                        <p:cond delay="indefinite"/>
+                      </p:stCondLst>
+                      <p:childTnLst>
+                        <p:par>
+                          <p:cTn id="16" fill="hold">
+                            <p:stCondLst>
+                              <p:cond delay="0"/>
+                            </p:stCondLst>
+                            <p:childTnLst>
+                              <p:par>
+                                <p:cTn id="17" presetID="1" presetClass="entr" presetSubtype="0" fill="hold" nodeType="clickEffect">
+                                  <p:stCondLst>
+                                    <p:cond delay="0"/>
+                                  </p:stCondLst>
+                                  <p:childTnLst>
+                                    <p:set>
+                                      <p:cBhvr>
+                                        <p:cTn id="18" dur="1" fill="hold">
+                                          <p:stCondLst>
+                                            <p:cond delay="0"/>
+                                          </p:stCondLst>
+                                        </p:cTn>
+                                        <p:tgtEl>
+                                          <p:spTgt spid="7"/>
+                                        </p:tgtEl>
+                                        <p:attrNameLst>
+                                          <p:attrName>style.visibility</p:attrName>
+                                        </p:attrNameLst>
+                                      </p:cBhvr>
+                                      <p:to>
+                                        <p:strVal val="visible"/>
+                                      </p:to>
+                                    </p:set>
+                                  </p:childTnLst>
+                                </p:cTn>
+                              </p:par>
+                            </p:childTnLst>
+                          </p:cTn>
+                        </p:par>
+                      </p:childTnLst>
+                    </p:cTn>
+                  </p:par>
+                  <p:par>
+                    <p:cTn id="19" fill="hold">
+                      <p:stCondLst>
+                        <p:cond delay="indefinite"/>
+                      </p:stCondLst>
+                      <p:childTnLst>
+                        <p:par>
+                          <p:cTn id="20" fill="hold">
+                            <p:stCondLst>
+                              <p:cond delay="0"/>
+                            </p:stCondLst>
+                            <p:childTnLst>
+                              <p:par>
+                                <p:cTn id="21" presetID="1" presetClass="entr" presetSubtype="0" fill="hold" nodeType="clickEffect">
+                                  <p:stCondLst>
+                                    <p:cond delay="0"/>
+                                  </p:stCondLst>
+                                  <p:childTnLst>
+                                    <p:set>
+                                      <p:cBhvr>
+                                        <p:cTn id="22" dur="1" fill="hold">
+                                          <p:stCondLst>
+                                            <p:cond delay="0"/>
+                                          </p:stCondLst>
+                                        </p:cTn>
+                                        <p:tgtEl>
+                                          <p:spTgt spid="8"/>
+                                        </p:tgtEl>
+                                        <p:attrNameLst>
+                                          <p:attrName>style.visibility</p:attrName>
+                                        </p:attrNameLst>
+                                      </p:cBhvr>
+                                      <p:to>
+                                        <p:strVal val="visible"/>
+                                      </p:to>
+                                    </p:set>
+                                  </p:childTnLst>
+                                </p:cTn>
+                              </p:par>
+                            </p:childTnLst>
+                          </p:cTn>
+                        </p:par>
+                      </p:childTnLst>
+                    </p:cTn>
+                  </p:par>
+                  <p:par>
+                    <p:cTn id="23" fill="hold">
+                      <p:stCondLst>
+                        <p:cond delay="indefinite"/>
+                      </p:stCondLst>
+                      <p:childTnLst>
+                        <p:par>
+                          <p:cTn id="24" fill="hold">
+                            <p:stCondLst>
+                              <p:cond delay="0"/>
+                            </p:stCondLst>
+                            <p:childTnLst>
+                              <p:par>
+                                <p:cTn id="25" presetID="1" presetClass="entr" presetSubtype="0" fill="hold" nodeType="clickEffect">
+                                  <p:stCondLst>
+                                    <p:cond delay="0"/>
+                                  </p:stCondLst>
+                                  <p:childTnLst>
+                                    <p:set>
+                                      <p:cBhvr>
+                                        <p:cTn id="26" dur="1" fill="hold">
+                                          <p:stCondLst>
+                                            <p:cond delay="0"/>
+                                          </p:stCondLst>
+                                        </p:cTn>
+                                        <p:tgtEl>
+                                          <p:spTgt spid="10"/>
+                                        </p:tgtEl>
+                                        <p:attrNameLst>
+                                          <p:attrName>style.visibility</p:attrName>
+                                        </p:attrNameLst>
+                                      </p:cBhvr>
+                                      <p:to>
+                                        <p:strVal val="visible"/>
+                                      </p:to>
+                                    </p:set>
+                                  </p:childTnLst>
+                                </p:cTn>
+                              </p:par>
+                            </p:childTnLst>
+                          </p:cTn>
+                        </p:par>
+                      </p:childTnLst>
+                    </p:cTn>
+                  </p:par>
+                  <p:par>
+                    <p:cTn id="27" fill="hold">
+                      <p:stCondLst>
+                        <p:cond delay="indefinite"/>
+                      </p:stCondLst>
+                      <p:childTnLst>
+                        <p:par>
+                          <p:cTn id="28" fill="hold">
+                            <p:stCondLst>
+                              <p:cond delay="0"/>
+                            </p:stCondLst>
+                            <p:childTnLst>
+                              <p:par>
+                                <p:cTn id="29" presetID="1" presetClass="entr" presetSubtype="0" fill="hold" nodeType="clickEffect">
+                                  <p:stCondLst>
+                                    <p:cond delay="0"/>
+                                  </p:stCondLst>
+                                  <p:childTnLst>
+                                    <p:set>
+                                      <p:cBhvr>
+                                        <p:cTn id="30" dur="1" fill="hold">
+                                          <p:stCondLst>
+                                            <p:cond delay="0"/>
+                                          </p:stCondLst>
+                                        </p:cTn>
+                                        <p:tgtEl>
+                                          <p:spTgt spid="11"/>
+                                        </p:tgtEl>
+                                        <p:attrNameLst>
+                                          <p:attrName>style.visibility</p:attrName>
+                                        </p:attrNameLst>
+                                      </p:cBhvr>
+                                      <p:to>
+                                        <p:strVal val="visible"/>
+                                      </p:to>
+                                    </p:set>
+                                  </p:childTnLst>
+                                </p:cTn>
+                              </p:par>
+                            </p:childTnLst>
+                          </p:cTn>
+                        </p:par>
+                      </p:childTnLst>
+                    </p:cTn>
+                  </p:par>
+                </p:childTnLst>
+              </p:cTn>
+              <p:prevCondLst>
+                <p:cond evt="onPrev" delay="0">
+                  <p:tgtEl>
+                    <p:sldTgt/>
+                  </p:tgtEl>
+                </p:cond>
+              </p:prevCondLst>
+              <p:nextCondLst>
+                <p:cond evt="onNext" delay="0">
+                  <p:tgtEl>
+                    <p:sldTgt/>
+                  </p:tgtEl>
+                </p:cond>
+              </p:nextCondLst>
+            </p:seq>
+          </p:childTnLst>
+        </p:cTn>
       </p:par>
     </p:tnLst>
   </p:timing>
@@ -17848,10 +21411,298 @@
           </a:p>
         </p:txBody>
       </p:sp>
+      <p:pic>
+        <p:nvPicPr>
+          <p:cNvPr id="3" name="Image 2"/>
+          <p:cNvPicPr>
+            <a:picLocks noChangeAspect="1"/>
+          </p:cNvPicPr>
+          <p:nvPr/>
+        </p:nvPicPr>
+        <p:blipFill>
+          <a:blip r:embed="rId2">
+            <a:extLst>
+              <a:ext uri="{BEBA8EAE-BF5A-486C-A8C5-ECC9F3942E4B}">
+                <a14:imgProps xmlns:a14="http://schemas.microsoft.com/office/drawing/2010/main">
+                  <a14:imgLayer r:embed="rId3">
+                    <a14:imgEffect>
+                      <a14:artisticPhotocopy/>
+                    </a14:imgEffect>
+                  </a14:imgLayer>
+                </a14:imgProps>
+              </a:ext>
+            </a:extLst>
+          </a:blip>
+          <a:stretch>
+            <a:fillRect/>
+          </a:stretch>
+        </p:blipFill>
+        <p:spPr>
+          <a:xfrm>
+            <a:off x="81502" y="0"/>
+            <a:ext cx="12001218" cy="5058130"/>
+          </a:xfrm>
+          <a:prstGeom prst="rect">
+            <a:avLst/>
+          </a:prstGeom>
+        </p:spPr>
+      </p:pic>
+      <p:pic>
+        <p:nvPicPr>
+          <p:cNvPr id="4" name="Image 3"/>
+          <p:cNvPicPr>
+            <a:picLocks noChangeAspect="1"/>
+          </p:cNvPicPr>
+          <p:nvPr/>
+        </p:nvPicPr>
+        <p:blipFill rotWithShape="1">
+          <a:blip r:embed="rId4">
+            <a:duotone>
+              <a:schemeClr val="accent6">
+                <a:shade val="45000"/>
+                <a:satMod val="135000"/>
+              </a:schemeClr>
+              <a:prstClr val="white"/>
+            </a:duotone>
+            <a:extLst>
+              <a:ext uri="{BEBA8EAE-BF5A-486C-A8C5-ECC9F3942E4B}">
+                <a14:imgProps xmlns:a14="http://schemas.microsoft.com/office/drawing/2010/main">
+                  <a14:imgLayer r:embed="rId5">
+                    <a14:imgEffect>
+                      <a14:artisticPhotocopy/>
+                    </a14:imgEffect>
+                  </a14:imgLayer>
+                </a14:imgProps>
+              </a:ext>
+            </a:extLst>
+          </a:blip>
+          <a:srcRect b="86954"/>
+          <a:stretch/>
+        </p:blipFill>
+        <p:spPr>
+          <a:xfrm>
+            <a:off x="0" y="5194826"/>
+            <a:ext cx="6001588" cy="426276"/>
+          </a:xfrm>
+          <a:prstGeom prst="rect">
+            <a:avLst/>
+          </a:prstGeom>
+        </p:spPr>
+      </p:pic>
+      <p:pic>
+        <p:nvPicPr>
+          <p:cNvPr id="5" name="Image 4"/>
+          <p:cNvPicPr>
+            <a:picLocks noChangeAspect="1"/>
+          </p:cNvPicPr>
+          <p:nvPr/>
+        </p:nvPicPr>
+        <p:blipFill rotWithShape="1">
+          <a:blip r:embed="rId4">
+            <a:duotone>
+              <a:schemeClr val="accent6">
+                <a:shade val="45000"/>
+                <a:satMod val="135000"/>
+              </a:schemeClr>
+              <a:prstClr val="white"/>
+            </a:duotone>
+            <a:extLst>
+              <a:ext uri="{BEBA8EAE-BF5A-486C-A8C5-ECC9F3942E4B}">
+                <a14:imgProps xmlns:a14="http://schemas.microsoft.com/office/drawing/2010/main">
+                  <a14:imgLayer r:embed="rId5">
+                    <a14:imgEffect>
+                      <a14:artisticPhotocopy/>
+                    </a14:imgEffect>
+                  </a14:imgLayer>
+                </a14:imgProps>
+              </a:ext>
+            </a:extLst>
+          </a:blip>
+          <a:srcRect t="21753" r="61111" b="62390"/>
+          <a:stretch/>
+        </p:blipFill>
+        <p:spPr>
+          <a:xfrm>
+            <a:off x="0" y="5801995"/>
+            <a:ext cx="2333963" cy="518160"/>
+          </a:xfrm>
+          <a:prstGeom prst="rect">
+            <a:avLst/>
+          </a:prstGeom>
+        </p:spPr>
+      </p:pic>
+      <p:pic>
+        <p:nvPicPr>
+          <p:cNvPr id="6" name="Image 5"/>
+          <p:cNvPicPr>
+            <a:picLocks noChangeAspect="1"/>
+          </p:cNvPicPr>
+          <p:nvPr/>
+        </p:nvPicPr>
+        <p:blipFill rotWithShape="1">
+          <a:blip r:embed="rId4">
+            <a:duotone>
+              <a:schemeClr val="accent6">
+                <a:shade val="45000"/>
+                <a:satMod val="135000"/>
+              </a:schemeClr>
+              <a:prstClr val="white"/>
+            </a:duotone>
+            <a:extLst>
+              <a:ext uri="{BEBA8EAE-BF5A-486C-A8C5-ECC9F3942E4B}">
+                <a14:imgProps xmlns:a14="http://schemas.microsoft.com/office/drawing/2010/main">
+                  <a14:imgLayer r:embed="rId5">
+                    <a14:imgEffect>
+                      <a14:artisticPhotocopy/>
+                    </a14:imgEffect>
+                  </a14:imgLayer>
+                </a14:imgProps>
+              </a:ext>
+            </a:extLst>
+          </a:blip>
+          <a:srcRect t="38543" r="43166" b="47465"/>
+          <a:stretch/>
+        </p:blipFill>
+        <p:spPr>
+          <a:xfrm>
+            <a:off x="2333963" y="5866021"/>
+            <a:ext cx="3410923" cy="457200"/>
+          </a:xfrm>
+          <a:prstGeom prst="rect">
+            <a:avLst/>
+          </a:prstGeom>
+        </p:spPr>
+      </p:pic>
+      <p:pic>
+        <p:nvPicPr>
+          <p:cNvPr id="7" name="Image 6"/>
+          <p:cNvPicPr>
+            <a:picLocks noChangeAspect="1"/>
+          </p:cNvPicPr>
+          <p:nvPr/>
+        </p:nvPicPr>
+        <p:blipFill rotWithShape="1">
+          <a:blip r:embed="rId4">
+            <a:duotone>
+              <a:schemeClr val="accent6">
+                <a:shade val="45000"/>
+                <a:satMod val="135000"/>
+              </a:schemeClr>
+              <a:prstClr val="white"/>
+            </a:duotone>
+            <a:extLst>
+              <a:ext uri="{BEBA8EAE-BF5A-486C-A8C5-ECC9F3942E4B}">
+                <a14:imgProps xmlns:a14="http://schemas.microsoft.com/office/drawing/2010/main">
+                  <a14:imgLayer r:embed="rId5">
+                    <a14:imgEffect>
+                      <a14:artisticPhotocopy/>
+                    </a14:imgEffect>
+                  </a14:imgLayer>
+                </a14:imgProps>
+              </a:ext>
+            </a:extLst>
+          </a:blip>
+          <a:srcRect l="2492" t="54711" r="56879" b="29120"/>
+          <a:stretch/>
+        </p:blipFill>
+        <p:spPr>
+          <a:xfrm>
+            <a:off x="5920443" y="5873432"/>
+            <a:ext cx="2438400" cy="528320"/>
+          </a:xfrm>
+          <a:prstGeom prst="rect">
+            <a:avLst/>
+          </a:prstGeom>
+        </p:spPr>
+      </p:pic>
+      <p:pic>
+        <p:nvPicPr>
+          <p:cNvPr id="8" name="Image 7"/>
+          <p:cNvPicPr>
+            <a:picLocks noChangeAspect="1"/>
+          </p:cNvPicPr>
+          <p:nvPr/>
+        </p:nvPicPr>
+        <p:blipFill rotWithShape="1">
+          <a:blip r:embed="rId4">
+            <a:duotone>
+              <a:schemeClr val="accent6">
+                <a:shade val="45000"/>
+                <a:satMod val="135000"/>
+              </a:schemeClr>
+              <a:prstClr val="white"/>
+            </a:duotone>
+            <a:extLst>
+              <a:ext uri="{BEBA8EAE-BF5A-486C-A8C5-ECC9F3942E4B}">
+                <a14:imgProps xmlns:a14="http://schemas.microsoft.com/office/drawing/2010/main">
+                  <a14:imgLayer r:embed="rId5">
+                    <a14:imgEffect>
+                      <a14:artisticPhotocopy/>
+                    </a14:imgEffect>
+                  </a14:imgLayer>
+                </a14:imgProps>
+              </a:ext>
+            </a:extLst>
+          </a:blip>
+          <a:srcRect l="2153" t="73368" r="63650" b="2068"/>
+          <a:stretch/>
+        </p:blipFill>
+        <p:spPr>
+          <a:xfrm>
+            <a:off x="8534400" y="5736272"/>
+            <a:ext cx="2052320" cy="802640"/>
+          </a:xfrm>
+          <a:prstGeom prst="rect">
+            <a:avLst/>
+          </a:prstGeom>
+        </p:spPr>
+      </p:pic>
+      <p:pic>
+        <p:nvPicPr>
+          <p:cNvPr id="9" name="Image 8"/>
+          <p:cNvPicPr>
+            <a:picLocks noChangeAspect="1"/>
+          </p:cNvPicPr>
+          <p:nvPr/>
+        </p:nvPicPr>
+        <p:blipFill rotWithShape="1">
+          <a:blip r:embed="rId4">
+            <a:duotone>
+              <a:schemeClr val="accent6">
+                <a:shade val="45000"/>
+                <a:satMod val="135000"/>
+              </a:schemeClr>
+              <a:prstClr val="white"/>
+            </a:duotone>
+            <a:extLst>
+              <a:ext uri="{BEBA8EAE-BF5A-486C-A8C5-ECC9F3942E4B}">
+                <a14:imgProps xmlns:a14="http://schemas.microsoft.com/office/drawing/2010/main">
+                  <a14:imgLayer r:embed="rId5">
+                    <a14:imgEffect>
+                      <a14:artisticPhotocopy/>
+                    </a14:imgEffect>
+                  </a14:imgLayer>
+                </a14:imgProps>
+              </a:ext>
+            </a:extLst>
+          </a:blip>
+          <a:srcRect t="21753" r="61111" b="62390"/>
+          <a:stretch/>
+        </p:blipFill>
+        <p:spPr>
+          <a:xfrm>
+            <a:off x="6082111" y="5194826"/>
+            <a:ext cx="2333963" cy="518160"/>
+          </a:xfrm>
+          <a:prstGeom prst="rect">
+            <a:avLst/>
+          </a:prstGeom>
+        </p:spPr>
+      </p:pic>
     </p:spTree>
     <p:extLst>
       <p:ext uri="{BB962C8B-B14F-4D97-AF65-F5344CB8AC3E}">
-        <p14:creationId xmlns:p14="http://schemas.microsoft.com/office/powerpoint/2010/main" val="312454701"/>
+        <p14:creationId xmlns:p14="http://schemas.microsoft.com/office/powerpoint/2010/main" val="13506842"/>
       </p:ext>
     </p:extLst>
   </p:cSld>
@@ -17861,7 +21712,300 @@
   <p:timing>
     <p:tnLst>
       <p:par>
-        <p:cTn id="1" dur="indefinite" restart="never" nodeType="tmRoot"/>
+        <p:cTn id="1" dur="indefinite" restart="never" nodeType="tmRoot">
+          <p:childTnLst>
+            <p:seq concurrent="1" nextAc="seek">
+              <p:cTn id="2" dur="indefinite" nodeType="mainSeq">
+                <p:childTnLst>
+                  <p:par>
+                    <p:cTn id="3" fill="hold">
+                      <p:stCondLst>
+                        <p:cond delay="indefinite"/>
+                      </p:stCondLst>
+                      <p:childTnLst>
+                        <p:par>
+                          <p:cTn id="4" fill="hold">
+                            <p:stCondLst>
+                              <p:cond delay="0"/>
+                            </p:stCondLst>
+                            <p:childTnLst>
+                              <p:par>
+                                <p:cTn id="5" presetID="1" presetClass="entr" presetSubtype="0" fill="hold" nodeType="clickEffect">
+                                  <p:stCondLst>
+                                    <p:cond delay="0"/>
+                                  </p:stCondLst>
+                                  <p:childTnLst>
+                                    <p:set>
+                                      <p:cBhvr>
+                                        <p:cTn id="6" dur="1" fill="hold">
+                                          <p:stCondLst>
+                                            <p:cond delay="0"/>
+                                          </p:stCondLst>
+                                        </p:cTn>
+                                        <p:tgtEl>
+                                          <p:spTgt spid="4"/>
+                                        </p:tgtEl>
+                                        <p:attrNameLst>
+                                          <p:attrName>style.visibility</p:attrName>
+                                        </p:attrNameLst>
+                                      </p:cBhvr>
+                                      <p:to>
+                                        <p:strVal val="visible"/>
+                                      </p:to>
+                                    </p:set>
+                                  </p:childTnLst>
+                                </p:cTn>
+                              </p:par>
+                            </p:childTnLst>
+                          </p:cTn>
+                        </p:par>
+                      </p:childTnLst>
+                    </p:cTn>
+                  </p:par>
+                  <p:par>
+                    <p:cTn id="7" fill="hold">
+                      <p:stCondLst>
+                        <p:cond delay="indefinite"/>
+                      </p:stCondLst>
+                      <p:childTnLst>
+                        <p:par>
+                          <p:cTn id="8" fill="hold">
+                            <p:stCondLst>
+                              <p:cond delay="0"/>
+                            </p:stCondLst>
+                            <p:childTnLst>
+                              <p:par>
+                                <p:cTn id="9" presetID="1" presetClass="entr" presetSubtype="0" fill="hold" nodeType="clickEffect">
+                                  <p:stCondLst>
+                                    <p:cond delay="0"/>
+                                  </p:stCondLst>
+                                  <p:childTnLst>
+                                    <p:set>
+                                      <p:cBhvr>
+                                        <p:cTn id="10" dur="1" fill="hold">
+                                          <p:stCondLst>
+                                            <p:cond delay="0"/>
+                                          </p:stCondLst>
+                                        </p:cTn>
+                                        <p:tgtEl>
+                                          <p:spTgt spid="9"/>
+                                        </p:tgtEl>
+                                        <p:attrNameLst>
+                                          <p:attrName>style.visibility</p:attrName>
+                                        </p:attrNameLst>
+                                      </p:cBhvr>
+                                      <p:to>
+                                        <p:strVal val="visible"/>
+                                      </p:to>
+                                    </p:set>
+                                  </p:childTnLst>
+                                </p:cTn>
+                              </p:par>
+                            </p:childTnLst>
+                          </p:cTn>
+                        </p:par>
+                      </p:childTnLst>
+                    </p:cTn>
+                  </p:par>
+                  <p:par>
+                    <p:cTn id="11" fill="hold">
+                      <p:stCondLst>
+                        <p:cond delay="indefinite"/>
+                      </p:stCondLst>
+                      <p:childTnLst>
+                        <p:par>
+                          <p:cTn id="12" fill="hold">
+                            <p:stCondLst>
+                              <p:cond delay="0"/>
+                            </p:stCondLst>
+                            <p:childTnLst>
+                              <p:par>
+                                <p:cTn id="13" presetID="1" presetClass="entr" presetSubtype="0" fill="hold" nodeType="clickEffect">
+                                  <p:stCondLst>
+                                    <p:cond delay="0"/>
+                                  </p:stCondLst>
+                                  <p:childTnLst>
+                                    <p:set>
+                                      <p:cBhvr>
+                                        <p:cTn id="14" dur="1" fill="hold">
+                                          <p:stCondLst>
+                                            <p:cond delay="0"/>
+                                          </p:stCondLst>
+                                        </p:cTn>
+                                        <p:tgtEl>
+                                          <p:spTgt spid="5"/>
+                                        </p:tgtEl>
+                                        <p:attrNameLst>
+                                          <p:attrName>style.visibility</p:attrName>
+                                        </p:attrNameLst>
+                                      </p:cBhvr>
+                                      <p:to>
+                                        <p:strVal val="visible"/>
+                                      </p:to>
+                                    </p:set>
+                                  </p:childTnLst>
+                                </p:cTn>
+                              </p:par>
+                            </p:childTnLst>
+                          </p:cTn>
+                        </p:par>
+                      </p:childTnLst>
+                    </p:cTn>
+                  </p:par>
+                  <p:par>
+                    <p:cTn id="15" fill="hold">
+                      <p:stCondLst>
+                        <p:cond delay="indefinite"/>
+                      </p:stCondLst>
+                      <p:childTnLst>
+                        <p:par>
+                          <p:cTn id="16" fill="hold">
+                            <p:stCondLst>
+                              <p:cond delay="0"/>
+                            </p:stCondLst>
+                            <p:childTnLst>
+                              <p:par>
+                                <p:cTn id="17" presetID="1" presetClass="entr" presetSubtype="0" fill="hold" nodeType="clickEffect">
+                                  <p:stCondLst>
+                                    <p:cond delay="0"/>
+                                  </p:stCondLst>
+                                  <p:childTnLst>
+                                    <p:set>
+                                      <p:cBhvr>
+                                        <p:cTn id="18" dur="1" fill="hold">
+                                          <p:stCondLst>
+                                            <p:cond delay="0"/>
+                                          </p:stCondLst>
+                                        </p:cTn>
+                                        <p:tgtEl>
+                                          <p:spTgt spid="6"/>
+                                        </p:tgtEl>
+                                        <p:attrNameLst>
+                                          <p:attrName>style.visibility</p:attrName>
+                                        </p:attrNameLst>
+                                      </p:cBhvr>
+                                      <p:to>
+                                        <p:strVal val="visible"/>
+                                      </p:to>
+                                    </p:set>
+                                  </p:childTnLst>
+                                </p:cTn>
+                              </p:par>
+                            </p:childTnLst>
+                          </p:cTn>
+                        </p:par>
+                      </p:childTnLst>
+                    </p:cTn>
+                  </p:par>
+                  <p:par>
+                    <p:cTn id="19" fill="hold">
+                      <p:stCondLst>
+                        <p:cond delay="indefinite"/>
+                      </p:stCondLst>
+                      <p:childTnLst>
+                        <p:par>
+                          <p:cTn id="20" fill="hold">
+                            <p:stCondLst>
+                              <p:cond delay="0"/>
+                            </p:stCondLst>
+                            <p:childTnLst>
+                              <p:par>
+                                <p:cTn id="21" presetID="1" presetClass="entr" presetSubtype="0" fill="hold" nodeType="clickEffect">
+                                  <p:stCondLst>
+                                    <p:cond delay="0"/>
+                                  </p:stCondLst>
+                                  <p:childTnLst>
+                                    <p:set>
+                                      <p:cBhvr>
+                                        <p:cTn id="22" dur="1" fill="hold">
+                                          <p:stCondLst>
+                                            <p:cond delay="0"/>
+                                          </p:stCondLst>
+                                        </p:cTn>
+                                        <p:tgtEl>
+                                          <p:spTgt spid="7"/>
+                                        </p:tgtEl>
+                                        <p:attrNameLst>
+                                          <p:attrName>style.visibility</p:attrName>
+                                        </p:attrNameLst>
+                                      </p:cBhvr>
+                                      <p:to>
+                                        <p:strVal val="visible"/>
+                                      </p:to>
+                                    </p:set>
+                                  </p:childTnLst>
+                                </p:cTn>
+                              </p:par>
+                            </p:childTnLst>
+                          </p:cTn>
+                        </p:par>
+                      </p:childTnLst>
+                    </p:cTn>
+                  </p:par>
+                  <p:par>
+                    <p:cTn id="23" fill="hold">
+                      <p:stCondLst>
+                        <p:cond delay="indefinite"/>
+                      </p:stCondLst>
+                      <p:childTnLst>
+                        <p:par>
+                          <p:cTn id="24" fill="hold">
+                            <p:stCondLst>
+                              <p:cond delay="0"/>
+                            </p:stCondLst>
+                            <p:childTnLst>
+                              <p:par>
+                                <p:cTn id="25" presetID="1" presetClass="entr" presetSubtype="0" fill="hold" nodeType="clickEffect">
+                                  <p:stCondLst>
+                                    <p:cond delay="0"/>
+                                  </p:stCondLst>
+                                  <p:childTnLst>
+                                    <p:set>
+                                      <p:cBhvr>
+                                        <p:cTn id="26" dur="1" fill="hold">
+                                          <p:stCondLst>
+                                            <p:cond delay="0"/>
+                                          </p:stCondLst>
+                                        </p:cTn>
+                                        <p:tgtEl>
+                                          <p:spTgt spid="8"/>
+                                        </p:tgtEl>
+                                        <p:attrNameLst>
+                                          <p:attrName>style.visibility</p:attrName>
+                                        </p:attrNameLst>
+                                      </p:cBhvr>
+                                      <p:to>
+                                        <p:strVal val="visible"/>
+                                      </p:to>
+                                    </p:set>
+                                  </p:childTnLst>
+                                </p:cTn>
+                              </p:par>
+                            </p:childTnLst>
+                          </p:cTn>
+                        </p:par>
+                      </p:childTnLst>
+                    </p:cTn>
+                  </p:par>
+                </p:childTnLst>
+              </p:cTn>
+              <p:prevCondLst>
+                <p:cond evt="onPrev" delay="0">
+                  <p:tgtEl>
+                    <p:sldTgt/>
+                  </p:tgtEl>
+                </p:cond>
+              </p:prevCondLst>
+              <p:nextCondLst>
+                <p:cond evt="onNext" delay="0">
+                  <p:tgtEl>
+                    <p:sldTgt/>
+                  </p:tgtEl>
+                </p:cond>
+              </p:nextCondLst>
+            </p:seq>
+          </p:childTnLst>
+        </p:cTn>
       </p:par>
     </p:tnLst>
   </p:timing>
@@ -18359,10 +22503,42 @@
           </a:p>
         </p:txBody>
       </p:sp>
+      <p:pic>
+        <p:nvPicPr>
+          <p:cNvPr id="3" name="Image 2"/>
+          <p:cNvPicPr>
+            <a:picLocks noChangeAspect="1"/>
+          </p:cNvPicPr>
+          <p:nvPr/>
+        </p:nvPicPr>
+        <p:blipFill>
+          <a:blip r:embed="rId2">
+            <a:duotone>
+              <a:schemeClr val="accent5">
+                <a:shade val="45000"/>
+                <a:satMod val="135000"/>
+              </a:schemeClr>
+              <a:prstClr val="white"/>
+            </a:duotone>
+          </a:blip>
+          <a:stretch>
+            <a:fillRect/>
+          </a:stretch>
+        </p:blipFill>
+        <p:spPr>
+          <a:xfrm>
+            <a:off x="155066" y="1492314"/>
+            <a:ext cx="11841227" cy="3629532"/>
+          </a:xfrm>
+          <a:prstGeom prst="rect">
+            <a:avLst/>
+          </a:prstGeom>
+        </p:spPr>
+      </p:pic>
     </p:spTree>
     <p:extLst>
       <p:ext uri="{BB962C8B-B14F-4D97-AF65-F5344CB8AC3E}">
-        <p14:creationId xmlns:p14="http://schemas.microsoft.com/office/powerpoint/2010/main" val="13506842"/>
+        <p14:creationId xmlns:p14="http://schemas.microsoft.com/office/powerpoint/2010/main" val="391268690"/>
       </p:ext>
     </p:extLst>
   </p:cSld>
@@ -18396,6 +22572,423 @@
           <a:chExt cx="0" cy="0"/>
         </a:xfrm>
       </p:grpSpPr>
+      <p:graphicFrame>
+        <p:nvGraphicFramePr>
+          <p:cNvPr id="3" name="Tableau 2"/>
+          <p:cNvGraphicFramePr>
+            <a:graphicFrameLocks noGrp="1"/>
+          </p:cNvGraphicFramePr>
+          <p:nvPr>
+            <p:extLst>
+              <p:ext uri="{D42A27DB-BD31-4B8C-83A1-F6EECF244321}">
+                <p14:modId xmlns:p14="http://schemas.microsoft.com/office/powerpoint/2010/main" val="2072199110"/>
+              </p:ext>
+            </p:extLst>
+          </p:nvPr>
+        </p:nvGraphicFramePr>
+        <p:xfrm>
+          <a:off x="204186" y="119745"/>
+          <a:ext cx="11904955" cy="1066800"/>
+        </p:xfrm>
+        <a:graphic>
+          <a:graphicData uri="http://schemas.openxmlformats.org/drawingml/2006/table">
+            <a:tbl>
+              <a:tblPr firstRow="1" bandRow="1">
+                <a:tableStyleId>{2D5ABB26-0587-4C30-8999-92F81FD0307C}</a:tableStyleId>
+              </a:tblPr>
+              <a:tblGrid>
+                <a:gridCol w="3882352">
+                  <a:extLst>
+                    <a:ext uri="{9D8B030D-6E8A-4147-A177-3AD203B41FA5}">
+                      <a16:colId xmlns:a16="http://schemas.microsoft.com/office/drawing/2014/main" val="20000"/>
+                    </a:ext>
+                  </a:extLst>
+                </a:gridCol>
+                <a:gridCol w="8022603">
+                  <a:extLst>
+                    <a:ext uri="{9D8B030D-6E8A-4147-A177-3AD203B41FA5}">
+                      <a16:colId xmlns:a16="http://schemas.microsoft.com/office/drawing/2014/main" val="20001"/>
+                    </a:ext>
+                  </a:extLst>
+                </a:gridCol>
+              </a:tblGrid>
+              <a:tr h="1043230">
+                <a:tc>
+                  <a:txBody>
+                    <a:bodyPr/>
+                    <a:lstStyle/>
+                    <a:p>
+                      <a:pPr marL="0" marR="0" indent="0" algn="r" defTabSz="914400" rtl="0" eaLnBrk="1" fontAlgn="auto" latinLnBrk="0" hangingPunct="1">
+                        <a:lnSpc>
+                          <a:spcPct val="100000"/>
+                        </a:lnSpc>
+                        <a:spcBef>
+                          <a:spcPts val="0"/>
+                        </a:spcBef>
+                        <a:spcAft>
+                          <a:spcPts val="0"/>
+                        </a:spcAft>
+                        <a:buClrTx/>
+                        <a:buSzTx/>
+                        <a:buFontTx/>
+                        <a:buNone/>
+                        <a:tabLst/>
+                        <a:defRPr/>
+                      </a:pPr>
+                      <a:r>
+                        <a:rPr lang="fr-FR" sz="3200" i="0" u="none" dirty="0" smtClean="0">
+                          <a:ln w="0">
+                            <a:solidFill>
+                              <a:schemeClr val="accent6">
+                                <a:lumMod val="50000"/>
+                              </a:schemeClr>
+                            </a:solidFill>
+                          </a:ln>
+                          <a:solidFill>
+                            <a:schemeClr val="accent6">
+                              <a:lumMod val="50000"/>
+                            </a:schemeClr>
+                          </a:solidFill>
+                          <a:effectLst>
+                            <a:outerShdw blurRad="38100" dist="25400" dir="5400000" algn="ctr" rotWithShape="0">
+                              <a:srgbClr val="6E747A">
+                                <a:alpha val="43000"/>
+                              </a:srgbClr>
+                            </a:outerShdw>
+                          </a:effectLst>
+                          <a:latin typeface="Bodoni MT Black" panose="02070A03080606020203" pitchFamily="18" charset="0"/>
+                          <a:cs typeface="Aharoni" panose="02010803020104030203" pitchFamily="2" charset="-79"/>
+                        </a:rPr>
+                        <a:t>Cours de </a:t>
+                      </a:r>
+                      <a:r>
+                        <a:rPr lang="fr-FR" sz="2800" i="0" u="none" dirty="0" smtClean="0">
+                          <a:ln w="0">
+                            <a:solidFill>
+                              <a:schemeClr val="accent6">
+                                <a:lumMod val="50000"/>
+                              </a:schemeClr>
+                            </a:solidFill>
+                          </a:ln>
+                          <a:solidFill>
+                            <a:schemeClr val="accent6">
+                              <a:lumMod val="50000"/>
+                            </a:schemeClr>
+                          </a:solidFill>
+                          <a:effectLst>
+                            <a:outerShdw blurRad="38100" dist="25400" dir="5400000" algn="ctr" rotWithShape="0">
+                              <a:srgbClr val="6E747A">
+                                <a:alpha val="43000"/>
+                              </a:srgbClr>
+                            </a:outerShdw>
+                          </a:effectLst>
+                          <a:latin typeface="Bodoni MT Black" panose="02070A03080606020203" pitchFamily="18" charset="0"/>
+                          <a:cs typeface="Aharoni" panose="02010803020104030203" pitchFamily="2" charset="-79"/>
+                        </a:rPr>
+                        <a:t>Maths</a:t>
+                      </a:r>
+                    </a:p>
+                    <a:p>
+                      <a:pPr marL="0" marR="0" indent="0" algn="r" defTabSz="914400" rtl="0" eaLnBrk="1" fontAlgn="auto" latinLnBrk="0" hangingPunct="1">
+                        <a:lnSpc>
+                          <a:spcPct val="100000"/>
+                        </a:lnSpc>
+                        <a:spcBef>
+                          <a:spcPts val="0"/>
+                        </a:spcBef>
+                        <a:spcAft>
+                          <a:spcPts val="0"/>
+                        </a:spcAft>
+                        <a:buClrTx/>
+                        <a:buSzTx/>
+                        <a:buFontTx/>
+                        <a:buNone/>
+                        <a:tabLst/>
+                        <a:defRPr/>
+                      </a:pPr>
+                      <a:r>
+                        <a:rPr lang="fr-FR" sz="2800" i="0" u="none" dirty="0" smtClean="0">
+                          <a:ln w="0">
+                            <a:solidFill>
+                              <a:schemeClr val="accent6">
+                                <a:lumMod val="50000"/>
+                              </a:schemeClr>
+                            </a:solidFill>
+                          </a:ln>
+                          <a:solidFill>
+                            <a:schemeClr val="accent6">
+                              <a:lumMod val="50000"/>
+                            </a:schemeClr>
+                          </a:solidFill>
+                          <a:effectLst>
+                            <a:outerShdw blurRad="38100" dist="25400" dir="5400000" algn="ctr" rotWithShape="0">
+                              <a:srgbClr val="6E747A">
+                                <a:alpha val="43000"/>
+                              </a:srgbClr>
+                            </a:outerShdw>
+                          </a:effectLst>
+                          <a:latin typeface="Bodoni MT Black" panose="02070A03080606020203" pitchFamily="18" charset="0"/>
+                          <a:cs typeface="Aharoni" panose="02010803020104030203" pitchFamily="2" charset="-79"/>
+                        </a:rPr>
+                        <a:t>--</a:t>
+                      </a:r>
+                      <a:r>
+                        <a:rPr lang="fr-FR" sz="2800" i="0" u="none" baseline="0" dirty="0" smtClean="0">
+                          <a:ln w="0">
+                            <a:solidFill>
+                              <a:schemeClr val="accent6">
+                                <a:lumMod val="50000"/>
+                              </a:schemeClr>
+                            </a:solidFill>
+                          </a:ln>
+                          <a:solidFill>
+                            <a:schemeClr val="accent6">
+                              <a:lumMod val="50000"/>
+                            </a:schemeClr>
+                          </a:solidFill>
+                          <a:effectLst>
+                            <a:outerShdw blurRad="38100" dist="25400" dir="5400000" algn="ctr" rotWithShape="0">
+                              <a:srgbClr val="6E747A">
+                                <a:alpha val="43000"/>
+                              </a:srgbClr>
+                            </a:outerShdw>
+                          </a:effectLst>
+                          <a:latin typeface="Bodoni MT Black" panose="02070A03080606020203" pitchFamily="18" charset="0"/>
+                          <a:cs typeface="Aharoni" panose="02010803020104030203" pitchFamily="2" charset="-79"/>
+                        </a:rPr>
+                        <a:t> </a:t>
+                      </a:r>
+                      <a:r>
+                        <a:rPr lang="fr-FR" sz="2800" i="0" u="none" dirty="0" smtClean="0">
+                          <a:ln w="0">
+                            <a:solidFill>
+                              <a:schemeClr val="accent6">
+                                <a:lumMod val="50000"/>
+                              </a:schemeClr>
+                            </a:solidFill>
+                          </a:ln>
+                          <a:solidFill>
+                            <a:schemeClr val="accent6">
+                              <a:lumMod val="50000"/>
+                            </a:schemeClr>
+                          </a:solidFill>
+                          <a:effectLst>
+                            <a:outerShdw blurRad="38100" dist="25400" dir="5400000" algn="ctr" rotWithShape="0">
+                              <a:srgbClr val="6E747A">
+                                <a:alpha val="43000"/>
+                              </a:srgbClr>
+                            </a:outerShdw>
+                          </a:effectLst>
+                          <a:latin typeface="Bodoni MT Black" panose="02070A03080606020203" pitchFamily="18" charset="0"/>
+                          <a:cs typeface="Aharoni" panose="02010803020104030203" pitchFamily="2" charset="-79"/>
+                        </a:rPr>
+                        <a:t>POA</a:t>
+                      </a:r>
+                      <a:r>
+                        <a:rPr lang="fr-FR" sz="3200" i="0" u="none" dirty="0" smtClean="0">
+                          <a:ln w="0">
+                            <a:solidFill>
+                              <a:schemeClr val="accent6">
+                                <a:lumMod val="50000"/>
+                              </a:schemeClr>
+                            </a:solidFill>
+                          </a:ln>
+                          <a:solidFill>
+                            <a:schemeClr val="accent6">
+                              <a:lumMod val="50000"/>
+                            </a:schemeClr>
+                          </a:solidFill>
+                          <a:effectLst>
+                            <a:outerShdw blurRad="38100" dist="25400" dir="5400000" algn="ctr" rotWithShape="0">
+                              <a:srgbClr val="6E747A">
+                                <a:alpha val="43000"/>
+                              </a:srgbClr>
+                            </a:outerShdw>
+                          </a:effectLst>
+                          <a:latin typeface="Bodoni MT Black" panose="02070A03080606020203" pitchFamily="18" charset="0"/>
+                          <a:cs typeface="Aharoni" panose="02010803020104030203" pitchFamily="2" charset="-79"/>
+                        </a:rPr>
+                        <a:t> </a:t>
+                      </a:r>
+                      <a:endParaRPr lang="fr-FR" sz="3200" i="0" u="none" dirty="0" smtClean="0">
+                        <a:ln w="0">
+                          <a:solidFill>
+                            <a:schemeClr val="accent6">
+                              <a:lumMod val="50000"/>
+                            </a:schemeClr>
+                          </a:solidFill>
+                        </a:ln>
+                        <a:solidFill>
+                          <a:schemeClr val="accent6">
+                            <a:lumMod val="50000"/>
+                          </a:schemeClr>
+                        </a:solidFill>
+                        <a:effectLst>
+                          <a:outerShdw blurRad="38100" dist="25400" dir="5400000" algn="ctr" rotWithShape="0">
+                            <a:srgbClr val="6E747A">
+                              <a:alpha val="43000"/>
+                            </a:srgbClr>
+                          </a:outerShdw>
+                        </a:effectLst>
+                        <a:latin typeface="Bodoni MT Black" panose="02070A03080606020203" pitchFamily="18" charset="0"/>
+                        <a:cs typeface="Aharoni" panose="02010803020104030203" pitchFamily="2" charset="-79"/>
+                      </a:endParaRPr>
+                    </a:p>
+                  </a:txBody>
+                  <a:tcPr anchor="ctr">
+                    <a:lnL>
+                      <a:noFill/>
+                    </a:lnL>
+                    <a:lnR w="76200" cap="flat" cmpd="sng" algn="ctr">
+                      <a:solidFill>
+                        <a:schemeClr val="accent6">
+                          <a:lumMod val="50000"/>
+                        </a:schemeClr>
+                      </a:solidFill>
+                      <a:prstDash val="solid"/>
+                      <a:round/>
+                      <a:headEnd type="none" w="med" len="med"/>
+                      <a:tailEnd type="none" w="med" len="med"/>
+                    </a:lnR>
+                    <a:lnT>
+                      <a:noFill/>
+                    </a:lnT>
+                    <a:lnB w="38100" cap="flat" cmpd="sng" algn="ctr">
+                      <a:noFill/>
+                      <a:prstDash val="lgDashDot"/>
+                      <a:round/>
+                      <a:headEnd type="none" w="med" len="med"/>
+                      <a:tailEnd type="none" w="med" len="med"/>
+                    </a:lnB>
+                    <a:lnTlToBr w="12700" cmpd="sng">
+                      <a:noFill/>
+                      <a:prstDash val="solid"/>
+                    </a:lnTlToBr>
+                    <a:lnBlToTr w="12700" cmpd="sng">
+                      <a:noFill/>
+                      <a:prstDash val="solid"/>
+                    </a:lnBlToTr>
+                    <a:noFill/>
+                  </a:tcPr>
+                </a:tc>
+                <a:tc>
+                  <a:txBody>
+                    <a:bodyPr/>
+                    <a:lstStyle/>
+                    <a:p>
+                      <a:pPr algn="ctr">
+                        <a:lnSpc>
+                          <a:spcPct val="115000"/>
+                        </a:lnSpc>
+                        <a:spcBef>
+                          <a:spcPts val="2400"/>
+                        </a:spcBef>
+                        <a:spcAft>
+                          <a:spcPts val="0"/>
+                        </a:spcAft>
+                      </a:pPr>
+                      <a:r>
+                        <a:rPr lang="fr-FR" sz="3200" b="1" kern="0" dirty="0" smtClean="0">
+                          <a:solidFill>
+                            <a:srgbClr val="365F91"/>
+                          </a:solidFill>
+                          <a:effectLst/>
+                          <a:latin typeface="Cambria" panose="02040503050406030204" pitchFamily="18" charset="0"/>
+                          <a:ea typeface="Times New Roman" panose="02020603050405020304" pitchFamily="18" charset="0"/>
+                          <a:cs typeface="Times New Roman" panose="02020603050405020304" pitchFamily="18" charset="0"/>
+                        </a:rPr>
+                        <a:t>Fonction Domaine et Image</a:t>
+                      </a:r>
+                      <a:endParaRPr lang="en-US" sz="3200" b="1" kern="0" dirty="0" smtClean="0">
+                        <a:solidFill>
+                          <a:srgbClr val="365F91"/>
+                        </a:solidFill>
+                        <a:effectLst/>
+                        <a:latin typeface="Cambria" panose="02040503050406030204" pitchFamily="18" charset="0"/>
+                        <a:ea typeface="Times New Roman" panose="02020603050405020304" pitchFamily="18" charset="0"/>
+                        <a:cs typeface="Times New Roman" panose="02020603050405020304" pitchFamily="18" charset="0"/>
+                      </a:endParaRPr>
+                    </a:p>
+                  </a:txBody>
+                  <a:tcPr>
+                    <a:lnL w="76200" cap="flat" cmpd="sng" algn="ctr">
+                      <a:solidFill>
+                        <a:schemeClr val="accent6">
+                          <a:lumMod val="50000"/>
+                        </a:schemeClr>
+                      </a:solidFill>
+                      <a:prstDash val="solid"/>
+                      <a:round/>
+                      <a:headEnd type="none" w="med" len="med"/>
+                      <a:tailEnd type="none" w="med" len="med"/>
+                    </a:lnL>
+                    <a:lnR w="76200" cap="flat" cmpd="sng" algn="ctr">
+                      <a:noFill/>
+                      <a:prstDash val="solid"/>
+                      <a:round/>
+                      <a:headEnd type="none" w="med" len="med"/>
+                      <a:tailEnd type="none" w="med" len="med"/>
+                    </a:lnR>
+                    <a:lnT>
+                      <a:noFill/>
+                    </a:lnT>
+                    <a:lnB w="38100" cap="flat" cmpd="sng" algn="ctr">
+                      <a:noFill/>
+                      <a:prstDash val="lgDashDot"/>
+                      <a:round/>
+                      <a:headEnd type="none" w="med" len="med"/>
+                      <a:tailEnd type="none" w="med" len="med"/>
+                    </a:lnB>
+                    <a:lnTlToBr w="12700" cmpd="sng">
+                      <a:noFill/>
+                      <a:prstDash val="solid"/>
+                    </a:lnTlToBr>
+                    <a:lnBlToTr w="12700" cmpd="sng">
+                      <a:noFill/>
+                      <a:prstDash val="solid"/>
+                    </a:lnBlToTr>
+                    <a:gradFill>
+                      <a:gsLst>
+                        <a:gs pos="0">
+                          <a:schemeClr val="accent1">
+                            <a:lumMod val="5000"/>
+                            <a:lumOff val="95000"/>
+                            <a:alpha val="99000"/>
+                          </a:schemeClr>
+                        </a:gs>
+                        <a:gs pos="74000">
+                          <a:schemeClr val="accent1">
+                            <a:lumMod val="45000"/>
+                            <a:lumOff val="55000"/>
+                          </a:schemeClr>
+                        </a:gs>
+                        <a:gs pos="83000">
+                          <a:schemeClr val="accent1">
+                            <a:lumMod val="45000"/>
+                            <a:lumOff val="55000"/>
+                          </a:schemeClr>
+                        </a:gs>
+                        <a:gs pos="100000">
+                          <a:schemeClr val="accent1">
+                            <a:lumMod val="30000"/>
+                            <a:lumOff val="70000"/>
+                          </a:schemeClr>
+                        </a:gs>
+                      </a:gsLst>
+                      <a:lin ang="5400000" scaled="1"/>
+                    </a:gradFill>
+                  </a:tcPr>
+                </a:tc>
+                <a:extLst>
+                  <a:ext uri="{0D108BD9-81ED-4DB2-BD59-A6C34878D82A}">
+                    <a16:rowId xmlns:a16="http://schemas.microsoft.com/office/drawing/2014/main" val="10000"/>
+                  </a:ext>
+                </a:extLst>
+              </a:tr>
+            </a:tbl>
+          </a:graphicData>
+        </a:graphic>
+      </p:graphicFrame>
       <p:sp>
         <p:nvSpPr>
           <p:cNvPr id="2" name="Espace réservé du numéro de diapositive 1"/>
@@ -18419,10 +23012,370 @@
           </a:p>
         </p:txBody>
       </p:sp>
+      <p:sp>
+        <p:nvSpPr>
+          <p:cNvPr id="4" name="Rectangle 3"/>
+          <p:cNvSpPr/>
+          <p:nvPr/>
+        </p:nvSpPr>
+        <p:spPr>
+          <a:xfrm>
+            <a:off x="497840" y="1866315"/>
+            <a:ext cx="5059680" cy="646331"/>
+          </a:xfrm>
+          <a:prstGeom prst="rect">
+            <a:avLst/>
+          </a:prstGeom>
+        </p:spPr>
+        <p:txBody>
+          <a:bodyPr wrap="square">
+            <a:spAutoFit/>
+          </a:bodyPr>
+          <a:lstStyle/>
+          <a:p>
+            <a:r>
+              <a:rPr lang="fr-FR" dirty="0" smtClean="0"/>
+              <a:t>L’illustration suivante permet de visualiser ce que sont le </a:t>
+            </a:r>
+            <a:r>
+              <a:rPr lang="fr-FR" b="1" dirty="0" smtClean="0"/>
+              <a:t>domaine</a:t>
+            </a:r>
+            <a:r>
+              <a:rPr lang="fr-FR" dirty="0" smtClean="0"/>
+              <a:t> et </a:t>
+            </a:r>
+            <a:r>
+              <a:rPr lang="fr-FR" b="1" dirty="0" smtClean="0"/>
+              <a:t>l’image</a:t>
+            </a:r>
+            <a:r>
+              <a:rPr lang="fr-FR" dirty="0" smtClean="0"/>
+              <a:t> d’une fonction. </a:t>
+            </a:r>
+            <a:endParaRPr lang="en-US" dirty="0"/>
+          </a:p>
+        </p:txBody>
+      </p:sp>
+      <p:pic>
+        <p:nvPicPr>
+          <p:cNvPr id="5" name="Image 4"/>
+          <p:cNvPicPr>
+            <a:picLocks noChangeAspect="1"/>
+          </p:cNvPicPr>
+          <p:nvPr/>
+        </p:nvPicPr>
+        <p:blipFill>
+          <a:blip r:embed="rId2"/>
+          <a:stretch>
+            <a:fillRect/>
+          </a:stretch>
+        </p:blipFill>
+        <p:spPr>
+          <a:xfrm>
+            <a:off x="5397571" y="1262747"/>
+            <a:ext cx="5503999" cy="5276165"/>
+          </a:xfrm>
+          <a:prstGeom prst="rect">
+            <a:avLst/>
+          </a:prstGeom>
+        </p:spPr>
+      </p:pic>
+      <p:sp>
+        <p:nvSpPr>
+          <p:cNvPr id="6" name="Rectangle 5"/>
+          <p:cNvSpPr/>
+          <p:nvPr/>
+        </p:nvSpPr>
+        <p:spPr>
+          <a:xfrm>
+            <a:off x="497840" y="2994237"/>
+            <a:ext cx="4003404" cy="410882"/>
+          </a:xfrm>
+          <a:prstGeom prst="rect">
+            <a:avLst/>
+          </a:prstGeom>
+        </p:spPr>
+        <p:txBody>
+          <a:bodyPr wrap="none">
+            <a:spAutoFit/>
+          </a:bodyPr>
+          <a:lstStyle/>
+          <a:p>
+            <a:pPr>
+              <a:lnSpc>
+                <a:spcPct val="115000"/>
+              </a:lnSpc>
+              <a:spcAft>
+                <a:spcPts val="1000"/>
+              </a:spcAft>
+            </a:pPr>
+            <a:r>
+              <a:rPr lang="fr-FR" dirty="0">
+                <a:latin typeface="Calibri" panose="020F0502020204030204" pitchFamily="34" charset="0"/>
+                <a:ea typeface="Calibri" panose="020F0502020204030204" pitchFamily="34" charset="0"/>
+                <a:cs typeface="Times New Roman" panose="02020603050405020304" pitchFamily="18" charset="0"/>
+              </a:rPr>
+              <a:t>Le domaine d’une fonction </a:t>
+            </a:r>
+            <a:r>
+              <a:rPr lang="fr-FR" i="1" dirty="0">
+                <a:latin typeface="Calibri" panose="020F0502020204030204" pitchFamily="34" charset="0"/>
+                <a:ea typeface="Calibri" panose="020F0502020204030204" pitchFamily="34" charset="0"/>
+                <a:cs typeface="Times New Roman" panose="02020603050405020304" pitchFamily="18" charset="0"/>
+              </a:rPr>
+              <a:t>f</a:t>
+            </a:r>
+            <a:r>
+              <a:rPr lang="fr-FR" dirty="0">
+                <a:latin typeface="Calibri" panose="020F0502020204030204" pitchFamily="34" charset="0"/>
+                <a:ea typeface="Calibri" panose="020F0502020204030204" pitchFamily="34" charset="0"/>
+                <a:cs typeface="Times New Roman" panose="02020603050405020304" pitchFamily="18" charset="0"/>
+              </a:rPr>
+              <a:t>, noté </a:t>
+            </a:r>
+            <a:r>
+              <a:rPr lang="fr-FR" b="1" dirty="0">
+                <a:latin typeface="Calibri" panose="020F0502020204030204" pitchFamily="34" charset="0"/>
+                <a:ea typeface="Calibri" panose="020F0502020204030204" pitchFamily="34" charset="0"/>
+                <a:cs typeface="Times New Roman" panose="02020603050405020304" pitchFamily="18" charset="0"/>
+              </a:rPr>
+              <a:t>Dom f</a:t>
+            </a:r>
+            <a:endParaRPr lang="en-US" dirty="0">
+              <a:latin typeface="Calibri" panose="020F0502020204030204" pitchFamily="34" charset="0"/>
+              <a:ea typeface="Calibri" panose="020F0502020204030204" pitchFamily="34" charset="0"/>
+              <a:cs typeface="Times New Roman" panose="02020603050405020304" pitchFamily="18" charset="0"/>
+            </a:endParaRPr>
+          </a:p>
+        </p:txBody>
+      </p:sp>
     </p:spTree>
     <p:extLst>
       <p:ext uri="{BB962C8B-B14F-4D97-AF65-F5344CB8AC3E}">
-        <p14:creationId xmlns:p14="http://schemas.microsoft.com/office/powerpoint/2010/main" val="391268690"/>
+        <p14:creationId xmlns:p14="http://schemas.microsoft.com/office/powerpoint/2010/main" val="40629279"/>
+      </p:ext>
+    </p:extLst>
+  </p:cSld>
+  <p:clrMapOvr>
+    <a:masterClrMapping/>
+  </p:clrMapOvr>
+  <p:timing>
+    <p:tnLst>
+      <p:par>
+        <p:cTn id="1" dur="indefinite" restart="never" nodeType="tmRoot">
+          <p:childTnLst>
+            <p:seq concurrent="1" nextAc="seek">
+              <p:cTn id="2" dur="indefinite" nodeType="mainSeq">
+                <p:childTnLst>
+                  <p:par>
+                    <p:cTn id="3" fill="hold">
+                      <p:stCondLst>
+                        <p:cond delay="indefinite"/>
+                      </p:stCondLst>
+                      <p:childTnLst>
+                        <p:par>
+                          <p:cTn id="4" fill="hold">
+                            <p:stCondLst>
+                              <p:cond delay="0"/>
+                            </p:stCondLst>
+                            <p:childTnLst>
+                              <p:par>
+                                <p:cTn id="5" presetID="1" presetClass="entr" presetSubtype="0" fill="hold" grpId="0" nodeType="clickEffect">
+                                  <p:stCondLst>
+                                    <p:cond delay="0"/>
+                                  </p:stCondLst>
+                                  <p:childTnLst>
+                                    <p:set>
+                                      <p:cBhvr>
+                                        <p:cTn id="6" dur="1" fill="hold">
+                                          <p:stCondLst>
+                                            <p:cond delay="0"/>
+                                          </p:stCondLst>
+                                        </p:cTn>
+                                        <p:tgtEl>
+                                          <p:spTgt spid="4"/>
+                                        </p:tgtEl>
+                                        <p:attrNameLst>
+                                          <p:attrName>style.visibility</p:attrName>
+                                        </p:attrNameLst>
+                                      </p:cBhvr>
+                                      <p:to>
+                                        <p:strVal val="visible"/>
+                                      </p:to>
+                                    </p:set>
+                                  </p:childTnLst>
+                                </p:cTn>
+                              </p:par>
+                            </p:childTnLst>
+                          </p:cTn>
+                        </p:par>
+                      </p:childTnLst>
+                    </p:cTn>
+                  </p:par>
+                  <p:par>
+                    <p:cTn id="7" fill="hold">
+                      <p:stCondLst>
+                        <p:cond delay="indefinite"/>
+                      </p:stCondLst>
+                      <p:childTnLst>
+                        <p:par>
+                          <p:cTn id="8" fill="hold">
+                            <p:stCondLst>
+                              <p:cond delay="0"/>
+                            </p:stCondLst>
+                            <p:childTnLst>
+                              <p:par>
+                                <p:cTn id="9" presetID="1" presetClass="entr" presetSubtype="0" fill="hold" nodeType="clickEffect">
+                                  <p:stCondLst>
+                                    <p:cond delay="0"/>
+                                  </p:stCondLst>
+                                  <p:childTnLst>
+                                    <p:set>
+                                      <p:cBhvr>
+                                        <p:cTn id="10" dur="1" fill="hold">
+                                          <p:stCondLst>
+                                            <p:cond delay="0"/>
+                                          </p:stCondLst>
+                                        </p:cTn>
+                                        <p:tgtEl>
+                                          <p:spTgt spid="5"/>
+                                        </p:tgtEl>
+                                        <p:attrNameLst>
+                                          <p:attrName>style.visibility</p:attrName>
+                                        </p:attrNameLst>
+                                      </p:cBhvr>
+                                      <p:to>
+                                        <p:strVal val="visible"/>
+                                      </p:to>
+                                    </p:set>
+                                  </p:childTnLst>
+                                </p:cTn>
+                              </p:par>
+                            </p:childTnLst>
+                          </p:cTn>
+                        </p:par>
+                      </p:childTnLst>
+                    </p:cTn>
+                  </p:par>
+                  <p:par>
+                    <p:cTn id="11" fill="hold">
+                      <p:stCondLst>
+                        <p:cond delay="indefinite"/>
+                      </p:stCondLst>
+                      <p:childTnLst>
+                        <p:par>
+                          <p:cTn id="12" fill="hold">
+                            <p:stCondLst>
+                              <p:cond delay="0"/>
+                            </p:stCondLst>
+                            <p:childTnLst>
+                              <p:par>
+                                <p:cTn id="13" presetID="1" presetClass="entr" presetSubtype="0" fill="hold" grpId="0" nodeType="clickEffect">
+                                  <p:stCondLst>
+                                    <p:cond delay="0"/>
+                                  </p:stCondLst>
+                                  <p:childTnLst>
+                                    <p:set>
+                                      <p:cBhvr>
+                                        <p:cTn id="14" dur="1" fill="hold">
+                                          <p:stCondLst>
+                                            <p:cond delay="0"/>
+                                          </p:stCondLst>
+                                        </p:cTn>
+                                        <p:tgtEl>
+                                          <p:spTgt spid="6"/>
+                                        </p:tgtEl>
+                                        <p:attrNameLst>
+                                          <p:attrName>style.visibility</p:attrName>
+                                        </p:attrNameLst>
+                                      </p:cBhvr>
+                                      <p:to>
+                                        <p:strVal val="visible"/>
+                                      </p:to>
+                                    </p:set>
+                                  </p:childTnLst>
+                                </p:cTn>
+                              </p:par>
+                            </p:childTnLst>
+                          </p:cTn>
+                        </p:par>
+                      </p:childTnLst>
+                    </p:cTn>
+                  </p:par>
+                </p:childTnLst>
+              </p:cTn>
+              <p:prevCondLst>
+                <p:cond evt="onPrev" delay="0">
+                  <p:tgtEl>
+                    <p:sldTgt/>
+                  </p:tgtEl>
+                </p:cond>
+              </p:prevCondLst>
+              <p:nextCondLst>
+                <p:cond evt="onNext" delay="0">
+                  <p:tgtEl>
+                    <p:sldTgt/>
+                  </p:tgtEl>
+                </p:cond>
+              </p:nextCondLst>
+            </p:seq>
+          </p:childTnLst>
+        </p:cTn>
+      </p:par>
+    </p:tnLst>
+    <p:bldLst>
+      <p:bldP spid="4" grpId="0"/>
+      <p:bldP spid="6" grpId="0"/>
+    </p:bldLst>
+  </p:timing>
+</p:sld>
+</file>
+
+<file path=ppt/slides/slide32.xml><?xml version="1.0" encoding="utf-8"?>
+<p:sld xmlns:a="http://schemas.openxmlformats.org/drawingml/2006/main" xmlns:r="http://schemas.openxmlformats.org/officeDocument/2006/relationships" xmlns:p="http://schemas.openxmlformats.org/presentationml/2006/main">
+  <p:cSld>
+    <p:spTree>
+      <p:nvGrpSpPr>
+        <p:cNvPr id="1" name=""/>
+        <p:cNvGrpSpPr/>
+        <p:nvPr/>
+      </p:nvGrpSpPr>
+      <p:grpSpPr>
+        <a:xfrm>
+          <a:off x="0" y="0"/>
+          <a:ext cx="0" cy="0"/>
+          <a:chOff x="0" y="0"/>
+          <a:chExt cx="0" cy="0"/>
+        </a:xfrm>
+      </p:grpSpPr>
+      <p:sp>
+        <p:nvSpPr>
+          <p:cNvPr id="2" name="Espace réservé du numéro de diapositive 1"/>
+          <p:cNvSpPr>
+            <a:spLocks noGrp="1"/>
+          </p:cNvSpPr>
+          <p:nvPr>
+            <p:ph type="sldNum" sz="quarter" idx="12"/>
+          </p:nvPr>
+        </p:nvSpPr>
+        <p:spPr/>
+        <p:txBody>
+          <a:bodyPr/>
+          <a:lstStyle/>
+          <a:p>
+            <a:fld id="{87F3244A-B129-4F36-A066-AD642C37D82A}" type="slidenum">
+              <a:rPr lang="en-US" smtClean="0"/>
+              <a:t>32</a:t>
+            </a:fld>
+            <a:endParaRPr lang="en-US"/>
+          </a:p>
+        </p:txBody>
+      </p:sp>
+    </p:spTree>
+    <p:extLst>
+      <p:ext uri="{BB962C8B-B14F-4D97-AF65-F5344CB8AC3E}">
+        <p14:creationId xmlns:p14="http://schemas.microsoft.com/office/powerpoint/2010/main" val="2193535114"/>
       </p:ext>
     </p:extLst>
   </p:cSld>
@@ -18439,7 +23392,7 @@
 </p:sld>
 </file>
 
-<file path=ppt/slides/slide32.xml><?xml version="1.0" encoding="utf-8"?>
+<file path=ppt/slides/slide33.xml><?xml version="1.0" encoding="utf-8"?>
 <p:sld xmlns:a="http://schemas.openxmlformats.org/drawingml/2006/main" xmlns:r="http://schemas.openxmlformats.org/officeDocument/2006/relationships" xmlns:p="http://schemas.openxmlformats.org/presentationml/2006/main">
   <p:cSld>
     <p:spTree>
@@ -18886,7 +23839,7 @@
           <a:p>
             <a:fld id="{87F3244A-B129-4F36-A066-AD642C37D82A}" type="slidenum">
               <a:rPr lang="en-US" smtClean="0"/>
-              <a:t>32</a:t>
+              <a:t>33</a:t>
             </a:fld>
             <a:endParaRPr lang="en-US"/>
           </a:p>
@@ -18896,66 +23849,6 @@
     <p:extLst>
       <p:ext uri="{BB962C8B-B14F-4D97-AF65-F5344CB8AC3E}">
         <p14:creationId xmlns:p14="http://schemas.microsoft.com/office/powerpoint/2010/main" val="2404982586"/>
-      </p:ext>
-    </p:extLst>
-  </p:cSld>
-  <p:clrMapOvr>
-    <a:masterClrMapping/>
-  </p:clrMapOvr>
-  <p:timing>
-    <p:tnLst>
-      <p:par>
-        <p:cTn id="1" dur="indefinite" restart="never" nodeType="tmRoot"/>
-      </p:par>
-    </p:tnLst>
-  </p:timing>
-</p:sld>
-</file>
-
-<file path=ppt/slides/slide33.xml><?xml version="1.0" encoding="utf-8"?>
-<p:sld xmlns:a="http://schemas.openxmlformats.org/drawingml/2006/main" xmlns:r="http://schemas.openxmlformats.org/officeDocument/2006/relationships" xmlns:p="http://schemas.openxmlformats.org/presentationml/2006/main">
-  <p:cSld>
-    <p:spTree>
-      <p:nvGrpSpPr>
-        <p:cNvPr id="1" name=""/>
-        <p:cNvGrpSpPr/>
-        <p:nvPr/>
-      </p:nvGrpSpPr>
-      <p:grpSpPr>
-        <a:xfrm>
-          <a:off x="0" y="0"/>
-          <a:ext cx="0" cy="0"/>
-          <a:chOff x="0" y="0"/>
-          <a:chExt cx="0" cy="0"/>
-        </a:xfrm>
-      </p:grpSpPr>
-      <p:sp>
-        <p:nvSpPr>
-          <p:cNvPr id="2" name="Espace réservé du numéro de diapositive 1"/>
-          <p:cNvSpPr>
-            <a:spLocks noGrp="1"/>
-          </p:cNvSpPr>
-          <p:nvPr>
-            <p:ph type="sldNum" sz="quarter" idx="12"/>
-          </p:nvPr>
-        </p:nvSpPr>
-        <p:spPr/>
-        <p:txBody>
-          <a:bodyPr/>
-          <a:lstStyle/>
-          <a:p>
-            <a:fld id="{87F3244A-B129-4F36-A066-AD642C37D82A}" type="slidenum">
-              <a:rPr lang="en-US" smtClean="0"/>
-              <a:t>33</a:t>
-            </a:fld>
-            <a:endParaRPr lang="en-US"/>
-          </a:p>
-        </p:txBody>
-      </p:sp>
-    </p:spTree>
-    <p:extLst>
-      <p:ext uri="{BB962C8B-B14F-4D97-AF65-F5344CB8AC3E}">
-        <p14:creationId xmlns:p14="http://schemas.microsoft.com/office/powerpoint/2010/main" val="2193535114"/>
       </p:ext>
     </p:extLst>
   </p:cSld>
